--- a/slides/ppt/01_FromCtoJava.pptx
+++ b/slides/ppt/01_FromCtoJava.pptx
@@ -5,7 +5,7 @@
     <p:sldMasterId id="2147483672" r:id="rId1"/>
   </p:sldMasterIdLst>
   <p:notesMasterIdLst>
-    <p:notesMasterId r:id="rId43"/>
+    <p:notesMasterId r:id="rId45"/>
   </p:notesMasterIdLst>
   <p:sldIdLst>
     <p:sldId id="256" r:id="rId2"/>
@@ -38,17 +38,19 @@
     <p:sldId id="269" r:id="rId29"/>
     <p:sldId id="287" r:id="rId30"/>
     <p:sldId id="289" r:id="rId31"/>
-    <p:sldId id="291" r:id="rId32"/>
-    <p:sldId id="344" r:id="rId33"/>
-    <p:sldId id="299" r:id="rId34"/>
-    <p:sldId id="338" r:id="rId35"/>
-    <p:sldId id="339" r:id="rId36"/>
-    <p:sldId id="340" r:id="rId37"/>
-    <p:sldId id="341" r:id="rId38"/>
-    <p:sldId id="345" r:id="rId39"/>
-    <p:sldId id="346" r:id="rId40"/>
-    <p:sldId id="347" r:id="rId41"/>
-    <p:sldId id="348" r:id="rId42"/>
+    <p:sldId id="364" r:id="rId32"/>
+    <p:sldId id="291" r:id="rId33"/>
+    <p:sldId id="344" r:id="rId34"/>
+    <p:sldId id="365" r:id="rId35"/>
+    <p:sldId id="299" r:id="rId36"/>
+    <p:sldId id="338" r:id="rId37"/>
+    <p:sldId id="339" r:id="rId38"/>
+    <p:sldId id="340" r:id="rId39"/>
+    <p:sldId id="341" r:id="rId40"/>
+    <p:sldId id="345" r:id="rId41"/>
+    <p:sldId id="346" r:id="rId42"/>
+    <p:sldId id="347" r:id="rId43"/>
+    <p:sldId id="348" r:id="rId44"/>
   </p:sldIdLst>
   <p:sldSz cx="9144000" cy="6858000" type="screen4x3"/>
   <p:notesSz cx="6858000" cy="9144000"/>
@@ -149,7 +151,7 @@
   </p:defaultTextStyle>
   <p:extLst>
     <p:ext uri="{EFAFB233-063F-42B5-8137-9DF3F51BA10A}">
-      <p15:sldGuideLst xmlns:p15="http://schemas.microsoft.com/office/powerpoint/2012/main">
+      <p15:sldGuideLst xmlns:p15="http://schemas.microsoft.com/office/powerpoint/2012/main" xmlns="">
         <p15:guide id="1" orient="horz" pos="2160">
           <p15:clr>
             <a:srgbClr val="A4A3A4"/>
@@ -249,7 +251,7 @@
             <a:fld id="{BAEB7694-8561-4BE2-948D-EDF7A201F8BB}" type="datetimeFigureOut">
               <a:rPr lang="it-IT" smtClean="0"/>
               <a:pPr/>
-              <a:t>09/11/17</a:t>
+              <a:t>26/02/18</a:t>
             </a:fld>
             <a:endParaRPr lang="it-IT"/>
           </a:p>
@@ -411,7 +413,7 @@
             <a:fld id="{475F0E4F-C068-4558-BD2C-4354A8A0FB1B}" type="slidenum">
               <a:rPr lang="it-IT" smtClean="0"/>
               <a:pPr/>
-              <a:t>‹n.›</a:t>
+              <a:t>‹#›</a:t>
             </a:fld>
             <a:endParaRPr lang="it-IT"/>
           </a:p>
@@ -1013,7 +1015,7 @@
             <a:fld id="{475F0E4F-C068-4558-BD2C-4354A8A0FB1B}" type="slidenum">
               <a:rPr lang="it-IT" smtClean="0"/>
               <a:pPr/>
-              <a:t>33</a:t>
+              <a:t>35</a:t>
             </a:fld>
             <a:endParaRPr lang="it-IT"/>
           </a:p>
@@ -1222,7 +1224,7 @@
             <a:fld id="{D2040F39-7941-49A4-B48D-F201B18B6351}" type="slidenum">
               <a:rPr lang="it-IT" smtClean="0"/>
               <a:pPr/>
-              <a:t>‹n.›</a:t>
+              <a:t>‹#›</a:t>
             </a:fld>
             <a:endParaRPr lang="it-IT" dirty="0"/>
           </a:p>
@@ -1404,7 +1406,7 @@
             <a:fld id="{D2040F39-7941-49A4-B48D-F201B18B6351}" type="slidenum">
               <a:rPr lang="it-IT" smtClean="0"/>
               <a:pPr/>
-              <a:t>‹n.›</a:t>
+              <a:t>‹#›</a:t>
             </a:fld>
             <a:endParaRPr lang="it-IT" dirty="0"/>
           </a:p>
@@ -1596,7 +1598,7 @@
             <a:fld id="{D2040F39-7941-49A4-B48D-F201B18B6351}" type="slidenum">
               <a:rPr lang="it-IT" smtClean="0"/>
               <a:pPr/>
-              <a:t>‹n.›</a:t>
+              <a:t>‹#›</a:t>
             </a:fld>
             <a:endParaRPr lang="it-IT" dirty="0"/>
           </a:p>
@@ -1734,7 +1736,7 @@
             <a:fld id="{D2040F39-7941-49A4-B48D-F201B18B6351}" type="slidenum">
               <a:rPr lang="it-IT" smtClean="0"/>
               <a:pPr/>
-              <a:t>‹n.›</a:t>
+              <a:t>‹#›</a:t>
             </a:fld>
             <a:endParaRPr lang="it-IT" dirty="0"/>
           </a:p>
@@ -1992,7 +1994,7 @@
             <a:fld id="{D2040F39-7941-49A4-B48D-F201B18B6351}" type="slidenum">
               <a:rPr lang="it-IT" smtClean="0"/>
               <a:pPr/>
-              <a:t>‹n.›</a:t>
+              <a:t>‹#›</a:t>
             </a:fld>
             <a:endParaRPr lang="it-IT" dirty="0"/>
           </a:p>
@@ -2292,7 +2294,7 @@
             <a:fld id="{D2040F39-7941-49A4-B48D-F201B18B6351}" type="slidenum">
               <a:rPr lang="it-IT" smtClean="0"/>
               <a:pPr/>
-              <a:t>‹n.›</a:t>
+              <a:t>‹#›</a:t>
             </a:fld>
             <a:endParaRPr lang="it-IT" dirty="0"/>
           </a:p>
@@ -2726,7 +2728,7 @@
             <a:fld id="{D2040F39-7941-49A4-B48D-F201B18B6351}" type="slidenum">
               <a:rPr lang="it-IT" smtClean="0"/>
               <a:pPr/>
-              <a:t>‹n.›</a:t>
+              <a:t>‹#›</a:t>
             </a:fld>
             <a:endParaRPr lang="it-IT" dirty="0"/>
           </a:p>
@@ -2856,7 +2858,7 @@
             <a:fld id="{D2040F39-7941-49A4-B48D-F201B18B6351}" type="slidenum">
               <a:rPr lang="it-IT" smtClean="0"/>
               <a:pPr/>
-              <a:t>‹n.›</a:t>
+              <a:t>‹#›</a:t>
             </a:fld>
             <a:endParaRPr lang="it-IT" dirty="0"/>
           </a:p>
@@ -2963,7 +2965,7 @@
             <a:fld id="{D2040F39-7941-49A4-B48D-F201B18B6351}" type="slidenum">
               <a:rPr lang="it-IT" smtClean="0"/>
               <a:pPr/>
-              <a:t>‹n.›</a:t>
+              <a:t>‹#›</a:t>
             </a:fld>
             <a:endParaRPr lang="it-IT" dirty="0"/>
           </a:p>
@@ -3208,7 +3210,7 @@
             <a:fld id="{D2040F39-7941-49A4-B48D-F201B18B6351}" type="slidenum">
               <a:rPr lang="it-IT" smtClean="0"/>
               <a:pPr/>
-              <a:t>‹n.›</a:t>
+              <a:t>‹#›</a:t>
             </a:fld>
             <a:endParaRPr lang="it-IT" dirty="0"/>
           </a:p>
@@ -3433,7 +3435,7 @@
             <a:fld id="{D2040F39-7941-49A4-B48D-F201B18B6351}" type="slidenum">
               <a:rPr lang="it-IT" smtClean="0"/>
               <a:pPr/>
-              <a:t>‹n.›</a:t>
+              <a:t>‹#›</a:t>
             </a:fld>
             <a:endParaRPr lang="it-IT" dirty="0"/>
           </a:p>
@@ -3700,7 +3702,7 @@
             <a:fld id="{D2040F39-7941-49A4-B48D-F201B18B6351}" type="slidenum">
               <a:rPr lang="it-IT" smtClean="0"/>
               <a:pPr/>
-              <a:t>‹n.›</a:t>
+              <a:t>‹#›</a:t>
             </a:fld>
             <a:endParaRPr lang="it-IT" dirty="0"/>
           </a:p>
@@ -4107,7 +4109,7 @@
   <p:timing>
     <p:tnLst>
       <p:par>
-        <p:cTn id="1" dur="indefinite" restart="never" nodeType="tmRoot"/>
+        <p:cTn xmlns:p14="http://schemas.microsoft.com/office/powerpoint/2010/main" id="1" dur="indefinite" restart="never" nodeType="tmRoot"/>
       </p:par>
     </p:tnLst>
   </p:timing>
@@ -4176,29 +4178,29 @@
             </a:pPr>
             <a:r>
               <a:rPr lang="fr-FR" dirty="0" err="1">
-                <a:latin typeface="Courier New"/>
-                <a:cs typeface="Courier New"/>
+                <a:latin typeface="Consolas"/>
+                <a:cs typeface="Consolas"/>
               </a:rPr>
               <a:t>int</a:t>
             </a:r>
             <a:r>
               <a:rPr lang="fr-FR" dirty="0">
-                <a:latin typeface="Courier New"/>
-                <a:cs typeface="Courier New"/>
+                <a:latin typeface="Consolas"/>
+                <a:cs typeface="Consolas"/>
               </a:rPr>
               <a:t> </a:t>
             </a:r>
             <a:r>
               <a:rPr lang="fr-FR" dirty="0" err="1">
-                <a:latin typeface="Courier New"/>
-                <a:cs typeface="Courier New"/>
+                <a:latin typeface="Consolas"/>
+                <a:cs typeface="Consolas"/>
               </a:rPr>
               <a:t>vect</a:t>
             </a:r>
             <a:r>
               <a:rPr lang="fr-FR" dirty="0">
-                <a:latin typeface="Courier New"/>
-                <a:cs typeface="Courier New"/>
+                <a:latin typeface="Consolas"/>
+                <a:cs typeface="Consolas"/>
               </a:rPr>
               <a:t>[20];</a:t>
             </a:r>
@@ -4209,43 +4211,43 @@
             </a:pPr>
             <a:r>
               <a:rPr lang="fi-FI" dirty="0" err="1">
-                <a:latin typeface="Courier New"/>
-                <a:cs typeface="Courier New"/>
+                <a:latin typeface="Consolas"/>
+                <a:cs typeface="Consolas"/>
               </a:rPr>
               <a:t>void</a:t>
             </a:r>
             <a:r>
               <a:rPr lang="fi-FI" dirty="0">
-                <a:latin typeface="Courier New"/>
-                <a:cs typeface="Courier New"/>
+                <a:latin typeface="Consolas"/>
+                <a:cs typeface="Consolas"/>
               </a:rPr>
               <a:t> </a:t>
             </a:r>
             <a:r>
               <a:rPr lang="fi-FI" dirty="0" err="1">
-                <a:latin typeface="Courier New"/>
-                <a:cs typeface="Courier New"/>
+                <a:latin typeface="Consolas"/>
+                <a:cs typeface="Consolas"/>
               </a:rPr>
               <a:t>sort</a:t>
             </a:r>
             <a:r>
               <a:rPr lang="fi-FI" dirty="0">
-                <a:latin typeface="Courier New"/>
-                <a:cs typeface="Courier New"/>
+                <a:latin typeface="Consolas"/>
+                <a:cs typeface="Consolas"/>
               </a:rPr>
               <a:t>() { /* </a:t>
             </a:r>
             <a:r>
               <a:rPr lang="fi-FI" dirty="0" err="1">
-                <a:latin typeface="Courier New"/>
-                <a:cs typeface="Courier New"/>
+                <a:latin typeface="Consolas"/>
+                <a:cs typeface="Consolas"/>
               </a:rPr>
               <a:t>sort</a:t>
             </a:r>
             <a:r>
               <a:rPr lang="fi-FI" dirty="0">
-                <a:latin typeface="Courier New"/>
-                <a:cs typeface="Courier New"/>
+                <a:latin typeface="Consolas"/>
+                <a:cs typeface="Consolas"/>
               </a:rPr>
               <a:t> */ }</a:t>
             </a:r>
@@ -4256,43 +4258,43 @@
             </a:pPr>
             <a:r>
               <a:rPr lang="fi-FI" dirty="0" err="1">
-                <a:latin typeface="Courier New"/>
-                <a:cs typeface="Courier New"/>
+                <a:latin typeface="Consolas"/>
+                <a:cs typeface="Consolas"/>
               </a:rPr>
               <a:t>int</a:t>
             </a:r>
             <a:r>
               <a:rPr lang="fi-FI" dirty="0">
-                <a:latin typeface="Courier New"/>
-                <a:cs typeface="Courier New"/>
+                <a:latin typeface="Consolas"/>
+                <a:cs typeface="Consolas"/>
               </a:rPr>
               <a:t> </a:t>
             </a:r>
             <a:r>
               <a:rPr lang="fi-FI" dirty="0" err="1">
-                <a:latin typeface="Courier New"/>
-                <a:cs typeface="Courier New"/>
+                <a:latin typeface="Consolas"/>
+                <a:cs typeface="Consolas"/>
               </a:rPr>
               <a:t>search(int</a:t>
             </a:r>
             <a:r>
               <a:rPr lang="fi-FI" dirty="0">
-                <a:latin typeface="Courier New"/>
-                <a:cs typeface="Courier New"/>
+                <a:latin typeface="Consolas"/>
+                <a:cs typeface="Consolas"/>
               </a:rPr>
               <a:t> n){ /* </a:t>
             </a:r>
             <a:r>
               <a:rPr lang="fi-FI" dirty="0" err="1">
-                <a:latin typeface="Courier New"/>
-                <a:cs typeface="Courier New"/>
+                <a:latin typeface="Consolas"/>
+                <a:cs typeface="Consolas"/>
               </a:rPr>
               <a:t>search</a:t>
             </a:r>
             <a:r>
               <a:rPr lang="fi-FI" dirty="0">
-                <a:latin typeface="Courier New"/>
-                <a:cs typeface="Courier New"/>
+                <a:latin typeface="Consolas"/>
+                <a:cs typeface="Consolas"/>
               </a:rPr>
               <a:t> */ }</a:t>
             </a:r>
@@ -4303,43 +4305,43 @@
             </a:pPr>
             <a:r>
               <a:rPr lang="fi-FI" dirty="0" err="1">
-                <a:latin typeface="Courier New"/>
-                <a:cs typeface="Courier New"/>
+                <a:latin typeface="Consolas"/>
+                <a:cs typeface="Consolas"/>
               </a:rPr>
               <a:t>void</a:t>
             </a:r>
             <a:r>
               <a:rPr lang="fi-FI" dirty="0">
-                <a:latin typeface="Courier New"/>
-                <a:cs typeface="Courier New"/>
+                <a:latin typeface="Consolas"/>
+                <a:cs typeface="Consolas"/>
               </a:rPr>
               <a:t> </a:t>
             </a:r>
             <a:r>
               <a:rPr lang="fi-FI" dirty="0" err="1">
-                <a:latin typeface="Courier New"/>
-                <a:cs typeface="Courier New"/>
+                <a:latin typeface="Consolas"/>
+                <a:cs typeface="Consolas"/>
               </a:rPr>
               <a:t>init</a:t>
             </a:r>
             <a:r>
               <a:rPr lang="fi-FI" dirty="0">
-                <a:latin typeface="Courier New"/>
-                <a:cs typeface="Courier New"/>
+                <a:latin typeface="Consolas"/>
+                <a:cs typeface="Consolas"/>
               </a:rPr>
               <a:t>() { /* </a:t>
             </a:r>
             <a:r>
               <a:rPr lang="fi-FI" dirty="0" err="1">
-                <a:latin typeface="Courier New"/>
-                <a:cs typeface="Courier New"/>
+                <a:latin typeface="Consolas"/>
+                <a:cs typeface="Consolas"/>
               </a:rPr>
               <a:t>init</a:t>
             </a:r>
             <a:r>
               <a:rPr lang="fi-FI" dirty="0">
-                <a:latin typeface="Courier New"/>
-                <a:cs typeface="Courier New"/>
+                <a:latin typeface="Consolas"/>
+                <a:cs typeface="Consolas"/>
               </a:rPr>
               <a:t> */ }</a:t>
             </a:r>
@@ -4350,8 +4352,8 @@
             </a:pPr>
             <a:r>
               <a:rPr lang="fi-FI" dirty="0">
-                <a:latin typeface="Courier New"/>
-                <a:cs typeface="Courier New"/>
+                <a:latin typeface="Consolas"/>
+                <a:cs typeface="Consolas"/>
               </a:rPr>
               <a:t>// …</a:t>
             </a:r>
@@ -4362,15 +4364,15 @@
             </a:pPr>
             <a:r>
               <a:rPr lang="fi-FI" dirty="0" err="1">
-                <a:latin typeface="Courier New"/>
-                <a:cs typeface="Courier New"/>
+                <a:latin typeface="Consolas"/>
+                <a:cs typeface="Consolas"/>
               </a:rPr>
               <a:t>int</a:t>
             </a:r>
             <a:r>
               <a:rPr lang="fi-FI" dirty="0">
-                <a:latin typeface="Courier New"/>
-                <a:cs typeface="Courier New"/>
+                <a:latin typeface="Consolas"/>
+                <a:cs typeface="Consolas"/>
               </a:rPr>
               <a:t> i;</a:t>
             </a:r>
@@ -4381,15 +4383,15 @@
             </a:pPr>
             <a:r>
               <a:rPr lang="fi-FI" dirty="0" err="1">
-                <a:latin typeface="Courier New"/>
-                <a:cs typeface="Courier New"/>
+                <a:latin typeface="Consolas"/>
+                <a:cs typeface="Consolas"/>
               </a:rPr>
               <a:t>void</a:t>
             </a:r>
             <a:r>
               <a:rPr lang="fi-FI" dirty="0">
-                <a:latin typeface="Courier New"/>
-                <a:cs typeface="Courier New"/>
+                <a:latin typeface="Consolas"/>
+                <a:cs typeface="Consolas"/>
               </a:rPr>
               <a:t> main(){</a:t>
             </a:r>
@@ -4400,22 +4402,22 @@
             </a:pPr>
             <a:r>
               <a:rPr lang="fi-FI" dirty="0" smtClean="0">
-                <a:latin typeface="Courier New"/>
-                <a:cs typeface="Courier New"/>
+                <a:latin typeface="Consolas"/>
+                <a:cs typeface="Consolas"/>
               </a:rPr>
               <a:t>	</a:t>
             </a:r>
             <a:r>
               <a:rPr lang="fi-FI" dirty="0" err="1" smtClean="0">
-                <a:latin typeface="Courier New"/>
-                <a:cs typeface="Courier New"/>
+                <a:latin typeface="Consolas"/>
+                <a:cs typeface="Consolas"/>
               </a:rPr>
               <a:t>init</a:t>
             </a:r>
             <a:r>
               <a:rPr lang="fi-FI" dirty="0">
-                <a:latin typeface="Courier New"/>
-                <a:cs typeface="Courier New"/>
+                <a:latin typeface="Consolas"/>
+                <a:cs typeface="Consolas"/>
               </a:rPr>
               <a:t>();</a:t>
             </a:r>
@@ -4426,22 +4428,22 @@
             </a:pPr>
             <a:r>
               <a:rPr lang="fi-FI" dirty="0" smtClean="0">
-                <a:latin typeface="Courier New"/>
-                <a:cs typeface="Courier New"/>
+                <a:latin typeface="Consolas"/>
+                <a:cs typeface="Consolas"/>
               </a:rPr>
               <a:t>	</a:t>
             </a:r>
             <a:r>
               <a:rPr lang="fi-FI" dirty="0" err="1" smtClean="0">
-                <a:latin typeface="Courier New"/>
-                <a:cs typeface="Courier New"/>
+                <a:latin typeface="Consolas"/>
+                <a:cs typeface="Consolas"/>
               </a:rPr>
               <a:t>sort</a:t>
             </a:r>
             <a:r>
               <a:rPr lang="fi-FI" dirty="0">
-                <a:latin typeface="Courier New"/>
-                <a:cs typeface="Courier New"/>
+                <a:latin typeface="Consolas"/>
+                <a:cs typeface="Consolas"/>
               </a:rPr>
               <a:t>();</a:t>
             </a:r>
@@ -4452,15 +4454,15 @@
             </a:pPr>
             <a:r>
               <a:rPr lang="en-US" dirty="0" smtClean="0">
-                <a:latin typeface="Courier New"/>
-                <a:cs typeface="Courier New"/>
+                <a:latin typeface="Consolas"/>
+                <a:cs typeface="Consolas"/>
               </a:rPr>
               <a:t>	search</a:t>
             </a:r>
             <a:r>
               <a:rPr lang="en-US" dirty="0">
-                <a:latin typeface="Courier New"/>
-                <a:cs typeface="Courier New"/>
+                <a:latin typeface="Consolas"/>
+                <a:cs typeface="Consolas"/>
               </a:rPr>
               <a:t>(13);</a:t>
             </a:r>
@@ -4471,8 +4473,8 @@
             </a:pPr>
             <a:r>
               <a:rPr lang="en-US" dirty="0">
-                <a:latin typeface="Courier New"/>
-                <a:cs typeface="Courier New"/>
+                <a:latin typeface="Consolas"/>
+                <a:cs typeface="Consolas"/>
               </a:rPr>
               <a:t>}</a:t>
             </a:r>
@@ -5068,60 +5070,56 @@
           <a:lstStyle/>
           <a:p>
             <a:r>
-              <a:rPr lang="en-US" sz="2000" dirty="0"/>
+              <a:rPr lang="en-US" sz="2400" dirty="0"/>
               <a:t>External functions can read/</a:t>
             </a:r>
             <a:r>
-              <a:rPr lang="en-US" sz="2000" dirty="0" smtClean="0"/>
-              <a:t>write vector’s data</a:t>
-            </a:r>
-          </a:p>
-          <a:p>
-            <a:r>
-              <a:rPr lang="en-US" sz="2000" dirty="0" smtClean="0"/>
-              <a:t>As </a:t>
-            </a:r>
-            <a:r>
-              <a:rPr lang="en-US" sz="2000" dirty="0"/>
-              <a:t>time goes by, this leads to a </a:t>
-            </a:r>
-            <a:r>
-              <a:rPr lang="en-US" sz="2000" dirty="0" smtClean="0"/>
+              <a:rPr lang="en-US" sz="2400" dirty="0" smtClean="0"/>
+              <a:t>write vector’s </a:t>
+            </a:r>
+            <a:r>
+              <a:rPr lang="en-US" sz="2400" dirty="0" smtClean="0"/>
+              <a:t>data, leading </a:t>
+            </a:r>
+            <a:r>
+              <a:rPr lang="en-US" sz="2400" dirty="0"/>
+              <a:t>to a</a:t>
+            </a:r>
+            <a:r>
+              <a:rPr lang="en-US" sz="2400" b="1" dirty="0"/>
+              <a:t> </a:t>
+            </a:r>
+            <a:r>
+              <a:rPr lang="en-US" sz="2400" b="1" dirty="0" smtClean="0"/>
               <a:t>growing number </a:t>
             </a:r>
             <a:r>
-              <a:rPr lang="en-US" sz="2000" dirty="0"/>
+              <a:rPr lang="en-US" sz="2400" b="1" dirty="0"/>
               <a:t>of relationships</a:t>
             </a:r>
           </a:p>
           <a:p>
             <a:r>
-              <a:rPr lang="en-US" sz="2000" dirty="0" smtClean="0"/>
+              <a:rPr lang="en-US" sz="2400" dirty="0" smtClean="0"/>
               <a:t>Source </a:t>
             </a:r>
             <a:r>
-              <a:rPr lang="en-US" sz="2000" dirty="0"/>
-              <a:t>code becomes difficult to </a:t>
-            </a:r>
-            <a:r>
-              <a:rPr lang="en-US" sz="2000" dirty="0" smtClean="0"/>
+              <a:rPr lang="en-US" sz="2400" dirty="0"/>
+              <a:t>code becomes </a:t>
+            </a:r>
+            <a:r>
+              <a:rPr lang="en-US" sz="2400" b="1" dirty="0"/>
+              <a:t>difficult to </a:t>
+            </a:r>
+            <a:r>
+              <a:rPr lang="en-US" sz="2400" b="1" dirty="0" smtClean="0"/>
               <a:t>understand and </a:t>
             </a:r>
             <a:r>
-              <a:rPr lang="en-US" sz="2000" dirty="0"/>
+              <a:rPr lang="en-US" sz="2400" b="1" dirty="0" smtClean="0"/>
               <a:t>maintain</a:t>
             </a:r>
-          </a:p>
-          <a:p>
-            <a:pPr lvl="1"/>
-            <a:r>
-              <a:rPr lang="en-US" sz="1800" dirty="0" smtClean="0"/>
-              <a:t>Problem </a:t>
-            </a:r>
-            <a:r>
-              <a:rPr lang="en-US" sz="1800" dirty="0"/>
-              <a:t>known as “Spaghetti code”</a:t>
-            </a:r>
+            <a:endParaRPr lang="en-US" sz="2400" b="1" dirty="0"/>
           </a:p>
         </p:txBody>
       </p:sp>
@@ -5171,8 +5169,8 @@
         </p:blipFill>
         <p:spPr>
           <a:xfrm>
-            <a:off x="755576" y="3068960"/>
-            <a:ext cx="7467600" cy="3073400"/>
+            <a:off x="1670851" y="3429000"/>
+            <a:ext cx="6789581" cy="2794351"/>
           </a:xfrm>
           <a:prstGeom prst="rect">
             <a:avLst/>
@@ -5245,7 +5243,7 @@
         <p:spPr/>
         <p:txBody>
           <a:bodyPr>
-            <a:normAutofit fontScale="92500"/>
+            <a:normAutofit lnSpcReduction="10000"/>
           </a:bodyPr>
           <a:lstStyle/>
           <a:p>
@@ -5295,31 +5293,84 @@
             </a:r>
             <a:r>
               <a:rPr lang="en-US" dirty="0"/>
-              <a:t>creates objects that encapsulate </a:t>
-            </a:r>
-            <a:r>
-              <a:rPr lang="en-US" dirty="0" smtClean="0"/>
-              <a:t>the data </a:t>
-            </a:r>
-            <a:r>
-              <a:rPr lang="en-US" dirty="0"/>
-              <a:t>and procedures operating on data</a:t>
-            </a:r>
-          </a:p>
-          <a:p>
-            <a:r>
-              <a:rPr lang="en-US" dirty="0" smtClean="0"/>
+              <a:t>creates objects </a:t>
+            </a:r>
+            <a:r>
+              <a:rPr lang="en-US" b="1" dirty="0" smtClean="0"/>
+              <a:t>encapsulating </a:t>
+            </a:r>
+            <a:r>
+              <a:rPr lang="en-US" b="1" dirty="0" smtClean="0"/>
+              <a:t>data </a:t>
+            </a:r>
+            <a:r>
+              <a:rPr lang="en-US" b="1" dirty="0"/>
+              <a:t>and procedures operating on </a:t>
+            </a:r>
+            <a:r>
+              <a:rPr lang="en-US" b="1" dirty="0" smtClean="0"/>
+              <a:t>data</a:t>
+            </a:r>
+            <a:endParaRPr lang="en-US" b="1" dirty="0"/>
+          </a:p>
+          <a:p>
+            <a:r>
+              <a:rPr lang="en-US" dirty="0" smtClean="0">
+                <a:solidFill>
+                  <a:schemeClr val="accent6">
+                    <a:lumMod val="75000"/>
+                  </a:schemeClr>
+                </a:solidFill>
+              </a:rPr>
               <a:t>OO </a:t>
             </a:r>
             <a:r>
-              <a:rPr lang="en-US" dirty="0"/>
-              <a:t>is simply a new way of organizing </a:t>
-            </a:r>
-            <a:r>
-              <a:rPr lang="en-US" dirty="0" smtClean="0"/>
-              <a:t>a program</a:t>
-            </a:r>
-            <a:endParaRPr lang="en-US" dirty="0"/>
+              <a:rPr lang="en-US" dirty="0">
+                <a:solidFill>
+                  <a:schemeClr val="accent6">
+                    <a:lumMod val="75000"/>
+                  </a:schemeClr>
+                </a:solidFill>
+              </a:rPr>
+              <a:t>is </a:t>
+            </a:r>
+            <a:r>
+              <a:rPr lang="en-US" dirty="0" smtClean="0">
+                <a:solidFill>
+                  <a:schemeClr val="accent6">
+                    <a:lumMod val="75000"/>
+                  </a:schemeClr>
+                </a:solidFill>
+              </a:rPr>
+              <a:t>only a </a:t>
+            </a:r>
+            <a:r>
+              <a:rPr lang="en-US" dirty="0">
+                <a:solidFill>
+                  <a:schemeClr val="accent6">
+                    <a:lumMod val="75000"/>
+                  </a:schemeClr>
+                </a:solidFill>
+              </a:rPr>
+              <a:t>new way of organizing </a:t>
+            </a:r>
+            <a:r>
+              <a:rPr lang="en-US" dirty="0" smtClean="0">
+                <a:solidFill>
+                  <a:schemeClr val="accent6">
+                    <a:lumMod val="75000"/>
+                  </a:schemeClr>
+                </a:solidFill>
+              </a:rPr>
+              <a:t>code</a:t>
+            </a:r>
+            <a:endParaRPr lang="en-US" dirty="0">
+              <a:solidFill>
+                <a:schemeClr val="accent6">
+                  <a:lumMod val="75000"/>
+                </a:schemeClr>
+              </a:solidFill>
+            </a:endParaRPr>
           </a:p>
           <a:p>
             <a:pPr lvl="1"/>
@@ -5437,7 +5488,7 @@
         <p:spPr/>
         <p:txBody>
           <a:bodyPr>
-            <a:normAutofit fontScale="92500" lnSpcReduction="10000"/>
+            <a:normAutofit/>
           </a:bodyPr>
           <a:lstStyle/>
           <a:p>
@@ -5455,13 +5506,11 @@
             </a:r>
             <a:r>
               <a:rPr lang="en-US" dirty="0"/>
-              <a:t>by any person</a:t>
-            </a:r>
-          </a:p>
-          <a:p>
+              <a:t>by any </a:t>
+            </a:r>
             <a:r>
               <a:rPr lang="en-US" dirty="0" smtClean="0"/>
-              <a:t>There </a:t>
+              <a:t>person. There </a:t>
             </a:r>
             <a:r>
               <a:rPr lang="en-US" dirty="0"/>
@@ -5491,38 +5540,66 @@
             </a:r>
             <a:r>
               <a:rPr lang="en-US" dirty="0"/>
-              <a:t>to use large blocks of code</a:t>
-            </a:r>
+              <a:t>to use large blocks of </a:t>
+            </a:r>
+            <a:r>
+              <a:rPr lang="en-US" dirty="0" smtClean="0"/>
+              <a:t>code without </a:t>
+            </a:r>
+            <a:r>
+              <a:rPr lang="en-US" dirty="0"/>
+              <a:t>knowing </a:t>
+            </a:r>
+            <a:r>
+              <a:rPr lang="en-US" dirty="0" smtClean="0"/>
+              <a:t>the whole picture</a:t>
+            </a:r>
+            <a:endParaRPr lang="en-US" dirty="0"/>
           </a:p>
           <a:p>
             <a:pPr lvl="1"/>
             <a:r>
+              <a:rPr lang="en-US" dirty="0" smtClean="0">
+                <a:solidFill>
+                  <a:srgbClr val="E46C0A"/>
+                </a:solidFill>
+              </a:rPr>
+              <a:t>code </a:t>
+            </a:r>
+            <a:r>
+              <a:rPr lang="en-US" dirty="0">
+                <a:solidFill>
+                  <a:srgbClr val="E46C0A"/>
+                </a:solidFill>
+              </a:rPr>
+              <a:t>reuse </a:t>
+            </a:r>
+            <a:r>
+              <a:rPr lang="en-US" dirty="0"/>
+              <a:t>a real possibility</a:t>
+            </a:r>
+          </a:p>
+          <a:p>
+            <a:pPr lvl="1"/>
+            <a:r>
+              <a:rPr lang="en-US" dirty="0"/>
+              <a:t>e</a:t>
+            </a:r>
+            <a:r>
               <a:rPr lang="en-US" dirty="0" smtClean="0"/>
-              <a:t>without </a:t>
+              <a:t>asier </a:t>
+            </a:r>
+            <a:r>
+              <a:rPr lang="en-US" dirty="0">
+                <a:solidFill>
+                  <a:srgbClr val="E46C0A"/>
+                </a:solidFill>
+              </a:rPr>
+              <a:t>maintenance and evolution </a:t>
             </a:r>
             <a:r>
               <a:rPr lang="en-US" dirty="0"/>
-              <a:t>knowing all the picture</a:t>
-            </a:r>
-          </a:p>
-          <a:p>
-            <a:r>
-              <a:rPr lang="en-US" dirty="0" smtClean="0"/>
-              <a:t>Makes </a:t>
-            </a:r>
-            <a:r>
-              <a:rPr lang="en-US" dirty="0"/>
-              <a:t>code reuse a real possibility</a:t>
-            </a:r>
-          </a:p>
-          <a:p>
-            <a:r>
-              <a:rPr lang="en-US" dirty="0" smtClean="0"/>
-              <a:t>Easier </a:t>
-            </a:r>
-            <a:r>
-              <a:rPr lang="en-US" dirty="0"/>
-              <a:t>maintenance and evolution of code</a:t>
+              <a:t>of code</a:t>
             </a:r>
           </a:p>
           <a:p>
@@ -5619,7 +5696,7 @@
         <p:spPr/>
         <p:txBody>
           <a:bodyPr>
-            <a:normAutofit lnSpcReduction="10000"/>
+            <a:normAutofit/>
           </a:bodyPr>
           <a:lstStyle/>
           <a:p>
@@ -5633,16 +5710,6 @@
             </a:r>
           </a:p>
           <a:p>
-            <a:r>
-              <a:rPr lang="en-US" dirty="0" smtClean="0"/>
-              <a:t>Analogous </a:t>
-            </a:r>
-            <a:r>
-              <a:rPr lang="en-US" dirty="0"/>
-              <a:t>to structured programming</a:t>
-            </a:r>
-          </a:p>
-          <a:p>
             <a:pPr lvl="1"/>
             <a:r>
               <a:rPr lang="en-US" dirty="0" smtClean="0"/>
@@ -5674,7 +5741,15 @@
             </a:r>
             <a:r>
               <a:rPr lang="en-US" dirty="0"/>
-              <a:t>&gt; 1000 lines, spaghetti </a:t>
+              <a:t>&gt; </a:t>
+            </a:r>
+            <a:r>
+              <a:rPr lang="en-US" dirty="0" smtClean="0"/>
+              <a:t>1K lines</a:t>
+            </a:r>
+            <a:r>
+              <a:rPr lang="en-US" dirty="0"/>
+              <a:t>, spaghetti </a:t>
             </a:r>
             <a:r>
               <a:rPr lang="en-US" dirty="0" smtClean="0"/>
@@ -5697,7 +5772,9 @@
             <a:r>
               <a:rPr lang="en-US" dirty="0" smtClean="0">
                 <a:solidFill>
-                  <a:srgbClr val="F79646"/>
+                  <a:schemeClr val="accent6">
+                    <a:lumMod val="75000"/>
+                  </a:schemeClr>
                 </a:solidFill>
               </a:rPr>
               <a:t>Only </a:t>
@@ -5705,15 +5782,29 @@
             <a:r>
               <a:rPr lang="en-US" dirty="0">
                 <a:solidFill>
-                  <a:srgbClr val="F79646"/>
+                  <a:schemeClr val="accent6">
+                    <a:lumMod val="75000"/>
+                  </a:schemeClr>
                 </a:solidFill>
               </a:rPr>
-              <a:t>programs &gt; 1000 lines </a:t>
+              <a:t>programs &gt; </a:t>
             </a:r>
             <a:r>
               <a:rPr lang="en-US" dirty="0" smtClean="0">
                 <a:solidFill>
-                  <a:srgbClr val="F79646"/>
+                  <a:schemeClr val="accent6">
+                    <a:lumMod val="75000"/>
+                  </a:schemeClr>
+                </a:solidFill>
+              </a:rPr>
+              <a:t>1K lines </a:t>
+            </a:r>
+            <a:r>
+              <a:rPr lang="en-US" dirty="0" smtClean="0">
+                <a:solidFill>
+                  <a:schemeClr val="accent6">
+                    <a:lumMod val="75000"/>
+                  </a:schemeClr>
                 </a:solidFill>
               </a:rPr>
               <a:t>benefit from </a:t>
@@ -5721,7 +5812,9 @@
             <a:r>
               <a:rPr lang="en-US" dirty="0">
                 <a:solidFill>
-                  <a:srgbClr val="F79646"/>
+                  <a:schemeClr val="accent6">
+                    <a:lumMod val="75000"/>
+                  </a:schemeClr>
                 </a:solidFill>
               </a:rPr>
               <a:t>OO really</a:t>
@@ -6009,7 +6102,15 @@
             </a:r>
             <a:r>
               <a:rPr lang="en-US" dirty="0"/>
-              <a:t>complex system can be built </a:t>
+              <a:t>complex </a:t>
+            </a:r>
+            <a:r>
+              <a:rPr lang="en-US" dirty="0" smtClean="0"/>
+              <a:t>systems </a:t>
+            </a:r>
+            <a:r>
+              <a:rPr lang="en-US" dirty="0"/>
+              <a:t>can be built </a:t>
             </a:r>
           </a:p>
         </p:txBody>
@@ -6240,7 +6341,7 @@
         <p:spPr/>
         <p:txBody>
           <a:bodyPr>
-            <a:normAutofit lnSpcReduction="10000"/>
+            <a:normAutofit/>
           </a:bodyPr>
           <a:lstStyle/>
           <a:p>
@@ -6250,14 +6351,11 @@
             </a:r>
             <a:r>
               <a:rPr lang="en-US" dirty="0"/>
-              <a:t>a new component type</a:t>
-            </a:r>
-          </a:p>
-          <a:p>
-            <a:pPr lvl="1"/>
+              <a:t>a new component </a:t>
+            </a:r>
             <a:r>
               <a:rPr lang="en-US" dirty="0" smtClean="0"/>
-              <a:t>Object </a:t>
+              <a:t>type such as Object </a:t>
             </a:r>
             <a:r>
               <a:rPr lang="en-US" dirty="0"/>
@@ -6279,20 +6377,18 @@
               <a:t>the same </a:t>
             </a:r>
             <a:r>
+              <a:rPr lang="en-US" dirty="0" smtClean="0"/>
+              <a:t>module allowing the definition of </a:t>
+            </a:r>
+            <a:r>
               <a:rPr lang="en-US" dirty="0"/>
-              <a:t>module</a:t>
-            </a:r>
-          </a:p>
-          <a:p>
-            <a:pPr lvl="1"/>
+              <a:t>more precise </a:t>
+            </a:r>
             <a:r>
               <a:rPr lang="en-US" dirty="0" smtClean="0"/>
-              <a:t>Allows </a:t>
-            </a:r>
-            <a:r>
-              <a:rPr lang="en-US" dirty="0"/>
-              <a:t>defining a more precise interface</a:t>
-            </a:r>
+              <a:t>interfaces</a:t>
+            </a:r>
+            <a:endParaRPr lang="en-US" dirty="0"/>
           </a:p>
           <a:p>
             <a:r>
@@ -6434,14 +6530,35 @@
             </a:pPr>
             <a:r>
               <a:rPr lang="en-US" sz="2000" b="1" dirty="0">
-                <a:latin typeface="Courier"/>
-                <a:cs typeface="Courier"/>
-              </a:rPr>
-              <a:t>class Vector { </a:t>
+                <a:latin typeface="Consolas"/>
+                <a:cs typeface="Consolas"/>
+              </a:rPr>
+              <a:t>class </a:t>
+            </a:r>
+            <a:r>
+              <a:rPr lang="en-US" sz="2000" b="1" dirty="0" err="1" smtClean="0">
+                <a:latin typeface="Consolas"/>
+                <a:cs typeface="Consolas"/>
+              </a:rPr>
+              <a:t>MyVector</a:t>
+            </a:r>
+            <a:r>
+              <a:rPr lang="en-US" sz="2000" b="1" dirty="0" smtClean="0">
+                <a:latin typeface="Consolas"/>
+                <a:cs typeface="Consolas"/>
+              </a:rPr>
+              <a:t> </a:t>
+            </a:r>
+            <a:r>
+              <a:rPr lang="en-US" sz="2000" b="1" dirty="0">
+                <a:latin typeface="Consolas"/>
+                <a:cs typeface="Consolas"/>
+              </a:rPr>
+              <a:t>{ </a:t>
             </a:r>
             <a:endParaRPr lang="en-US" sz="2000" dirty="0">
-              <a:latin typeface="Courier"/>
-              <a:cs typeface="Courier"/>
+              <a:latin typeface="Consolas"/>
+              <a:cs typeface="Consolas"/>
             </a:endParaRPr>
           </a:p>
           <a:p>
@@ -6450,37 +6567,37 @@
             </a:pPr>
             <a:r>
               <a:rPr lang="en-US" sz="2000" b="1" dirty="0" smtClean="0">
-                <a:latin typeface="Courier"/>
-                <a:cs typeface="Courier"/>
+                <a:latin typeface="Consolas"/>
+                <a:cs typeface="Consolas"/>
               </a:rPr>
               <a:t>	</a:t>
             </a:r>
             <a:r>
               <a:rPr lang="en-US" sz="2000" b="1" dirty="0" smtClean="0">
                 <a:solidFill>
-                  <a:schemeClr val="accent6"/>
+                  <a:srgbClr val="E46C0A"/>
                 </a:solidFill>
-                <a:latin typeface="Courier"/>
-                <a:cs typeface="Courier"/>
+                <a:latin typeface="Consolas"/>
+                <a:cs typeface="Consolas"/>
               </a:rPr>
               <a:t>/</a:t>
             </a:r>
             <a:r>
-              <a:rPr lang="en-US" sz="2000" b="1" dirty="0">
+              <a:rPr lang="en-US" sz="2000" b="1" dirty="0" smtClean="0">
                 <a:solidFill>
-                  <a:schemeClr val="accent6"/>
+                  <a:srgbClr val="E46C0A"/>
                 </a:solidFill>
-                <a:latin typeface="Courier"/>
-                <a:cs typeface="Courier"/>
-              </a:rPr>
-              <a:t>/data </a:t>
+                <a:latin typeface="Consolas"/>
+                <a:cs typeface="Consolas"/>
+              </a:rPr>
+              <a:t>/ internal data (attributes)</a:t>
             </a:r>
             <a:endParaRPr lang="en-US" sz="2000" dirty="0">
               <a:solidFill>
-                <a:schemeClr val="accent6"/>
+                <a:srgbClr val="E46C0A"/>
               </a:solidFill>
-              <a:latin typeface="Courier"/>
-              <a:cs typeface="Courier"/>
+              <a:latin typeface="Consolas"/>
+              <a:cs typeface="Consolas"/>
             </a:endParaRPr>
           </a:p>
           <a:p>
@@ -6489,28 +6606,28 @@
             </a:pPr>
             <a:r>
               <a:rPr lang="en-US" sz="2000" b="1" dirty="0" smtClean="0">
-                <a:latin typeface="Courier"/>
-                <a:cs typeface="Courier"/>
+                <a:latin typeface="Consolas"/>
+                <a:cs typeface="Consolas"/>
               </a:rPr>
               <a:t>	private </a:t>
             </a:r>
             <a:r>
               <a:rPr lang="en-US" sz="2000" b="1" dirty="0" err="1">
-                <a:latin typeface="Courier"/>
-                <a:cs typeface="Courier"/>
+                <a:latin typeface="Consolas"/>
+                <a:cs typeface="Consolas"/>
               </a:rPr>
               <a:t>int</a:t>
             </a:r>
             <a:r>
               <a:rPr lang="en-US" sz="2000" b="1" dirty="0">
-                <a:latin typeface="Courier"/>
-                <a:cs typeface="Courier"/>
+                <a:latin typeface="Consolas"/>
+                <a:cs typeface="Consolas"/>
               </a:rPr>
               <a:t> v[20]; </a:t>
             </a:r>
             <a:endParaRPr lang="en-US" sz="2000" b="1" dirty="0" smtClean="0">
-              <a:latin typeface="Courier"/>
-              <a:cs typeface="Courier"/>
+              <a:latin typeface="Consolas"/>
+              <a:cs typeface="Consolas"/>
             </a:endParaRPr>
           </a:p>
           <a:p>
@@ -6518,8 +6635,8 @@
               <a:buNone/>
             </a:pPr>
             <a:endParaRPr lang="en-US" sz="2000" dirty="0">
-              <a:latin typeface="Courier"/>
-              <a:cs typeface="Courier"/>
+              <a:latin typeface="Consolas"/>
+              <a:cs typeface="Consolas"/>
             </a:endParaRPr>
           </a:p>
           <a:p>
@@ -6528,37 +6645,37 @@
             </a:pPr>
             <a:r>
               <a:rPr lang="en-US" sz="2000" b="1" dirty="0" smtClean="0">
-                <a:latin typeface="Courier"/>
-                <a:cs typeface="Courier"/>
+                <a:latin typeface="Consolas"/>
+                <a:cs typeface="Consolas"/>
               </a:rPr>
               <a:t>	</a:t>
             </a:r>
             <a:r>
               <a:rPr lang="en-US" sz="2000" b="1" dirty="0" smtClean="0">
                 <a:solidFill>
-                  <a:srgbClr val="F79646"/>
+                  <a:srgbClr val="E46C0A"/>
                 </a:solidFill>
-                <a:latin typeface="Courier"/>
-                <a:cs typeface="Courier"/>
+                <a:latin typeface="Consolas"/>
+                <a:cs typeface="Consolas"/>
               </a:rPr>
               <a:t>/</a:t>
             </a:r>
             <a:r>
-              <a:rPr lang="en-US" sz="2000" b="1" dirty="0">
+              <a:rPr lang="en-US" sz="2000" b="1" dirty="0" smtClean="0">
                 <a:solidFill>
-                  <a:srgbClr val="F79646"/>
+                  <a:srgbClr val="E46C0A"/>
                 </a:solidFill>
-                <a:latin typeface="Courier"/>
-                <a:cs typeface="Courier"/>
-              </a:rPr>
-              <a:t>/interface </a:t>
+                <a:latin typeface="Consolas"/>
+                <a:cs typeface="Consolas"/>
+              </a:rPr>
+              <a:t>/ external interface (methods) </a:t>
             </a:r>
             <a:endParaRPr lang="en-US" sz="2000" b="1" dirty="0" smtClean="0">
               <a:solidFill>
-                <a:srgbClr val="F79646"/>
+                <a:srgbClr val="E46C0A"/>
               </a:solidFill>
-              <a:latin typeface="Courier"/>
-              <a:cs typeface="Courier"/>
+              <a:latin typeface="Consolas"/>
+              <a:cs typeface="Consolas"/>
             </a:endParaRPr>
           </a:p>
           <a:p>
@@ -6567,14 +6684,35 @@
             </a:pPr>
             <a:r>
               <a:rPr lang="en-US" sz="2000" b="1" dirty="0" smtClean="0">
-                <a:latin typeface="Courier"/>
-                <a:cs typeface="Courier"/>
-              </a:rPr>
-              <a:t>	Public Vector() {</a:t>
+                <a:latin typeface="Consolas"/>
+                <a:cs typeface="Consolas"/>
+              </a:rPr>
+              <a:t>	</a:t>
+            </a:r>
+            <a:r>
+              <a:rPr lang="en-US" sz="2000" b="1" dirty="0" smtClean="0">
+                <a:latin typeface="Consolas"/>
+                <a:cs typeface="Consolas"/>
+              </a:rPr>
+              <a:t>public </a:t>
+            </a:r>
+            <a:r>
+              <a:rPr lang="en-US" sz="2000" b="1" dirty="0" err="1" smtClean="0">
+                <a:latin typeface="Consolas"/>
+                <a:cs typeface="Consolas"/>
+              </a:rPr>
+              <a:t>MyVector</a:t>
+            </a:r>
+            <a:r>
+              <a:rPr lang="en-US" sz="2000" b="1" dirty="0" smtClean="0">
+                <a:latin typeface="Consolas"/>
+                <a:cs typeface="Consolas"/>
+              </a:rPr>
+              <a:t>() {</a:t>
             </a:r>
             <a:endParaRPr lang="en-US" sz="2000" dirty="0">
-              <a:latin typeface="Courier"/>
-              <a:cs typeface="Courier"/>
+              <a:latin typeface="Consolas"/>
+              <a:cs typeface="Consolas"/>
             </a:endParaRPr>
           </a:p>
           <a:p>
@@ -6583,91 +6721,91 @@
             </a:pPr>
             <a:r>
               <a:rPr lang="en-US" sz="2000" b="1" dirty="0" smtClean="0">
-                <a:latin typeface="Courier"/>
-                <a:cs typeface="Courier"/>
+                <a:latin typeface="Consolas"/>
+                <a:cs typeface="Consolas"/>
               </a:rPr>
               <a:t>		for</a:t>
             </a:r>
             <a:r>
               <a:rPr lang="en-US" sz="2000" b="1" dirty="0">
-                <a:latin typeface="Courier"/>
-                <a:cs typeface="Courier"/>
+                <a:latin typeface="Consolas"/>
+                <a:cs typeface="Consolas"/>
               </a:rPr>
               <a:t>(</a:t>
             </a:r>
             <a:r>
               <a:rPr lang="en-US" sz="2000" b="1" dirty="0" err="1">
-                <a:latin typeface="Courier"/>
-                <a:cs typeface="Courier"/>
+                <a:latin typeface="Consolas"/>
+                <a:cs typeface="Consolas"/>
               </a:rPr>
               <a:t>int</a:t>
             </a:r>
             <a:r>
               <a:rPr lang="en-US" sz="2000" b="1" dirty="0">
-                <a:latin typeface="Courier"/>
-                <a:cs typeface="Courier"/>
+                <a:latin typeface="Consolas"/>
+                <a:cs typeface="Consolas"/>
               </a:rPr>
               <a:t> </a:t>
             </a:r>
             <a:r>
               <a:rPr lang="en-US" sz="2000" b="1" dirty="0" err="1">
-                <a:latin typeface="Courier"/>
-                <a:cs typeface="Courier"/>
+                <a:latin typeface="Consolas"/>
+                <a:cs typeface="Consolas"/>
               </a:rPr>
               <a:t>i</a:t>
             </a:r>
             <a:r>
               <a:rPr lang="en-US" sz="2000" b="1" dirty="0">
-                <a:latin typeface="Courier"/>
-                <a:cs typeface="Courier"/>
+                <a:latin typeface="Consolas"/>
+                <a:cs typeface="Consolas"/>
               </a:rPr>
               <a:t>=0; </a:t>
             </a:r>
             <a:r>
               <a:rPr lang="en-US" sz="2000" b="1" dirty="0" err="1">
-                <a:latin typeface="Courier"/>
-                <a:cs typeface="Courier"/>
+                <a:latin typeface="Consolas"/>
+                <a:cs typeface="Consolas"/>
               </a:rPr>
               <a:t>i</a:t>
             </a:r>
             <a:r>
               <a:rPr lang="en-US" sz="2000" b="1" dirty="0">
-                <a:latin typeface="Courier"/>
-                <a:cs typeface="Courier"/>
+                <a:latin typeface="Consolas"/>
+                <a:cs typeface="Consolas"/>
               </a:rPr>
               <a:t>&lt;20; </a:t>
             </a:r>
             <a:r>
               <a:rPr lang="en-US" sz="2000" b="1" dirty="0" err="1">
-                <a:latin typeface="Courier"/>
-                <a:cs typeface="Courier"/>
+                <a:latin typeface="Consolas"/>
+                <a:cs typeface="Consolas"/>
               </a:rPr>
               <a:t>i</a:t>
             </a:r>
             <a:r>
               <a:rPr lang="en-US" sz="2000" b="1" dirty="0">
-                <a:latin typeface="Courier"/>
-                <a:cs typeface="Courier"/>
+                <a:latin typeface="Consolas"/>
+                <a:cs typeface="Consolas"/>
               </a:rPr>
               <a:t>++) v[</a:t>
             </a:r>
             <a:r>
               <a:rPr lang="en-US" sz="2000" b="1" dirty="0" err="1">
-                <a:latin typeface="Courier"/>
-                <a:cs typeface="Courier"/>
+                <a:latin typeface="Consolas"/>
+                <a:cs typeface="Consolas"/>
               </a:rPr>
               <a:t>i</a:t>
             </a:r>
             <a:r>
               <a:rPr lang="en-US" sz="2000" b="1" dirty="0">
-                <a:latin typeface="Courier"/>
-                <a:cs typeface="Courier"/>
+                <a:latin typeface="Consolas"/>
+                <a:cs typeface="Consolas"/>
               </a:rPr>
               <a:t>]=0; </a:t>
             </a:r>
             <a:endParaRPr lang="en-US" sz="2000" b="1" dirty="0" smtClean="0">
-              <a:latin typeface="Courier"/>
-              <a:cs typeface="Courier"/>
+              <a:latin typeface="Consolas"/>
+              <a:cs typeface="Consolas"/>
             </a:endParaRPr>
           </a:p>
           <a:p>
@@ -6676,8 +6814,8 @@
             </a:pPr>
             <a:r>
               <a:rPr lang="en-US" sz="2000" b="1" dirty="0" smtClean="0">
-                <a:latin typeface="Courier"/>
-                <a:cs typeface="Courier"/>
+                <a:latin typeface="Consolas"/>
+                <a:cs typeface="Consolas"/>
               </a:rPr>
               <a:t>	} </a:t>
             </a:r>
@@ -6687,8 +6825,8 @@
               <a:buNone/>
             </a:pPr>
             <a:endParaRPr lang="en-US" sz="2000" dirty="0">
-              <a:latin typeface="Courier"/>
-              <a:cs typeface="Courier"/>
+              <a:latin typeface="Consolas"/>
+              <a:cs typeface="Consolas"/>
             </a:endParaRPr>
           </a:p>
           <a:p>
@@ -6697,21 +6835,21 @@
             </a:pPr>
             <a:r>
               <a:rPr lang="en-US" sz="2000" b="1" dirty="0" smtClean="0">
-                <a:latin typeface="Courier"/>
-                <a:cs typeface="Courier"/>
+                <a:latin typeface="Consolas"/>
+                <a:cs typeface="Consolas"/>
               </a:rPr>
               <a:t>	public </a:t>
             </a:r>
             <a:r>
               <a:rPr lang="en-US" sz="2000" b="1" dirty="0">
-                <a:latin typeface="Courier"/>
-                <a:cs typeface="Courier"/>
+                <a:latin typeface="Consolas"/>
+                <a:cs typeface="Consolas"/>
               </a:rPr>
               <a:t>sort(){ /*sort*/ } </a:t>
             </a:r>
             <a:endParaRPr lang="en-US" sz="2000" dirty="0">
-              <a:latin typeface="Courier"/>
-              <a:cs typeface="Courier"/>
+              <a:latin typeface="Consolas"/>
+              <a:cs typeface="Consolas"/>
             </a:endParaRPr>
           </a:p>
           <a:p>
@@ -6720,35 +6858,35 @@
             </a:pPr>
             <a:r>
               <a:rPr lang="en-US" sz="2000" b="1" dirty="0" smtClean="0">
-                <a:latin typeface="Courier"/>
-                <a:cs typeface="Courier"/>
+                <a:latin typeface="Consolas"/>
+                <a:cs typeface="Consolas"/>
               </a:rPr>
               <a:t>	public </a:t>
             </a:r>
             <a:r>
               <a:rPr lang="en-US" sz="2000" b="1" dirty="0">
-                <a:latin typeface="Courier"/>
-                <a:cs typeface="Courier"/>
+                <a:latin typeface="Consolas"/>
+                <a:cs typeface="Consolas"/>
               </a:rPr>
               <a:t>search(</a:t>
             </a:r>
             <a:r>
               <a:rPr lang="en-US" sz="2000" b="1" dirty="0" err="1">
-                <a:latin typeface="Courier"/>
-                <a:cs typeface="Courier"/>
+                <a:latin typeface="Consolas"/>
+                <a:cs typeface="Consolas"/>
               </a:rPr>
               <a:t>int</a:t>
             </a:r>
             <a:r>
               <a:rPr lang="en-US" sz="2000" b="1" dirty="0">
-                <a:latin typeface="Courier"/>
-                <a:cs typeface="Courier"/>
+                <a:latin typeface="Consolas"/>
+                <a:cs typeface="Consolas"/>
               </a:rPr>
               <a:t> c){ /*search*/ } </a:t>
             </a:r>
             <a:endParaRPr lang="en-US" sz="2000" b="1" dirty="0" smtClean="0">
-              <a:latin typeface="Courier"/>
-              <a:cs typeface="Courier"/>
+              <a:latin typeface="Consolas"/>
+              <a:cs typeface="Consolas"/>
             </a:endParaRPr>
           </a:p>
           <a:p>
@@ -6757,14 +6895,14 @@
             </a:pPr>
             <a:r>
               <a:rPr lang="en-US" sz="2000" b="1" dirty="0" smtClean="0">
-                <a:latin typeface="Courier"/>
-                <a:cs typeface="Courier"/>
+                <a:latin typeface="Consolas"/>
+                <a:cs typeface="Consolas"/>
               </a:rPr>
               <a:t>} </a:t>
             </a:r>
             <a:endParaRPr lang="en-US" sz="2000" dirty="0">
-              <a:latin typeface="Courier"/>
-              <a:cs typeface="Courier"/>
+              <a:latin typeface="Consolas"/>
+              <a:cs typeface="Consolas"/>
             </a:endParaRPr>
           </a:p>
           <a:p>
@@ -6772,8 +6910,8 @@
               <a:buNone/>
             </a:pPr>
             <a:endParaRPr lang="en-US" sz="2000" dirty="0">
-              <a:latin typeface="Courier"/>
-              <a:cs typeface="Courier"/>
+              <a:latin typeface="Consolas"/>
+              <a:cs typeface="Consolas"/>
             </a:endParaRPr>
           </a:p>
         </p:txBody>
@@ -6869,59 +7007,68 @@
           <a:bodyPr/>
           <a:lstStyle/>
           <a:p>
-            <a:r>
-              <a:rPr lang="en-US" dirty="0" smtClean="0"/>
-              <a:t>Use </a:t>
-            </a:r>
-            <a:r>
-              <a:rPr lang="en-US" dirty="0"/>
-              <a:t>of the class Vector: </a:t>
-            </a:r>
-          </a:p>
-          <a:p>
             <a:pPr marL="0" indent="0">
               <a:buNone/>
             </a:pPr>
             <a:r>
-              <a:rPr lang="en-US" sz="2400" dirty="0" smtClean="0">
-                <a:latin typeface="Courier"/>
-                <a:cs typeface="Courier"/>
-              </a:rPr>
-              <a:t>Vector </a:t>
-            </a:r>
-            <a:r>
-              <a:rPr lang="en-US" sz="2400" dirty="0">
-                <a:latin typeface="Courier"/>
-                <a:cs typeface="Courier"/>
-              </a:rPr>
-              <a:t>v1 = new Vector(); </a:t>
-            </a:r>
-            <a:endParaRPr lang="en-US" sz="2400" dirty="0" smtClean="0">
-              <a:latin typeface="Courier"/>
-              <a:cs typeface="Courier"/>
-            </a:endParaRPr>
+              <a:rPr lang="en-US" dirty="0" smtClean="0"/>
+              <a:t>Use </a:t>
+            </a:r>
+            <a:r>
+              <a:rPr lang="en-US" dirty="0"/>
+              <a:t>of the class </a:t>
+            </a:r>
+            <a:r>
+              <a:rPr lang="en-US" dirty="0" err="1" smtClean="0"/>
+              <a:t>MyVector</a:t>
+            </a:r>
+            <a:r>
+              <a:rPr lang="en-US" dirty="0"/>
+              <a:t>: </a:t>
+            </a:r>
           </a:p>
           <a:p>
             <a:pPr marL="0" indent="0">
               <a:buNone/>
             </a:pPr>
             <a:r>
+              <a:rPr lang="en-US" sz="2400" dirty="0" err="1" smtClean="0">
+                <a:latin typeface="Consolas"/>
+                <a:cs typeface="Consolas"/>
+              </a:rPr>
+              <a:t>MyVector</a:t>
+            </a:r>
+            <a:r>
               <a:rPr lang="en-US" sz="2400" dirty="0" smtClean="0">
-                <a:latin typeface="Courier"/>
-                <a:cs typeface="Courier"/>
-              </a:rPr>
-              <a:t>Vector </a:t>
+                <a:latin typeface="Consolas"/>
+                <a:cs typeface="Consolas"/>
+              </a:rPr>
+              <a:t> </a:t>
             </a:r>
             <a:r>
               <a:rPr lang="en-US" sz="2400" dirty="0">
-                <a:latin typeface="Courier"/>
-                <a:cs typeface="Courier"/>
-              </a:rPr>
-              <a:t>v2 = new Vector(); </a:t>
+                <a:latin typeface="Consolas"/>
+                <a:cs typeface="Consolas"/>
+              </a:rPr>
+              <a:t>v1 = new </a:t>
+            </a:r>
+            <a:r>
+              <a:rPr lang="en-US" sz="2400" dirty="0" err="1" smtClean="0">
+                <a:latin typeface="Consolas"/>
+                <a:cs typeface="Consolas"/>
+              </a:rPr>
+              <a:t>MyVector</a:t>
+            </a:r>
+            <a:r>
+              <a:rPr lang="en-US" sz="2400" dirty="0">
+                <a:latin typeface="Consolas"/>
+                <a:cs typeface="Consolas"/>
+              </a:rPr>
+              <a:t>(); </a:t>
             </a:r>
             <a:endParaRPr lang="en-US" sz="2400" dirty="0" smtClean="0">
-              <a:latin typeface="Courier"/>
-              <a:cs typeface="Courier"/>
+              <a:latin typeface="Consolas"/>
+              <a:cs typeface="Consolas"/>
             </a:endParaRPr>
           </a:p>
           <a:p>
@@ -6929,23 +7076,90 @@
               <a:buNone/>
             </a:pPr>
             <a:r>
+              <a:rPr lang="en-US" sz="2400" dirty="0" err="1" smtClean="0">
+                <a:latin typeface="Consolas"/>
+                <a:cs typeface="Consolas"/>
+              </a:rPr>
+              <a:t>MyVector</a:t>
+            </a:r>
+            <a:r>
               <a:rPr lang="en-US" sz="2400" dirty="0" smtClean="0">
-                <a:latin typeface="Courier"/>
-                <a:cs typeface="Courier"/>
+                <a:latin typeface="Consolas"/>
+                <a:cs typeface="Consolas"/>
+              </a:rPr>
+              <a:t> </a:t>
+            </a:r>
+            <a:r>
+              <a:rPr lang="en-US" sz="2400" dirty="0">
+                <a:latin typeface="Consolas"/>
+                <a:cs typeface="Consolas"/>
+              </a:rPr>
+              <a:t>v2 = new </a:t>
+            </a:r>
+            <a:r>
+              <a:rPr lang="en-US" sz="2400" dirty="0" err="1" smtClean="0">
+                <a:latin typeface="Consolas"/>
+                <a:cs typeface="Consolas"/>
+              </a:rPr>
+              <a:t>MyVector</a:t>
+            </a:r>
+            <a:r>
+              <a:rPr lang="en-US" sz="2400" dirty="0">
+                <a:latin typeface="Consolas"/>
+                <a:cs typeface="Consolas"/>
+              </a:rPr>
+              <a:t>(); </a:t>
+            </a:r>
+            <a:endParaRPr lang="en-US" sz="2400" dirty="0" smtClean="0">
+              <a:latin typeface="Consolas"/>
+              <a:cs typeface="Consolas"/>
+            </a:endParaRPr>
+          </a:p>
+          <a:p>
+            <a:pPr marL="0" indent="0">
+              <a:buNone/>
+            </a:pPr>
+            <a:r>
+              <a:rPr lang="en-US" sz="2400" dirty="0" smtClean="0">
+                <a:latin typeface="Consolas"/>
+                <a:cs typeface="Consolas"/>
               </a:rPr>
               <a:t>v1</a:t>
             </a:r>
             <a:r>
               <a:rPr lang="en-US" sz="2400" dirty="0">
-                <a:latin typeface="Courier"/>
-                <a:cs typeface="Courier"/>
-              </a:rPr>
-              <a:t>.sort(); v1.search(22)</a:t>
-            </a:r>
+                <a:latin typeface="Consolas"/>
+                <a:cs typeface="Consolas"/>
+              </a:rPr>
+              <a:t>.sort(); </a:t>
+            </a:r>
+            <a:endParaRPr lang="en-US" sz="2400" dirty="0" smtClean="0">
+              <a:latin typeface="Consolas"/>
+              <a:cs typeface="Consolas"/>
+            </a:endParaRPr>
+          </a:p>
+          <a:p>
+            <a:pPr marL="0" indent="0">
+              <a:buNone/>
+            </a:pPr>
             <a:r>
               <a:rPr lang="en-US" sz="2400" dirty="0" smtClean="0">
-                <a:latin typeface="Courier"/>
-                <a:cs typeface="Courier"/>
+                <a:latin typeface="Consolas"/>
+                <a:cs typeface="Consolas"/>
+              </a:rPr>
+              <a:t>v1</a:t>
+            </a:r>
+            <a:r>
+              <a:rPr lang="en-US" sz="2400" dirty="0">
+                <a:latin typeface="Consolas"/>
+                <a:cs typeface="Consolas"/>
+              </a:rPr>
+              <a:t>.search(22)</a:t>
+            </a:r>
+            <a:r>
+              <a:rPr lang="en-US" sz="2400" dirty="0" smtClean="0">
+                <a:latin typeface="Consolas"/>
+                <a:cs typeface="Consolas"/>
               </a:rPr>
               <a:t>;</a:t>
             </a:r>
@@ -6955,8 +7169,8 @@
               <a:buNone/>
             </a:pPr>
             <a:endParaRPr lang="en-US" sz="2400" dirty="0">
-              <a:latin typeface="Courier"/>
-              <a:cs typeface="Courier"/>
+              <a:latin typeface="Consolas"/>
+              <a:cs typeface="Consolas"/>
             </a:endParaRPr>
           </a:p>
           <a:p>
@@ -6964,21 +7178,52 @@
               <a:buNone/>
             </a:pPr>
             <a:r>
+              <a:rPr lang="en-US" sz="2400" dirty="0">
+                <a:latin typeface="Consolas"/>
+                <a:cs typeface="Consolas"/>
+              </a:rPr>
+              <a:t>v</a:t>
+            </a:r>
+            <a:r>
               <a:rPr lang="en-US" sz="2400" dirty="0" smtClean="0">
-                <a:latin typeface="Courier"/>
-                <a:cs typeface="Courier"/>
-              </a:rPr>
-              <a:t>V1++; </a:t>
+                <a:latin typeface="Consolas"/>
+                <a:cs typeface="Consolas"/>
+              </a:rPr>
+              <a:t>1</a:t>
+            </a:r>
+            <a:r>
+              <a:rPr lang="en-US" sz="2400" dirty="0" smtClean="0">
+                <a:latin typeface="Consolas"/>
+                <a:cs typeface="Consolas"/>
+              </a:rPr>
+              <a:t>++; </a:t>
+            </a:r>
+            <a:r>
+              <a:rPr lang="en-US" sz="2400" dirty="0" smtClean="0">
+                <a:latin typeface="Consolas"/>
+                <a:cs typeface="Consolas"/>
+              </a:rPr>
+              <a:t>        </a:t>
             </a:r>
             <a:r>
               <a:rPr lang="en-US" sz="2400" dirty="0" smtClean="0">
                 <a:solidFill>
-                  <a:srgbClr val="F79646"/>
+                  <a:srgbClr val="E46C0A"/>
                 </a:solidFill>
-                <a:latin typeface="Courier"/>
-                <a:cs typeface="Courier"/>
-              </a:rPr>
-              <a:t>//Error: not an integer</a:t>
+                <a:latin typeface="Consolas"/>
+                <a:cs typeface="Consolas"/>
+              </a:rPr>
+              <a:t>/</a:t>
+            </a:r>
+            <a:r>
+              <a:rPr lang="en-US" sz="2400" dirty="0" smtClean="0">
+                <a:solidFill>
+                  <a:srgbClr val="E46C0A"/>
+                </a:solidFill>
+                <a:latin typeface="Consolas"/>
+                <a:cs typeface="Consolas"/>
+              </a:rPr>
+              <a:t>/Error: not an integer</a:t>
             </a:r>
           </a:p>
           <a:p>
@@ -6986,28 +7231,42 @@
               <a:buNone/>
             </a:pPr>
             <a:r>
+              <a:rPr lang="en-US" sz="2400" dirty="0">
+                <a:latin typeface="Consolas"/>
+                <a:cs typeface="Consolas"/>
+              </a:rPr>
+              <a:t>v</a:t>
+            </a:r>
+            <a:r>
               <a:rPr lang="en-US" sz="2400" dirty="0" smtClean="0">
-                <a:latin typeface="Courier"/>
-                <a:cs typeface="Courier"/>
-              </a:rPr>
-              <a:t>V1.v[2] = 47; </a:t>
+                <a:latin typeface="Consolas"/>
+                <a:cs typeface="Consolas"/>
+              </a:rPr>
+              <a:t>1</a:t>
+            </a:r>
+            <a:r>
+              <a:rPr lang="en-US" sz="2400" dirty="0" smtClean="0">
+                <a:latin typeface="Consolas"/>
+                <a:cs typeface="Consolas"/>
+              </a:rPr>
+              <a:t>.v[2] = 47; </a:t>
             </a:r>
             <a:r>
               <a:rPr lang="en-US" sz="2400" dirty="0" smtClean="0">
                 <a:solidFill>
-                  <a:srgbClr val="F79646"/>
+                  <a:srgbClr val="E46C0A"/>
                 </a:solidFill>
-                <a:latin typeface="Courier"/>
-                <a:cs typeface="Courier"/>
+                <a:latin typeface="Consolas"/>
+                <a:cs typeface="Consolas"/>
               </a:rPr>
               <a:t>//Error: v[] is private </a:t>
             </a:r>
             <a:endParaRPr lang="en-US" sz="2400" dirty="0">
               <a:solidFill>
-                <a:srgbClr val="F79646"/>
+                <a:srgbClr val="E46C0A"/>
               </a:solidFill>
-              <a:latin typeface="Courier"/>
-              <a:cs typeface="Courier"/>
+              <a:latin typeface="Consolas"/>
+              <a:cs typeface="Consolas"/>
             </a:endParaRPr>
           </a:p>
           <a:p>
@@ -7115,14 +7374,14 @@
             <a:r>
               <a:rPr lang="en-US" dirty="0">
                 <a:solidFill>
-                  <a:srgbClr val="F79646"/>
+                  <a:srgbClr val="E46C0A"/>
                 </a:solidFill>
               </a:rPr>
-              <a:t>Class</a:t>
+              <a:t>Class </a:t>
             </a:r>
             <a:r>
               <a:rPr lang="en-US" dirty="0"/>
-              <a:t> (the description of </a:t>
+              <a:t>(the description of </a:t>
             </a:r>
             <a:r>
               <a:rPr lang="en-US" dirty="0" smtClean="0"/>
@@ -7146,19 +7405,19 @@
             <a:r>
               <a:rPr lang="en-US" dirty="0">
                 <a:solidFill>
-                  <a:srgbClr val="F79646"/>
+                  <a:srgbClr val="E46C0A"/>
                 </a:solidFill>
               </a:rPr>
-              <a:t>ATTRIBUTES</a:t>
+              <a:t>ATTRIBUTES </a:t>
             </a:r>
             <a:r>
               <a:rPr lang="en-US" dirty="0"/>
-              <a:t> or </a:t>
+              <a:t>or </a:t>
             </a:r>
             <a:r>
               <a:rPr lang="en-US" dirty="0">
                 <a:solidFill>
-                  <a:srgbClr val="F79646"/>
+                  <a:srgbClr val="E46C0A"/>
                 </a:solidFill>
               </a:rPr>
               <a:t>FIELDS</a:t>
@@ -7181,14 +7440,10 @@
             <a:r>
               <a:rPr lang="en-US" dirty="0">
                 <a:solidFill>
-                  <a:srgbClr val="F79646"/>
+                  <a:srgbClr val="E46C0A"/>
                 </a:solidFill>
               </a:rPr>
-              <a:t>METHODS</a:t>
-            </a:r>
-            <a:r>
-              <a:rPr lang="en-US" dirty="0"/>
-              <a:t> </a:t>
+              <a:t>METHODS </a:t>
             </a:r>
             <a:r>
               <a:rPr lang="en-US" dirty="0" smtClean="0"/>
@@ -7197,7 +7452,7 @@
             <a:r>
               <a:rPr lang="en-US" dirty="0" smtClean="0">
                 <a:solidFill>
-                  <a:srgbClr val="F79646"/>
+                  <a:srgbClr val="E46C0A"/>
                 </a:solidFill>
               </a:rPr>
               <a:t>OPERATIONS</a:t>
@@ -7220,7 +7475,7 @@
             <a:r>
               <a:rPr lang="en-US" dirty="0">
                 <a:solidFill>
-                  <a:srgbClr val="F79646"/>
+                  <a:srgbClr val="E46C0A"/>
                 </a:solidFill>
               </a:rPr>
               <a:t>CONSTRUCTORS</a:t>
@@ -7234,14 +7489,10 @@
             <a:r>
               <a:rPr lang="en-US" dirty="0" smtClean="0">
                 <a:solidFill>
-                  <a:srgbClr val="F79646"/>
+                  <a:srgbClr val="E46C0A"/>
                 </a:solidFill>
               </a:rPr>
-              <a:t>Object</a:t>
-            </a:r>
-            <a:r>
-              <a:rPr lang="en-US" dirty="0" smtClean="0"/>
-              <a:t> </a:t>
+              <a:t>Object </a:t>
             </a:r>
             <a:r>
               <a:rPr lang="en-US" dirty="0"/>
@@ -7252,12 +7503,16 @@
             <a:pPr lvl="1"/>
             <a:r>
               <a:rPr lang="en-US" dirty="0" smtClean="0"/>
-              <a:t>State </a:t>
-            </a:r>
-            <a:r>
-              <a:rPr lang="en-US" dirty="0"/>
-              <a:t>and identity</a:t>
-            </a:r>
+              <a:t>Identity</a:t>
+            </a:r>
+          </a:p>
+          <a:p>
+            <a:pPr lvl="1"/>
+            <a:r>
+              <a:rPr lang="en-US" dirty="0" smtClean="0"/>
+              <a:t>State</a:t>
+            </a:r>
+            <a:endParaRPr lang="en-US" dirty="0"/>
           </a:p>
         </p:txBody>
       </p:sp>
@@ -7632,7 +7887,7 @@
             </a:r>
             <a:r>
               <a:rPr lang="it-IT" dirty="0" err="1" smtClean="0"/>
-              <a:t>external</a:t>
+              <a:t>other</a:t>
             </a:r>
             <a:r>
               <a:rPr lang="it-IT" dirty="0" smtClean="0"/>
@@ -7644,33 +7899,61 @@
             </a:r>
             <a:r>
               <a:rPr lang="it-IT" dirty="0" smtClean="0"/>
-              <a:t> can call.</a:t>
+              <a:t> </a:t>
+            </a:r>
+            <a:r>
+              <a:rPr lang="it-IT" dirty="0" smtClean="0"/>
+              <a:t>can call.</a:t>
             </a:r>
           </a:p>
           <a:p>
             <a:pPr eaLnBrk="1" hangingPunct="1"/>
             <a:r>
-              <a:rPr lang="it-IT" dirty="0" err="1" smtClean="0"/>
+              <a:rPr lang="it-IT" dirty="0" err="1" smtClean="0">
+                <a:solidFill>
+                  <a:srgbClr val="E46C0A"/>
+                </a:solidFill>
+              </a:rPr>
               <a:t>Methods</a:t>
             </a:r>
             <a:r>
-              <a:rPr lang="it-IT" dirty="0" smtClean="0"/>
+              <a:rPr lang="it-IT" dirty="0" smtClean="0">
+                <a:solidFill>
+                  <a:srgbClr val="E46C0A"/>
+                </a:solidFill>
+              </a:rPr>
               <a:t> are </a:t>
             </a:r>
             <a:r>
-              <a:rPr lang="it-IT" dirty="0" err="1" smtClean="0"/>
+              <a:rPr lang="it-IT" dirty="0" err="1" smtClean="0">
+                <a:solidFill>
+                  <a:srgbClr val="E46C0A"/>
+                </a:solidFill>
+              </a:rPr>
               <a:t>gateways</a:t>
             </a:r>
             <a:r>
-              <a:rPr lang="it-IT" dirty="0" smtClean="0"/>
+              <a:rPr lang="it-IT" dirty="0" smtClean="0">
+                <a:solidFill>
+                  <a:srgbClr val="E46C0A"/>
+                </a:solidFill>
+              </a:rPr>
               <a:t> to the </a:t>
             </a:r>
             <a:r>
-              <a:rPr lang="it-IT" dirty="0" err="1" smtClean="0"/>
+              <a:rPr lang="it-IT" dirty="0" err="1" smtClean="0">
+                <a:solidFill>
+                  <a:srgbClr val="E46C0A"/>
+                </a:solidFill>
+              </a:rPr>
               <a:t>internal</a:t>
             </a:r>
             <a:r>
-              <a:rPr lang="it-IT" dirty="0" smtClean="0"/>
+              <a:rPr lang="it-IT" dirty="0" smtClean="0">
+                <a:solidFill>
+                  <a:srgbClr val="E46C0A"/>
+                </a:solidFill>
+              </a:rPr>
               <a:t> state.</a:t>
             </a:r>
           </a:p>
@@ -7742,11 +8025,11 @@
   <p:clrMapOvr>
     <a:masterClrMapping/>
   </p:clrMapOvr>
-  <p:transition/>
+  <p:transition xmlns:p14="http://schemas.microsoft.com/office/powerpoint/2010/main"/>
   <p:timing>
     <p:tnLst>
       <p:par>
-        <p:cTn id="1" dur="indefinite" restart="never" nodeType="tmRoot"/>
+        <p:cTn xmlns:p14="http://schemas.microsoft.com/office/powerpoint/2010/main" id="1" dur="indefinite" restart="never" nodeType="tmRoot"/>
       </p:par>
     </p:tnLst>
   </p:timing>
@@ -7787,7 +8070,15 @@
           <a:p>
             <a:r>
               <a:rPr lang="en-US" dirty="0" smtClean="0"/>
-              <a:t>UML</a:t>
+              <a:t>UML </a:t>
+            </a:r>
+            <a:r>
+              <a:rPr lang="mr-IN" dirty="0" smtClean="0"/>
+              <a:t>–</a:t>
+            </a:r>
+            <a:r>
+              <a:rPr lang="en-US" dirty="0" smtClean="0"/>
+              <a:t> Unified Modeling Language</a:t>
             </a:r>
             <a:endParaRPr lang="en-US" dirty="0"/>
           </a:p>
@@ -8023,70 +8314,70 @@
           <a:p>
             <a:pPr lvl="1"/>
             <a:r>
-              <a:rPr lang="it-IT" dirty="0" smtClean="0"/>
+              <a:rPr lang="it-IT" b="1" dirty="0" smtClean="0"/>
               <a:t>Do </a:t>
             </a:r>
             <a:r>
-              <a:rPr lang="it-IT" dirty="0" err="1" smtClean="0"/>
+              <a:rPr lang="it-IT" b="1" dirty="0" err="1" smtClean="0"/>
               <a:t>not</a:t>
             </a:r>
             <a:r>
-              <a:rPr lang="it-IT" dirty="0" smtClean="0"/>
+              <a:rPr lang="it-IT" b="1" dirty="0" smtClean="0"/>
               <a:t> </a:t>
             </a:r>
             <a:r>
-              <a:rPr lang="it-IT" dirty="0" err="1" smtClean="0"/>
+              <a:rPr lang="it-IT" b="1" dirty="0" err="1" smtClean="0"/>
               <a:t>uses</a:t>
             </a:r>
             <a:r>
-              <a:rPr lang="it-IT" dirty="0" smtClean="0"/>
+              <a:rPr lang="it-IT" b="1" dirty="0" smtClean="0"/>
               <a:t> </a:t>
             </a:r>
             <a:r>
-              <a:rPr lang="it-IT" dirty="0" err="1" smtClean="0"/>
+              <a:rPr lang="it-IT" b="1" dirty="0" err="1" smtClean="0"/>
               <a:t>functions</a:t>
             </a:r>
             <a:r>
-              <a:rPr lang="it-IT" dirty="0" smtClean="0"/>
+              <a:rPr lang="it-IT" b="1" dirty="0" smtClean="0"/>
               <a:t> for processing data </a:t>
             </a:r>
             <a:r>
-              <a:rPr lang="it-IT" dirty="0" err="1" smtClean="0"/>
+              <a:rPr lang="it-IT" b="1" dirty="0" err="1" smtClean="0"/>
               <a:t>entities</a:t>
             </a:r>
-            <a:endParaRPr lang="it-IT" dirty="0" smtClean="0"/>
+            <a:endParaRPr lang="it-IT" b="1" dirty="0" smtClean="0"/>
           </a:p>
           <a:p>
             <a:pPr lvl="1"/>
             <a:r>
-              <a:rPr lang="it-IT" dirty="0" err="1" smtClean="0"/>
+              <a:rPr lang="it-IT" b="1" dirty="0" err="1" smtClean="0"/>
               <a:t>Ask</a:t>
             </a:r>
             <a:r>
-              <a:rPr lang="it-IT" dirty="0" smtClean="0"/>
+              <a:rPr lang="it-IT" b="1" dirty="0" smtClean="0"/>
               <a:t> </a:t>
             </a:r>
             <a:r>
-              <a:rPr lang="it-IT" dirty="0" err="1" smtClean="0"/>
+              <a:rPr lang="it-IT" b="1" dirty="0" err="1" smtClean="0"/>
               <a:t>entities</a:t>
             </a:r>
             <a:r>
-              <a:rPr lang="it-IT" dirty="0" smtClean="0"/>
+              <a:rPr lang="it-IT" b="1" dirty="0" smtClean="0"/>
               <a:t> to </a:t>
             </a:r>
             <a:r>
-              <a:rPr lang="it-IT" dirty="0" err="1" smtClean="0"/>
+              <a:rPr lang="it-IT" b="1" dirty="0" err="1" smtClean="0"/>
               <a:t>deliver</a:t>
             </a:r>
             <a:r>
-              <a:rPr lang="it-IT" dirty="0" smtClean="0"/>
+              <a:rPr lang="it-IT" b="1" dirty="0" smtClean="0"/>
               <a:t> </a:t>
             </a:r>
             <a:r>
-              <a:rPr lang="it-IT" dirty="0" err="1" smtClean="0"/>
+              <a:rPr lang="it-IT" b="1" dirty="0" err="1" smtClean="0"/>
               <a:t>services</a:t>
             </a:r>
-            <a:endParaRPr lang="it-IT" dirty="0"/>
+            <a:endParaRPr lang="it-IT" b="1" dirty="0"/>
           </a:p>
         </p:txBody>
       </p:sp>
@@ -8122,7 +8413,7 @@
   <p:timing>
     <p:tnLst>
       <p:par>
-        <p:cTn id="1" dur="indefinite" restart="never" nodeType="tmRoot"/>
+        <p:cTn xmlns:p14="http://schemas.microsoft.com/office/powerpoint/2010/main" id="1" dur="indefinite" restart="never" nodeType="tmRoot"/>
       </p:par>
     </p:tnLst>
   </p:timing>
@@ -8254,8 +8545,16 @@
               <a:buNone/>
             </a:pPr>
             <a:r>
-              <a:rPr lang="it-IT" dirty="0" err="1" smtClean="0"/>
-              <a:t>Example</a:t>
+              <a:rPr lang="it-IT" dirty="0" smtClean="0"/>
+              <a:t>For </a:t>
+            </a:r>
+            <a:r>
+              <a:rPr lang="it-IT" dirty="0" err="1" smtClean="0"/>
+              <a:t>example</a:t>
+            </a:r>
+            <a:r>
+              <a:rPr lang="it-IT" dirty="0" smtClean="0"/>
+              <a:t>:</a:t>
             </a:r>
             <a:endParaRPr lang="it-IT" dirty="0" smtClean="0"/>
           </a:p>
@@ -8265,19 +8564,19 @@
               <a:buNone/>
             </a:pPr>
             <a:r>
-              <a:rPr lang="it-IT" dirty="0" err="1" smtClean="0"/>
+              <a:rPr lang="it-IT" i="1" dirty="0" err="1" smtClean="0"/>
               <a:t>insert</a:t>
             </a:r>
             <a:r>
-              <a:rPr lang="it-IT" dirty="0" smtClean="0"/>
+              <a:rPr lang="it-IT" i="1" dirty="0" smtClean="0"/>
               <a:t>(list, </a:t>
             </a:r>
             <a:r>
-              <a:rPr lang="it-IT" dirty="0" err="1" smtClean="0"/>
+              <a:rPr lang="it-IT" i="1" dirty="0" err="1" smtClean="0"/>
               <a:t>element</a:t>
             </a:r>
             <a:r>
-              <a:rPr lang="it-IT" dirty="0" smtClean="0"/>
+              <a:rPr lang="it-IT" i="1" dirty="0" smtClean="0"/>
               <a:t>)</a:t>
             </a:r>
           </a:p>
@@ -8346,7 +8645,7 @@
             </a:r>
             <a:r>
               <a:rPr lang="it-IT" i="1" dirty="0" smtClean="0"/>
-              <a:t> (</a:t>
+              <a:t>(</a:t>
             </a:r>
             <a:r>
               <a:rPr lang="it-IT" i="1" dirty="0" err="1" smtClean="0"/>
@@ -8369,8 +8668,16 @@
               <a:buNone/>
             </a:pPr>
             <a:r>
-              <a:rPr lang="it-IT" dirty="0" err="1"/>
-              <a:t>Example</a:t>
+              <a:rPr lang="it-IT" dirty="0" smtClean="0"/>
+              <a:t>For </a:t>
+            </a:r>
+            <a:r>
+              <a:rPr lang="it-IT" dirty="0" err="1" smtClean="0"/>
+              <a:t>example</a:t>
+            </a:r>
+            <a:r>
+              <a:rPr lang="it-IT" dirty="0"/>
+              <a:t>:</a:t>
             </a:r>
             <a:endParaRPr lang="it-IT" dirty="0" smtClean="0"/>
           </a:p>
@@ -8380,19 +8687,19 @@
               <a:buNone/>
             </a:pPr>
             <a:r>
-              <a:rPr lang="it-IT" dirty="0" err="1" smtClean="0"/>
+              <a:rPr lang="it-IT" i="1" dirty="0" err="1" smtClean="0"/>
               <a:t>list.insert</a:t>
             </a:r>
             <a:r>
-              <a:rPr lang="it-IT" dirty="0" smtClean="0"/>
+              <a:rPr lang="it-IT" i="1" dirty="0" smtClean="0"/>
               <a:t>(</a:t>
             </a:r>
             <a:r>
-              <a:rPr lang="it-IT" dirty="0" err="1" smtClean="0"/>
+              <a:rPr lang="it-IT" i="1" dirty="0" err="1" smtClean="0"/>
               <a:t>element</a:t>
             </a:r>
             <a:r>
-              <a:rPr lang="it-IT" dirty="0" smtClean="0"/>
+              <a:rPr lang="it-IT" i="1" dirty="0" smtClean="0"/>
               <a:t>)</a:t>
             </a:r>
           </a:p>
@@ -8441,11 +8748,11 @@
   <p:clrMapOvr>
     <a:masterClrMapping/>
   </p:clrMapOvr>
-  <p:transition/>
+  <p:transition xmlns:p14="http://schemas.microsoft.com/office/powerpoint/2010/main"/>
   <p:timing>
     <p:tnLst>
       <p:par>
-        <p:cTn id="1" dur="indefinite" restart="never" nodeType="tmRoot"/>
+        <p:cTn xmlns:p14="http://schemas.microsoft.com/office/powerpoint/2010/main" id="1" dur="indefinite" restart="never" nodeType="tmRoot"/>
       </p:par>
     </p:tnLst>
   </p:timing>
@@ -8487,16 +8794,20 @@
           <a:lstStyle/>
           <a:p>
             <a:r>
-              <a:rPr lang="it-IT" dirty="0" err="1"/>
-              <a:t>Characteristics</a:t>
-            </a:r>
-            <a:r>
-              <a:rPr lang="it-IT" dirty="0"/>
-              <a:t> of </a:t>
-            </a:r>
-            <a:r>
-              <a:rPr lang="it-IT" dirty="0" smtClean="0"/>
-              <a:t>OOP</a:t>
+              <a:rPr lang="it-IT" dirty="0" smtClean="0"/>
+              <a:t>OOP </a:t>
+            </a:r>
+            <a:r>
+              <a:rPr lang="it-IT" dirty="0" err="1" smtClean="0"/>
+              <a:t>Key</a:t>
+            </a:r>
+            <a:r>
+              <a:rPr lang="it-IT" dirty="0" smtClean="0"/>
+              <a:t> </a:t>
+            </a:r>
+            <a:r>
+              <a:rPr lang="it-IT" dirty="0" err="1" smtClean="0"/>
+              <a:t>Features</a:t>
             </a:r>
             <a:endParaRPr lang="it-IT" cap="none" dirty="0" smtClean="0"/>
           </a:p>
@@ -8521,14 +8832,18 @@
             <a:r>
               <a:rPr lang="it-IT" b="1" i="1" dirty="0" err="1" smtClean="0">
                 <a:solidFill>
-                  <a:srgbClr val="F79646"/>
+                  <a:schemeClr val="accent6">
+                    <a:lumMod val="75000"/>
+                  </a:schemeClr>
                 </a:solidFill>
               </a:rPr>
               <a:t>Encapsulation</a:t>
             </a:r>
             <a:endParaRPr lang="it-IT" b="1" i="1" dirty="0" smtClean="0">
               <a:solidFill>
-                <a:srgbClr val="F79646"/>
+                <a:schemeClr val="accent6">
+                  <a:lumMod val="75000"/>
+                </a:schemeClr>
               </a:solidFill>
             </a:endParaRPr>
           </a:p>
@@ -8537,14 +8852,18 @@
             <a:r>
               <a:rPr lang="it-IT" b="1" i="1" dirty="0" err="1" smtClean="0">
                 <a:solidFill>
-                  <a:srgbClr val="F79646"/>
+                  <a:schemeClr val="accent6">
+                    <a:lumMod val="75000"/>
+                  </a:schemeClr>
                 </a:solidFill>
               </a:rPr>
               <a:t>Inheritance</a:t>
             </a:r>
             <a:endParaRPr lang="it-IT" b="1" i="1" dirty="0" smtClean="0">
               <a:solidFill>
-                <a:srgbClr val="F79646"/>
+                <a:schemeClr val="accent6">
+                  <a:lumMod val="75000"/>
+                </a:schemeClr>
               </a:solidFill>
             </a:endParaRPr>
           </a:p>
@@ -8553,14 +8872,18 @@
             <a:r>
               <a:rPr lang="it-IT" b="1" i="1" dirty="0" err="1" smtClean="0">
                 <a:solidFill>
-                  <a:srgbClr val="F79646"/>
+                  <a:schemeClr val="accent6">
+                    <a:lumMod val="75000"/>
+                  </a:schemeClr>
                 </a:solidFill>
               </a:rPr>
               <a:t>Polymorphism</a:t>
             </a:r>
             <a:endParaRPr lang="it-IT" b="1" i="1" dirty="0" smtClean="0">
               <a:solidFill>
-                <a:srgbClr val="F79646"/>
+                <a:schemeClr val="accent6">
+                  <a:lumMod val="75000"/>
+                </a:schemeClr>
               </a:solidFill>
             </a:endParaRPr>
           </a:p>
@@ -8602,11 +8925,11 @@
   <p:clrMapOvr>
     <a:masterClrMapping/>
   </p:clrMapOvr>
-  <p:transition/>
+  <p:transition xmlns:p14="http://schemas.microsoft.com/office/powerpoint/2010/main"/>
   <p:timing>
     <p:tnLst>
       <p:par>
-        <p:cTn id="1" dur="indefinite" restart="never" nodeType="tmRoot"/>
+        <p:cTn xmlns:p14="http://schemas.microsoft.com/office/powerpoint/2010/main" id="1" dur="indefinite" restart="never" nodeType="tmRoot"/>
       </p:par>
     </p:tnLst>
   </p:timing>
@@ -8807,40 +9130,32 @@
             </a:r>
             <a:r>
               <a:rPr lang="it-IT" sz="2800" dirty="0" smtClean="0"/>
-              <a:t> ”</a:t>
+              <a:t> </a:t>
+            </a:r>
+            <a:r>
+              <a:rPr lang="it-IT" sz="2800" dirty="0" smtClean="0"/>
+              <a:t>“</a:t>
             </a:r>
             <a:r>
               <a:rPr lang="it-IT" sz="2800" dirty="0" err="1" smtClean="0"/>
-              <a:t>wrap</a:t>
+              <a:t>wraps</a:t>
             </a:r>
             <a:r>
               <a:rPr lang="it-IT" sz="2800" dirty="0" smtClean="0"/>
-              <a:t>” code and data and </a:t>
-            </a:r>
-            <a:r>
-              <a:rPr lang="it-IT" sz="2800" dirty="0" err="1" smtClean="0"/>
-              <a:t>protect</a:t>
-            </a:r>
-            <a:r>
-              <a:rPr lang="it-IT" sz="2800" dirty="0"/>
+              <a:t>”</a:t>
+            </a:r>
+            <a:r>
+              <a:rPr lang="it-IT" sz="2800" dirty="0" smtClean="0"/>
               <a:t> </a:t>
             </a:r>
             <a:r>
-              <a:rPr lang="it-IT" sz="2800" dirty="0" err="1" smtClean="0"/>
-              <a:t>it’s</a:t>
-            </a:r>
-            <a:r>
               <a:rPr lang="it-IT" sz="2800" dirty="0" smtClean="0"/>
-              <a:t> data from the </a:t>
-            </a:r>
-            <a:r>
-              <a:rPr lang="it-IT" sz="2800" dirty="0" err="1" smtClean="0"/>
-              <a:t>outside</a:t>
+              <a:t>code and data </a:t>
             </a:r>
             <a:endParaRPr lang="it-IT" sz="2800" dirty="0" smtClean="0"/>
           </a:p>
           <a:p>
-            <a:pPr algn="just" eaLnBrk="1" hangingPunct="1"/>
+            <a:pPr algn="just"/>
             <a:r>
               <a:rPr lang="it-IT" sz="2800" dirty="0" err="1" smtClean="0"/>
               <a:t>Each</a:t>
@@ -8867,18 +9182,27 @@
             </a:r>
             <a:r>
               <a:rPr lang="it-IT" sz="2800" dirty="0" err="1" smtClean="0"/>
-              <a:t>it’s</a:t>
+              <a:t>its</a:t>
+            </a:r>
+            <a:r>
+              <a:rPr lang="it-IT" sz="2800" dirty="0" smtClean="0"/>
+              <a:t> </a:t>
+            </a:r>
+            <a:r>
+              <a:rPr lang="it-IT" sz="2800" dirty="0" err="1" smtClean="0"/>
+              <a:t>own</a:t>
             </a:r>
             <a:r>
               <a:rPr lang="it-IT" sz="2800" dirty="0" smtClean="0"/>
               <a:t> data </a:t>
             </a:r>
+            <a:endParaRPr lang="it-IT" sz="2800" dirty="0" smtClean="0"/>
           </a:p>
           <a:p>
             <a:pPr algn="just" eaLnBrk="1" hangingPunct="1"/>
             <a:r>
               <a:rPr lang="it-IT" sz="2800" dirty="0" err="1" smtClean="0"/>
-              <a:t>External</a:t>
+              <a:t>Other</a:t>
             </a:r>
             <a:r>
               <a:rPr lang="it-IT" sz="2800" dirty="0" smtClean="0"/>
@@ -8903,6 +9227,26 @@
             <a:r>
               <a:rPr lang="it-IT" sz="2800" dirty="0" err="1" smtClean="0"/>
               <a:t>interface</a:t>
+            </a:r>
+            <a:r>
+              <a:rPr lang="it-IT" sz="2800" dirty="0" smtClean="0"/>
+              <a:t> </a:t>
+            </a:r>
+            <a:r>
+              <a:rPr lang="it-IT" sz="2800" dirty="0" smtClean="0"/>
+              <a:t>to </a:t>
+            </a:r>
+            <a:r>
+              <a:rPr lang="it-IT" sz="2800" dirty="0" err="1" smtClean="0"/>
+              <a:t>require</a:t>
+            </a:r>
+            <a:r>
+              <a:rPr lang="it-IT" sz="2800" dirty="0" smtClean="0"/>
+              <a:t> </a:t>
+            </a:r>
+            <a:r>
+              <a:rPr lang="it-IT" sz="2800" dirty="0" err="1" smtClean="0"/>
+              <a:t>services</a:t>
             </a:r>
             <a:endParaRPr lang="it-IT" sz="2800" dirty="0" smtClean="0"/>
           </a:p>
@@ -8979,11 +9323,11 @@
   <p:clrMapOvr>
     <a:masterClrMapping/>
   </p:clrMapOvr>
-  <p:transition/>
+  <p:transition xmlns:p14="http://schemas.microsoft.com/office/powerpoint/2010/main"/>
   <p:timing>
     <p:tnLst>
       <p:par>
-        <p:cTn id="1" dur="indefinite" restart="never" nodeType="tmRoot"/>
+        <p:cTn xmlns:p14="http://schemas.microsoft.com/office/powerpoint/2010/main" id="1" dur="indefinite" restart="never" nodeType="tmRoot"/>
       </p:par>
     </p:tnLst>
   </p:timing>
@@ -9009,6 +9353,475 @@
       </p:grpSpPr>
       <p:sp>
         <p:nvSpPr>
+          <p:cNvPr id="2" name="Title 1"/>
+          <p:cNvSpPr>
+            <a:spLocks noGrp="1"/>
+          </p:cNvSpPr>
+          <p:nvPr>
+            <p:ph type="title"/>
+          </p:nvPr>
+        </p:nvSpPr>
+        <p:spPr/>
+        <p:txBody>
+          <a:bodyPr/>
+          <a:lstStyle/>
+          <a:p>
+            <a:r>
+              <a:rPr lang="it-IT" dirty="0" err="1"/>
+              <a:t>Encapsulation</a:t>
+            </a:r>
+            <a:endParaRPr lang="en-US" dirty="0"/>
+          </a:p>
+        </p:txBody>
+      </p:sp>
+      <p:sp>
+        <p:nvSpPr>
+          <p:cNvPr id="3" name="Content Placeholder 2"/>
+          <p:cNvSpPr>
+            <a:spLocks noGrp="1"/>
+          </p:cNvSpPr>
+          <p:nvPr>
+            <p:ph idx="1"/>
+          </p:nvPr>
+        </p:nvSpPr>
+        <p:spPr/>
+        <p:txBody>
+          <a:bodyPr>
+            <a:normAutofit/>
+          </a:bodyPr>
+          <a:lstStyle/>
+          <a:p>
+            <a:pPr marL="0" indent="0">
+              <a:buNone/>
+            </a:pPr>
+            <a:r>
+              <a:rPr lang="en-US" sz="2000" b="1" dirty="0">
+                <a:latin typeface="Consolas"/>
+                <a:cs typeface="Consolas"/>
+              </a:rPr>
+              <a:t>class </a:t>
+            </a:r>
+            <a:r>
+              <a:rPr lang="en-US" sz="2000" b="1" dirty="0" err="1" smtClean="0">
+                <a:latin typeface="Consolas"/>
+                <a:cs typeface="Consolas"/>
+              </a:rPr>
+              <a:t>MyVector</a:t>
+            </a:r>
+            <a:r>
+              <a:rPr lang="en-US" sz="2000" b="1" dirty="0" smtClean="0">
+                <a:latin typeface="Consolas"/>
+                <a:cs typeface="Consolas"/>
+              </a:rPr>
+              <a:t> </a:t>
+            </a:r>
+            <a:r>
+              <a:rPr lang="en-US" sz="2000" b="1" dirty="0">
+                <a:latin typeface="Consolas"/>
+                <a:cs typeface="Consolas"/>
+              </a:rPr>
+              <a:t>{ </a:t>
+            </a:r>
+            <a:endParaRPr lang="en-US" sz="2000" dirty="0">
+              <a:latin typeface="Consolas"/>
+              <a:cs typeface="Consolas"/>
+            </a:endParaRPr>
+          </a:p>
+          <a:p>
+            <a:pPr marL="0" indent="0">
+              <a:buNone/>
+            </a:pPr>
+            <a:r>
+              <a:rPr lang="en-US" sz="2000" b="1" dirty="0" smtClean="0">
+                <a:latin typeface="Consolas"/>
+                <a:cs typeface="Consolas"/>
+              </a:rPr>
+              <a:t>	</a:t>
+            </a:r>
+            <a:r>
+              <a:rPr lang="en-US" sz="2000" b="1" dirty="0" smtClean="0">
+                <a:solidFill>
+                  <a:srgbClr val="E46C0A"/>
+                </a:solidFill>
+                <a:latin typeface="Consolas"/>
+                <a:cs typeface="Consolas"/>
+              </a:rPr>
+              <a:t>/</a:t>
+            </a:r>
+            <a:r>
+              <a:rPr lang="en-US" sz="2000" b="1" dirty="0" smtClean="0">
+                <a:solidFill>
+                  <a:srgbClr val="E46C0A"/>
+                </a:solidFill>
+                <a:latin typeface="Consolas"/>
+                <a:cs typeface="Consolas"/>
+              </a:rPr>
+              <a:t>/ internal data (encapsulated data)</a:t>
+            </a:r>
+            <a:endParaRPr lang="en-US" sz="2000" dirty="0">
+              <a:solidFill>
+                <a:srgbClr val="E46C0A"/>
+              </a:solidFill>
+              <a:latin typeface="Consolas"/>
+              <a:cs typeface="Consolas"/>
+            </a:endParaRPr>
+          </a:p>
+          <a:p>
+            <a:pPr marL="0" indent="0">
+              <a:buNone/>
+            </a:pPr>
+            <a:r>
+              <a:rPr lang="en-US" sz="2000" b="1" dirty="0" smtClean="0">
+                <a:latin typeface="Consolas"/>
+                <a:cs typeface="Consolas"/>
+              </a:rPr>
+              <a:t>	private </a:t>
+            </a:r>
+            <a:r>
+              <a:rPr lang="en-US" sz="2000" b="1" dirty="0" err="1">
+                <a:latin typeface="Consolas"/>
+                <a:cs typeface="Consolas"/>
+              </a:rPr>
+              <a:t>int</a:t>
+            </a:r>
+            <a:r>
+              <a:rPr lang="en-US" sz="2000" b="1" dirty="0">
+                <a:latin typeface="Consolas"/>
+                <a:cs typeface="Consolas"/>
+              </a:rPr>
+              <a:t> v[20]; </a:t>
+            </a:r>
+            <a:endParaRPr lang="en-US" sz="2000" b="1" dirty="0" smtClean="0">
+              <a:latin typeface="Consolas"/>
+              <a:cs typeface="Consolas"/>
+            </a:endParaRPr>
+          </a:p>
+          <a:p>
+            <a:pPr marL="0" indent="0">
+              <a:buNone/>
+            </a:pPr>
+            <a:endParaRPr lang="en-US" sz="2000" dirty="0">
+              <a:latin typeface="Consolas"/>
+              <a:cs typeface="Consolas"/>
+            </a:endParaRPr>
+          </a:p>
+          <a:p>
+            <a:pPr marL="0" indent="0">
+              <a:buNone/>
+            </a:pPr>
+            <a:r>
+              <a:rPr lang="en-US" sz="2000" b="1" dirty="0" smtClean="0">
+                <a:latin typeface="Consolas"/>
+                <a:cs typeface="Consolas"/>
+              </a:rPr>
+              <a:t>	/</a:t>
+            </a:r>
+            <a:r>
+              <a:rPr lang="en-US" sz="2000" b="1" dirty="0" smtClean="0">
+                <a:latin typeface="Consolas"/>
+                <a:cs typeface="Consolas"/>
+              </a:rPr>
+              <a:t>/ external interface (methods) </a:t>
+            </a:r>
+            <a:endParaRPr lang="en-US" sz="2000" b="1" dirty="0" smtClean="0">
+              <a:latin typeface="Consolas"/>
+              <a:cs typeface="Consolas"/>
+            </a:endParaRPr>
+          </a:p>
+          <a:p>
+            <a:pPr marL="0" indent="0">
+              <a:buNone/>
+            </a:pPr>
+            <a:r>
+              <a:rPr lang="en-US" sz="2000" b="1" dirty="0" smtClean="0">
+                <a:latin typeface="Consolas"/>
+                <a:cs typeface="Consolas"/>
+              </a:rPr>
+              <a:t>	</a:t>
+            </a:r>
+            <a:r>
+              <a:rPr lang="en-US" sz="2000" b="1" dirty="0" smtClean="0">
+                <a:latin typeface="Consolas"/>
+                <a:cs typeface="Consolas"/>
+              </a:rPr>
+              <a:t>public </a:t>
+            </a:r>
+            <a:r>
+              <a:rPr lang="en-US" sz="2000" b="1" dirty="0" err="1" smtClean="0">
+                <a:latin typeface="Consolas"/>
+                <a:cs typeface="Consolas"/>
+              </a:rPr>
+              <a:t>MyVector</a:t>
+            </a:r>
+            <a:r>
+              <a:rPr lang="en-US" sz="2000" b="1" dirty="0" smtClean="0">
+                <a:latin typeface="Consolas"/>
+                <a:cs typeface="Consolas"/>
+              </a:rPr>
+              <a:t>() {</a:t>
+            </a:r>
+            <a:endParaRPr lang="en-US" sz="2000" dirty="0">
+              <a:latin typeface="Consolas"/>
+              <a:cs typeface="Consolas"/>
+            </a:endParaRPr>
+          </a:p>
+          <a:p>
+            <a:pPr marL="0" indent="0">
+              <a:buNone/>
+            </a:pPr>
+            <a:r>
+              <a:rPr lang="en-US" sz="2000" b="1" dirty="0" smtClean="0">
+                <a:latin typeface="Consolas"/>
+                <a:cs typeface="Consolas"/>
+              </a:rPr>
+              <a:t>		for</a:t>
+            </a:r>
+            <a:r>
+              <a:rPr lang="en-US" sz="2000" b="1" dirty="0">
+                <a:latin typeface="Consolas"/>
+                <a:cs typeface="Consolas"/>
+              </a:rPr>
+              <a:t>(</a:t>
+            </a:r>
+            <a:r>
+              <a:rPr lang="en-US" sz="2000" b="1" dirty="0" err="1">
+                <a:latin typeface="Consolas"/>
+                <a:cs typeface="Consolas"/>
+              </a:rPr>
+              <a:t>int</a:t>
+            </a:r>
+            <a:r>
+              <a:rPr lang="en-US" sz="2000" b="1" dirty="0">
+                <a:latin typeface="Consolas"/>
+                <a:cs typeface="Consolas"/>
+              </a:rPr>
+              <a:t> </a:t>
+            </a:r>
+            <a:r>
+              <a:rPr lang="en-US" sz="2000" b="1" dirty="0" err="1">
+                <a:latin typeface="Consolas"/>
+                <a:cs typeface="Consolas"/>
+              </a:rPr>
+              <a:t>i</a:t>
+            </a:r>
+            <a:r>
+              <a:rPr lang="en-US" sz="2000" b="1" dirty="0">
+                <a:latin typeface="Consolas"/>
+                <a:cs typeface="Consolas"/>
+              </a:rPr>
+              <a:t>=0; </a:t>
+            </a:r>
+            <a:r>
+              <a:rPr lang="en-US" sz="2000" b="1" dirty="0" err="1">
+                <a:latin typeface="Consolas"/>
+                <a:cs typeface="Consolas"/>
+              </a:rPr>
+              <a:t>i</a:t>
+            </a:r>
+            <a:r>
+              <a:rPr lang="en-US" sz="2000" b="1" dirty="0">
+                <a:latin typeface="Consolas"/>
+                <a:cs typeface="Consolas"/>
+              </a:rPr>
+              <a:t>&lt;20; </a:t>
+            </a:r>
+            <a:r>
+              <a:rPr lang="en-US" sz="2000" b="1" dirty="0" err="1">
+                <a:latin typeface="Consolas"/>
+                <a:cs typeface="Consolas"/>
+              </a:rPr>
+              <a:t>i</a:t>
+            </a:r>
+            <a:r>
+              <a:rPr lang="en-US" sz="2000" b="1" dirty="0">
+                <a:latin typeface="Consolas"/>
+                <a:cs typeface="Consolas"/>
+              </a:rPr>
+              <a:t>++) v[</a:t>
+            </a:r>
+            <a:r>
+              <a:rPr lang="en-US" sz="2000" b="1" dirty="0" err="1">
+                <a:latin typeface="Consolas"/>
+                <a:cs typeface="Consolas"/>
+              </a:rPr>
+              <a:t>i</a:t>
+            </a:r>
+            <a:r>
+              <a:rPr lang="en-US" sz="2000" b="1" dirty="0">
+                <a:latin typeface="Consolas"/>
+                <a:cs typeface="Consolas"/>
+              </a:rPr>
+              <a:t>]=0; </a:t>
+            </a:r>
+            <a:endParaRPr lang="en-US" sz="2000" b="1" dirty="0" smtClean="0">
+              <a:latin typeface="Consolas"/>
+              <a:cs typeface="Consolas"/>
+            </a:endParaRPr>
+          </a:p>
+          <a:p>
+            <a:pPr marL="0" indent="0">
+              <a:buNone/>
+            </a:pPr>
+            <a:r>
+              <a:rPr lang="en-US" sz="2000" b="1" dirty="0" smtClean="0">
+                <a:latin typeface="Consolas"/>
+                <a:cs typeface="Consolas"/>
+              </a:rPr>
+              <a:t>	} </a:t>
+            </a:r>
+          </a:p>
+          <a:p>
+            <a:pPr marL="0" indent="0">
+              <a:buNone/>
+            </a:pPr>
+            <a:endParaRPr lang="en-US" sz="2000" dirty="0">
+              <a:latin typeface="Consolas"/>
+              <a:cs typeface="Consolas"/>
+            </a:endParaRPr>
+          </a:p>
+          <a:p>
+            <a:pPr marL="0" indent="0">
+              <a:buNone/>
+            </a:pPr>
+            <a:r>
+              <a:rPr lang="en-US" sz="2000" b="1" dirty="0" smtClean="0">
+                <a:latin typeface="Consolas"/>
+                <a:cs typeface="Consolas"/>
+              </a:rPr>
+              <a:t>	public </a:t>
+            </a:r>
+            <a:r>
+              <a:rPr lang="en-US" sz="2000" b="1" dirty="0">
+                <a:latin typeface="Consolas"/>
+                <a:cs typeface="Consolas"/>
+              </a:rPr>
+              <a:t>sort(){ /*sort*/ } </a:t>
+            </a:r>
+            <a:endParaRPr lang="en-US" sz="2000" dirty="0">
+              <a:latin typeface="Consolas"/>
+              <a:cs typeface="Consolas"/>
+            </a:endParaRPr>
+          </a:p>
+          <a:p>
+            <a:pPr marL="0" indent="0">
+              <a:buNone/>
+            </a:pPr>
+            <a:r>
+              <a:rPr lang="en-US" sz="2000" b="1" dirty="0" smtClean="0">
+                <a:latin typeface="Consolas"/>
+                <a:cs typeface="Consolas"/>
+              </a:rPr>
+              <a:t>	public </a:t>
+            </a:r>
+            <a:r>
+              <a:rPr lang="en-US" sz="2000" b="1" dirty="0">
+                <a:latin typeface="Consolas"/>
+                <a:cs typeface="Consolas"/>
+              </a:rPr>
+              <a:t>search(</a:t>
+            </a:r>
+            <a:r>
+              <a:rPr lang="en-US" sz="2000" b="1" dirty="0" err="1">
+                <a:latin typeface="Consolas"/>
+                <a:cs typeface="Consolas"/>
+              </a:rPr>
+              <a:t>int</a:t>
+            </a:r>
+            <a:r>
+              <a:rPr lang="en-US" sz="2000" b="1" dirty="0">
+                <a:latin typeface="Consolas"/>
+                <a:cs typeface="Consolas"/>
+              </a:rPr>
+              <a:t> c){ /*search*/ } </a:t>
+            </a:r>
+            <a:endParaRPr lang="en-US" sz="2000" b="1" dirty="0" smtClean="0">
+              <a:latin typeface="Consolas"/>
+              <a:cs typeface="Consolas"/>
+            </a:endParaRPr>
+          </a:p>
+          <a:p>
+            <a:pPr marL="0" indent="0">
+              <a:buNone/>
+            </a:pPr>
+            <a:r>
+              <a:rPr lang="en-US" sz="2000" b="1" dirty="0" smtClean="0">
+                <a:latin typeface="Consolas"/>
+                <a:cs typeface="Consolas"/>
+              </a:rPr>
+              <a:t>} </a:t>
+            </a:r>
+            <a:endParaRPr lang="en-US" sz="2000" dirty="0">
+              <a:latin typeface="Consolas"/>
+              <a:cs typeface="Consolas"/>
+            </a:endParaRPr>
+          </a:p>
+          <a:p>
+            <a:pPr marL="0" indent="0">
+              <a:buNone/>
+            </a:pPr>
+            <a:endParaRPr lang="en-US" sz="2000" dirty="0">
+              <a:latin typeface="Consolas"/>
+              <a:cs typeface="Consolas"/>
+            </a:endParaRPr>
+          </a:p>
+        </p:txBody>
+      </p:sp>
+      <p:sp>
+        <p:nvSpPr>
+          <p:cNvPr id="4" name="Slide Number Placeholder 3"/>
+          <p:cNvSpPr>
+            <a:spLocks noGrp="1"/>
+          </p:cNvSpPr>
+          <p:nvPr>
+            <p:ph type="sldNum" sz="quarter" idx="12"/>
+          </p:nvPr>
+        </p:nvSpPr>
+        <p:spPr/>
+        <p:txBody>
+          <a:bodyPr/>
+          <a:lstStyle/>
+          <a:p>
+            <a:fld id="{D2040F39-7941-49A4-B48D-F201B18B6351}" type="slidenum">
+              <a:rPr lang="it-IT" smtClean="0"/>
+              <a:pPr/>
+              <a:t>31</a:t>
+            </a:fld>
+            <a:endParaRPr lang="it-IT" dirty="0"/>
+          </a:p>
+        </p:txBody>
+      </p:sp>
+    </p:spTree>
+    <p:extLst>
+      <p:ext uri="{BB962C8B-B14F-4D97-AF65-F5344CB8AC3E}">
+        <p14:creationId xmlns:p14="http://schemas.microsoft.com/office/powerpoint/2010/main" val="2377013572"/>
+      </p:ext>
+    </p:extLst>
+  </p:cSld>
+  <p:clrMapOvr>
+    <a:masterClrMapping/>
+  </p:clrMapOvr>
+</p:sld>
+</file>
+
+<file path=ppt/slides/slide32.xml><?xml version="1.0" encoding="utf-8"?>
+<p:sld xmlns:a="http://schemas.openxmlformats.org/drawingml/2006/main" xmlns:r="http://schemas.openxmlformats.org/officeDocument/2006/relationships" xmlns:p="http://schemas.openxmlformats.org/presentationml/2006/main">
+  <p:cSld>
+    <p:spTree>
+      <p:nvGrpSpPr>
+        <p:cNvPr id="1" name=""/>
+        <p:cNvGrpSpPr/>
+        <p:nvPr/>
+      </p:nvGrpSpPr>
+      <p:grpSpPr>
+        <a:xfrm>
+          <a:off x="0" y="0"/>
+          <a:ext cx="0" cy="0"/>
+          <a:chOff x="0" y="0"/>
+          <a:chExt cx="0" cy="0"/>
+        </a:xfrm>
+      </p:grpSpPr>
+      <p:sp>
+        <p:nvSpPr>
           <p:cNvPr id="49154" name="Rectangle 2"/>
           <p:cNvSpPr>
             <a:spLocks noGrp="1" noChangeArrowheads="1"/>
@@ -9050,47 +9863,91 @@
           <a:p>
             <a:pPr eaLnBrk="1" hangingPunct="1"/>
             <a:r>
-              <a:rPr lang="it-IT" dirty="0" smtClean="0"/>
+              <a:rPr lang="it-IT" dirty="0" smtClean="0">
+                <a:solidFill>
+                  <a:srgbClr val="E46C0A"/>
+                </a:solidFill>
+              </a:rPr>
               <a:t>A </a:t>
             </a:r>
             <a:r>
-              <a:rPr lang="it-IT" dirty="0" err="1" smtClean="0"/>
+              <a:rPr lang="it-IT" dirty="0" err="1" smtClean="0">
+                <a:solidFill>
+                  <a:srgbClr val="E46C0A"/>
+                </a:solidFill>
+              </a:rPr>
               <a:t>class</a:t>
             </a:r>
             <a:r>
-              <a:rPr lang="it-IT" dirty="0" smtClean="0"/>
+              <a:rPr lang="it-IT" dirty="0" smtClean="0">
+                <a:solidFill>
+                  <a:srgbClr val="E46C0A"/>
+                </a:solidFill>
+              </a:rPr>
               <a:t> can derive from </a:t>
             </a:r>
             <a:r>
-              <a:rPr lang="it-IT" dirty="0" err="1" smtClean="0"/>
+              <a:rPr lang="it-IT" dirty="0" err="1" smtClean="0">
+                <a:solidFill>
+                  <a:srgbClr val="E46C0A"/>
+                </a:solidFill>
+              </a:rPr>
               <a:t>another</a:t>
             </a:r>
             <a:r>
-              <a:rPr lang="it-IT" dirty="0" smtClean="0"/>
+              <a:rPr lang="it-IT" dirty="0" smtClean="0">
+                <a:solidFill>
+                  <a:srgbClr val="E46C0A"/>
+                </a:solidFill>
+              </a:rPr>
               <a:t> </a:t>
             </a:r>
             <a:r>
-              <a:rPr lang="it-IT" dirty="0" err="1" smtClean="0"/>
+              <a:rPr lang="it-IT" dirty="0" err="1" smtClean="0">
+                <a:solidFill>
+                  <a:srgbClr val="E46C0A"/>
+                </a:solidFill>
+              </a:rPr>
               <a:t>class</a:t>
             </a:r>
             <a:r>
-              <a:rPr lang="it-IT" dirty="0" smtClean="0"/>
+              <a:rPr lang="it-IT" dirty="0" smtClean="0">
+                <a:solidFill>
+                  <a:srgbClr val="E46C0A"/>
+                </a:solidFill>
+              </a:rPr>
               <a:t> by </a:t>
             </a:r>
             <a:r>
-              <a:rPr lang="it-IT" dirty="0" err="1" smtClean="0"/>
+              <a:rPr lang="it-IT" dirty="0" err="1" smtClean="0">
+                <a:solidFill>
+                  <a:srgbClr val="E46C0A"/>
+                </a:solidFill>
+              </a:rPr>
               <a:t>extending</a:t>
             </a:r>
             <a:r>
-              <a:rPr lang="it-IT" dirty="0" smtClean="0"/>
+              <a:rPr lang="it-IT" dirty="0" smtClean="0">
+                <a:solidFill>
+                  <a:srgbClr val="E46C0A"/>
+                </a:solidFill>
+              </a:rPr>
               <a:t> </a:t>
             </a:r>
             <a:r>
-              <a:rPr lang="it-IT" dirty="0" err="1" smtClean="0"/>
+              <a:rPr lang="it-IT" dirty="0" err="1" smtClean="0">
+                <a:solidFill>
+                  <a:srgbClr val="E46C0A"/>
+                </a:solidFill>
+              </a:rPr>
               <a:t>it</a:t>
             </a:r>
             <a:r>
-              <a:rPr lang="it-IT" dirty="0" smtClean="0"/>
+              <a:rPr lang="it-IT" dirty="0" smtClean="0">
+                <a:solidFill>
+                  <a:srgbClr val="E46C0A"/>
+                </a:solidFill>
+              </a:rPr>
               <a:t> </a:t>
             </a:r>
           </a:p>
@@ -9124,7 +9981,7 @@
             </a:r>
             <a:r>
               <a:rPr lang="it-IT" dirty="0" err="1" smtClean="0"/>
-              <a:t>inherit</a:t>
+              <a:t>inherits</a:t>
             </a:r>
             <a:r>
               <a:rPr lang="it-IT" dirty="0" smtClean="0"/>
@@ -9285,7 +10142,7 @@
             <a:fld id="{1DFC1357-BC2A-40FD-8A00-851335CF30C6}" type="slidenum">
               <a:rPr lang="it-IT"/>
               <a:pPr/>
-              <a:t>31</a:t>
+              <a:t>32</a:t>
             </a:fld>
             <a:endParaRPr lang="it-IT"/>
           </a:p>
@@ -9296,18 +10153,18 @@
   <p:clrMapOvr>
     <a:masterClrMapping/>
   </p:clrMapOvr>
-  <p:transition/>
+  <p:transition xmlns:p14="http://schemas.microsoft.com/office/powerpoint/2010/main"/>
   <p:timing>
     <p:tnLst>
       <p:par>
-        <p:cTn id="1" dur="indefinite" restart="never" nodeType="tmRoot"/>
+        <p:cTn xmlns:p14="http://schemas.microsoft.com/office/powerpoint/2010/main" id="1" dur="indefinite" restart="never" nodeType="tmRoot"/>
       </p:par>
     </p:tnLst>
   </p:timing>
 </p:sld>
 </file>
 
-<file path=ppt/slides/slide32.xml><?xml version="1.0" encoding="utf-8"?>
+<file path=ppt/slides/slide33.xml><?xml version="1.0" encoding="utf-8"?>
 <p:sld xmlns:a="http://schemas.openxmlformats.org/drawingml/2006/main" xmlns:r="http://schemas.openxmlformats.org/officeDocument/2006/relationships" xmlns:p="http://schemas.openxmlformats.org/presentationml/2006/main">
   <p:cSld>
     <p:spTree>
@@ -9382,307 +10239,11 @@
   <p:clrMapOvr>
     <a:masterClrMapping/>
   </p:clrMapOvr>
-  <p:transition/>
+  <p:transition xmlns:p14="http://schemas.microsoft.com/office/powerpoint/2010/main"/>
   <p:timing>
     <p:tnLst>
       <p:par>
-        <p:cTn id="1" dur="indefinite" restart="never" nodeType="tmRoot"/>
-      </p:par>
-    </p:tnLst>
-  </p:timing>
-</p:sld>
-</file>
-
-<file path=ppt/slides/slide33.xml><?xml version="1.0" encoding="utf-8"?>
-<p:sld xmlns:a="http://schemas.openxmlformats.org/drawingml/2006/main" xmlns:r="http://schemas.openxmlformats.org/officeDocument/2006/relationships" xmlns:p="http://schemas.openxmlformats.org/presentationml/2006/main">
-  <p:cSld>
-    <p:spTree>
-      <p:nvGrpSpPr>
-        <p:cNvPr id="1" name=""/>
-        <p:cNvGrpSpPr/>
-        <p:nvPr/>
-      </p:nvGrpSpPr>
-      <p:grpSpPr>
-        <a:xfrm>
-          <a:off x="0" y="0"/>
-          <a:ext cx="0" cy="0"/>
-          <a:chOff x="0" y="0"/>
-          <a:chExt cx="0" cy="0"/>
-        </a:xfrm>
-      </p:grpSpPr>
-      <p:sp>
-        <p:nvSpPr>
-          <p:cNvPr id="57346" name="Rectangle 2"/>
-          <p:cNvSpPr>
-            <a:spLocks noGrp="1" noChangeArrowheads="1"/>
-          </p:cNvSpPr>
-          <p:nvPr>
-            <p:ph type="title"/>
-          </p:nvPr>
-        </p:nvSpPr>
-        <p:spPr bwMode="auto"/>
-        <p:txBody>
-          <a:bodyPr>
-            <a:normAutofit/>
-          </a:bodyPr>
-          <a:lstStyle/>
-          <a:p>
-            <a:r>
-              <a:rPr lang="it-IT" sz="3200" dirty="0" err="1">
-                <a:latin typeface="+mn-lt"/>
-                <a:ea typeface="+mn-ea"/>
-                <a:cs typeface="+mn-cs"/>
-              </a:rPr>
-              <a:t>Polymorphism</a:t>
-            </a:r>
-            <a:endParaRPr lang="it-IT" sz="3200" dirty="0">
-              <a:latin typeface="+mn-lt"/>
-              <a:ea typeface="+mn-ea"/>
-              <a:cs typeface="+mn-cs"/>
-            </a:endParaRPr>
-          </a:p>
-        </p:txBody>
-      </p:sp>
-      <p:sp>
-        <p:nvSpPr>
-          <p:cNvPr id="57347" name="Rectangle 3"/>
-          <p:cNvSpPr>
-            <a:spLocks noGrp="1" noChangeArrowheads="1"/>
-          </p:cNvSpPr>
-          <p:nvPr>
-            <p:ph idx="1"/>
-          </p:nvPr>
-        </p:nvSpPr>
-        <p:spPr/>
-        <p:txBody>
-          <a:bodyPr/>
-          <a:lstStyle/>
-          <a:p>
-            <a:pPr eaLnBrk="1" hangingPunct="1"/>
-            <a:endParaRPr lang="it-IT" dirty="0" smtClean="0"/>
-          </a:p>
-          <a:p>
-            <a:pPr eaLnBrk="1" hangingPunct="1"/>
-            <a:r>
-              <a:rPr lang="it-IT" dirty="0" err="1" smtClean="0"/>
-              <a:t>Same</a:t>
-            </a:r>
-            <a:r>
-              <a:rPr lang="it-IT" dirty="0" smtClean="0"/>
-              <a:t> </a:t>
-            </a:r>
-            <a:r>
-              <a:rPr lang="it-IT" dirty="0" err="1" smtClean="0"/>
-              <a:t>requests</a:t>
-            </a:r>
-            <a:r>
-              <a:rPr lang="it-IT" dirty="0" smtClean="0"/>
-              <a:t> for a </a:t>
-            </a:r>
-            <a:r>
-              <a:rPr lang="it-IT" dirty="0" err="1" smtClean="0"/>
-              <a:t>method</a:t>
-            </a:r>
-            <a:r>
-              <a:rPr lang="it-IT" dirty="0" smtClean="0"/>
-              <a:t> </a:t>
-            </a:r>
-            <a:r>
-              <a:rPr lang="it-IT" dirty="0" err="1" smtClean="0"/>
-              <a:t>may</a:t>
-            </a:r>
-            <a:r>
-              <a:rPr lang="it-IT" dirty="0" smtClean="0"/>
-              <a:t> </a:t>
-            </a:r>
-            <a:r>
-              <a:rPr lang="it-IT" dirty="0" err="1" smtClean="0"/>
-              <a:t>lead</a:t>
-            </a:r>
-            <a:r>
-              <a:rPr lang="it-IT" dirty="0" smtClean="0"/>
-              <a:t> to </a:t>
-            </a:r>
-            <a:r>
-              <a:rPr lang="it-IT" dirty="0" err="1" smtClean="0"/>
-              <a:t>different</a:t>
-            </a:r>
-            <a:r>
-              <a:rPr lang="it-IT" dirty="0" smtClean="0"/>
-              <a:t> </a:t>
-            </a:r>
-            <a:r>
-              <a:rPr lang="it-IT" dirty="0" err="1" smtClean="0"/>
-              <a:t>behaviors</a:t>
-            </a:r>
-            <a:r>
-              <a:rPr lang="it-IT" dirty="0" smtClean="0"/>
-              <a:t> </a:t>
-            </a:r>
-            <a:r>
-              <a:rPr lang="it-IT" dirty="0" err="1" smtClean="0"/>
-              <a:t>depending</a:t>
-            </a:r>
-            <a:r>
-              <a:rPr lang="it-IT" dirty="0" smtClean="0"/>
-              <a:t> on:</a:t>
-            </a:r>
-          </a:p>
-          <a:p>
-            <a:pPr lvl="1" algn="just" eaLnBrk="1" hangingPunct="1"/>
-            <a:r>
-              <a:rPr lang="it-IT" dirty="0" smtClean="0"/>
-              <a:t>The </a:t>
-            </a:r>
-            <a:r>
-              <a:rPr lang="it-IT" dirty="0" err="1" smtClean="0"/>
-              <a:t>object</a:t>
-            </a:r>
-            <a:r>
-              <a:rPr lang="it-IT" dirty="0" smtClean="0"/>
-              <a:t> </a:t>
-            </a:r>
-            <a:r>
-              <a:rPr lang="it-IT" dirty="0" err="1" smtClean="0"/>
-              <a:t>which</a:t>
-            </a:r>
-            <a:r>
-              <a:rPr lang="it-IT" dirty="0" smtClean="0"/>
-              <a:t> </a:t>
-            </a:r>
-            <a:r>
-              <a:rPr lang="it-IT" dirty="0" err="1" smtClean="0"/>
-              <a:t>perform</a:t>
-            </a:r>
-            <a:r>
-              <a:rPr lang="it-IT" dirty="0" smtClean="0"/>
-              <a:t> the </a:t>
-            </a:r>
-            <a:r>
-              <a:rPr lang="it-IT" dirty="0" err="1" smtClean="0"/>
-              <a:t>operation</a:t>
-            </a:r>
-            <a:endParaRPr lang="it-IT" dirty="0" smtClean="0"/>
-          </a:p>
-          <a:p>
-            <a:pPr lvl="1" algn="just"/>
-            <a:r>
-              <a:rPr lang="it-IT" dirty="0" smtClean="0"/>
-              <a:t> The </a:t>
-            </a:r>
-            <a:r>
-              <a:rPr lang="it-IT" dirty="0" err="1" smtClean="0"/>
-              <a:t>execution</a:t>
-            </a:r>
-            <a:r>
-              <a:rPr lang="it-IT" dirty="0"/>
-              <a:t> </a:t>
-            </a:r>
-            <a:r>
-              <a:rPr lang="it-IT" dirty="0" err="1" smtClean="0"/>
-              <a:t>context</a:t>
-            </a:r>
-            <a:endParaRPr lang="it-IT" dirty="0" smtClean="0"/>
-          </a:p>
-          <a:p>
-            <a:pPr lvl="1" algn="just"/>
-            <a:r>
-              <a:rPr lang="it-IT" dirty="0"/>
-              <a:t> </a:t>
-            </a:r>
-            <a:r>
-              <a:rPr lang="it-IT" dirty="0" err="1" smtClean="0"/>
-              <a:t>Type</a:t>
-            </a:r>
-            <a:r>
-              <a:rPr lang="it-IT" dirty="0" smtClean="0"/>
-              <a:t> of </a:t>
-            </a:r>
-            <a:r>
-              <a:rPr lang="it-IT" dirty="0" err="1" smtClean="0"/>
-              <a:t>parameters</a:t>
-            </a:r>
-            <a:r>
-              <a:rPr lang="it-IT" dirty="0" smtClean="0"/>
-              <a:t> </a:t>
-            </a:r>
-            <a:r>
-              <a:rPr lang="it-IT" dirty="0" err="1" smtClean="0"/>
-              <a:t>passed</a:t>
-            </a:r>
-            <a:r>
-              <a:rPr lang="it-IT" dirty="0" smtClean="0"/>
-              <a:t> </a:t>
-            </a:r>
-            <a:r>
-              <a:rPr lang="it-IT" dirty="0" err="1" smtClean="0"/>
-              <a:t>as</a:t>
-            </a:r>
-            <a:r>
-              <a:rPr lang="it-IT" dirty="0" smtClean="0"/>
-              <a:t> </a:t>
-            </a:r>
-            <a:r>
-              <a:rPr lang="it-IT" dirty="0" err="1" smtClean="0"/>
-              <a:t>argument</a:t>
-            </a:r>
-            <a:endParaRPr lang="it-IT" dirty="0" smtClean="0"/>
-          </a:p>
-          <a:p>
-            <a:pPr lvl="1" algn="just"/>
-            <a:endParaRPr lang="it-IT" dirty="0" smtClean="0"/>
-          </a:p>
-          <a:p>
-            <a:pPr lvl="1" algn="just" eaLnBrk="1" hangingPunct="1"/>
-            <a:endParaRPr lang="it-IT" dirty="0" smtClean="0"/>
-          </a:p>
-          <a:p>
-            <a:pPr lvl="1" algn="just" eaLnBrk="1" hangingPunct="1"/>
-            <a:endParaRPr lang="it-IT" dirty="0" smtClean="0"/>
-          </a:p>
-        </p:txBody>
-      </p:sp>
-      <p:sp>
-        <p:nvSpPr>
-          <p:cNvPr id="57348" name="Segnaposto numero diapositiva 4"/>
-          <p:cNvSpPr>
-            <a:spLocks noGrp="1"/>
-          </p:cNvSpPr>
-          <p:nvPr>
-            <p:ph type="sldNum" sz="quarter" idx="12"/>
-          </p:nvPr>
-        </p:nvSpPr>
-        <p:spPr bwMode="auto">
-          <a:noFill/>
-          <a:ln>
-            <a:miter lim="800000"/>
-            <a:headEnd/>
-            <a:tailEnd/>
-          </a:ln>
-        </p:spPr>
-        <p:txBody>
-          <a:bodyPr/>
-          <a:lstStyle/>
-          <a:p>
-            <a:fld id="{2E2D55A1-1936-4BC7-8AC7-3206E07C2867}" type="slidenum">
-              <a:rPr lang="it-IT"/>
-              <a:pPr/>
-              <a:t>33</a:t>
-            </a:fld>
-            <a:endParaRPr lang="it-IT"/>
-          </a:p>
-        </p:txBody>
-      </p:sp>
-    </p:spTree>
-  </p:cSld>
-  <p:clrMapOvr>
-    <a:masterClrMapping/>
-  </p:clrMapOvr>
-  <p:transition/>
-  <p:timing>
-    <p:tnLst>
-      <p:par>
-        <p:cTn id="1" dur="indefinite" restart="never" nodeType="tmRoot"/>
+        <p:cTn xmlns:p14="http://schemas.microsoft.com/office/powerpoint/2010/main" id="1" dur="indefinite" restart="never" nodeType="tmRoot"/>
       </p:par>
     </p:tnLst>
   </p:timing>
@@ -9708,7 +10269,7 @@
       </p:grpSpPr>
       <p:sp>
         <p:nvSpPr>
-          <p:cNvPr id="2" name="Titolo 1"/>
+          <p:cNvPr id="2" name="Title 1"/>
           <p:cNvSpPr>
             <a:spLocks noGrp="1"/>
           </p:cNvSpPr>
@@ -9722,20 +10283,16 @@
           <a:lstStyle/>
           <a:p>
             <a:r>
-              <a:rPr lang="it-IT" dirty="0" err="1" smtClean="0"/>
-              <a:t>Example</a:t>
-            </a:r>
-            <a:r>
-              <a:rPr lang="it-IT" dirty="0" smtClean="0"/>
-              <a:t>: Courses management</a:t>
-            </a:r>
-            <a:endParaRPr lang="it-IT" dirty="0"/>
-          </a:p>
-        </p:txBody>
-      </p:sp>
-      <p:sp>
-        <p:nvSpPr>
-          <p:cNvPr id="4" name="Segnaposto contenuto 3"/>
+              <a:rPr lang="it-IT" dirty="0" err="1"/>
+              <a:t>Inheritance</a:t>
+            </a:r>
+            <a:endParaRPr lang="en-US" dirty="0"/>
+          </a:p>
+        </p:txBody>
+      </p:sp>
+      <p:sp>
+        <p:nvSpPr>
+          <p:cNvPr id="3" name="Content Placeholder 2"/>
           <p:cNvSpPr>
             <a:spLocks noGrp="1"/>
           </p:cNvSpPr>
@@ -9746,208 +10303,306 @@
         <p:spPr/>
         <p:txBody>
           <a:bodyPr>
-            <a:normAutofit fontScale="92500" lnSpcReduction="20000"/>
+            <a:normAutofit/>
           </a:bodyPr>
           <a:lstStyle/>
           <a:p>
-            <a:r>
-              <a:rPr lang="it-IT" dirty="0" smtClean="0"/>
-              <a:t>Management software for </a:t>
-            </a:r>
-            <a:r>
-              <a:rPr lang="it-IT" dirty="0" err="1" smtClean="0"/>
-              <a:t>degree</a:t>
-            </a:r>
-            <a:r>
-              <a:rPr lang="it-IT" dirty="0" smtClean="0"/>
+            <a:pPr marL="0" indent="0">
+              <a:buNone/>
+            </a:pPr>
+            <a:r>
+              <a:rPr lang="en-US" sz="2000" b="1" dirty="0">
+                <a:latin typeface="Consolas"/>
+                <a:cs typeface="Consolas"/>
+              </a:rPr>
+              <a:t>public class </a:t>
+            </a:r>
+            <a:r>
+              <a:rPr lang="en-US" sz="2000" b="1" dirty="0" err="1" smtClean="0">
+                <a:latin typeface="Consolas"/>
+                <a:cs typeface="Consolas"/>
+              </a:rPr>
+              <a:t>LivingSpecies</a:t>
+            </a:r>
+            <a:r>
+              <a:rPr lang="en-US" sz="2000" b="1" dirty="0" smtClean="0">
+                <a:latin typeface="Consolas"/>
+                <a:cs typeface="Consolas"/>
+              </a:rPr>
               <a:t> </a:t>
             </a:r>
             <a:r>
-              <a:rPr lang="it-IT" dirty="0" err="1" smtClean="0"/>
-              <a:t>courses</a:t>
-            </a:r>
-            <a:r>
-              <a:rPr lang="it-IT" dirty="0" smtClean="0"/>
+              <a:rPr lang="en-US" sz="2000" b="1" dirty="0">
+                <a:latin typeface="Consolas"/>
+                <a:cs typeface="Consolas"/>
+              </a:rPr>
+              <a:t>{ </a:t>
+            </a:r>
+            <a:endParaRPr lang="en-US" sz="2000" dirty="0" smtClean="0">
+              <a:latin typeface="Consolas"/>
+              <a:cs typeface="Consolas"/>
+            </a:endParaRPr>
+          </a:p>
+          <a:p>
+            <a:pPr marL="0" indent="0">
+              <a:buNone/>
+            </a:pPr>
+            <a:r>
+              <a:rPr lang="en-US" sz="2000" b="1" dirty="0">
+                <a:latin typeface="Consolas"/>
+                <a:cs typeface="Consolas"/>
+              </a:rPr>
               <a:t> </a:t>
             </a:r>
-          </a:p>
-          <a:p>
-            <a:r>
-              <a:rPr lang="it-IT" dirty="0" err="1" smtClean="0"/>
-              <a:t>As</a:t>
-            </a:r>
-            <a:r>
-              <a:rPr lang="it-IT" dirty="0" smtClean="0"/>
-              <a:t> the first </a:t>
-            </a:r>
-            <a:r>
-              <a:rPr lang="it-IT" dirty="0" err="1" smtClean="0"/>
-              <a:t>step</a:t>
-            </a:r>
-            <a:r>
-              <a:rPr lang="it-IT" dirty="0" smtClean="0"/>
-              <a:t>, </a:t>
-            </a:r>
-            <a:r>
-              <a:rPr lang="it-IT" dirty="0" err="1" smtClean="0"/>
-              <a:t>we</a:t>
-            </a:r>
-            <a:r>
-              <a:rPr lang="it-IT" dirty="0" smtClean="0"/>
-              <a:t> must </a:t>
-            </a:r>
-            <a:r>
-              <a:rPr lang="it-IT" dirty="0" err="1" smtClean="0"/>
-              <a:t>identify</a:t>
-            </a:r>
-            <a:r>
-              <a:rPr lang="it-IT" dirty="0" smtClean="0"/>
+            <a:r>
+              <a:rPr lang="en-US" sz="2000" b="1" dirty="0" smtClean="0">
+                <a:latin typeface="Consolas"/>
+                <a:cs typeface="Consolas"/>
+              </a:rPr>
+              <a:t> private </a:t>
+            </a:r>
+            <a:r>
+              <a:rPr lang="en-US" sz="2000" b="1" dirty="0" err="1" smtClean="0">
+                <a:latin typeface="Consolas"/>
+                <a:cs typeface="Consolas"/>
+              </a:rPr>
+              <a:t>boolean</a:t>
+            </a:r>
+            <a:r>
+              <a:rPr lang="en-US" sz="2000" b="1" dirty="0" smtClean="0">
+                <a:latin typeface="Consolas"/>
+                <a:cs typeface="Consolas"/>
+              </a:rPr>
               <a:t> </a:t>
             </a:r>
             <a:r>
-              <a:rPr lang="it-IT" dirty="0" err="1" smtClean="0"/>
-              <a:t>which</a:t>
-            </a:r>
-            <a:r>
-              <a:rPr lang="it-IT" dirty="0" smtClean="0"/>
+              <a:rPr lang="en-US" sz="2000" b="1" dirty="0" err="1" smtClean="0">
+                <a:latin typeface="Consolas"/>
+                <a:cs typeface="Consolas"/>
+              </a:rPr>
+              <a:t>isAlive</a:t>
+            </a:r>
+            <a:r>
+              <a:rPr lang="en-US" sz="2000" b="1" dirty="0" smtClean="0">
+                <a:latin typeface="Consolas"/>
+                <a:cs typeface="Consolas"/>
+              </a:rPr>
+              <a:t>;</a:t>
+            </a:r>
+            <a:endParaRPr lang="en-US" sz="2000" b="1" dirty="0">
+              <a:latin typeface="Consolas"/>
+              <a:cs typeface="Consolas"/>
+            </a:endParaRPr>
+          </a:p>
+          <a:p>
+            <a:pPr marL="0" indent="0">
+              <a:buNone/>
+            </a:pPr>
+            <a:r>
+              <a:rPr lang="en-US" sz="2000" b="1" dirty="0">
+                <a:latin typeface="Consolas"/>
+                <a:cs typeface="Consolas"/>
+              </a:rPr>
+              <a:t>} </a:t>
+            </a:r>
+            <a:endParaRPr lang="en-US" sz="2000" dirty="0">
+              <a:latin typeface="Consolas"/>
+              <a:cs typeface="Consolas"/>
+            </a:endParaRPr>
+          </a:p>
+          <a:p>
+            <a:pPr marL="0" indent="0">
+              <a:buNone/>
+            </a:pPr>
+            <a:endParaRPr lang="en-US" sz="2000" b="1" dirty="0">
+              <a:latin typeface="Consolas"/>
+              <a:cs typeface="Consolas"/>
+            </a:endParaRPr>
+          </a:p>
+          <a:p>
+            <a:pPr marL="0" indent="0">
+              <a:buNone/>
+            </a:pPr>
+            <a:r>
+              <a:rPr lang="en-US" sz="2000" b="1" dirty="0" smtClean="0">
+                <a:latin typeface="Consolas"/>
+                <a:cs typeface="Consolas"/>
+              </a:rPr>
+              <a:t>public class Animal </a:t>
+            </a:r>
+            <a:r>
+              <a:rPr lang="en-US" sz="2000" b="1" dirty="0" smtClean="0">
+                <a:solidFill>
+                  <a:schemeClr val="accent6">
+                    <a:lumMod val="75000"/>
+                  </a:schemeClr>
+                </a:solidFill>
+                <a:latin typeface="Consolas"/>
+                <a:cs typeface="Consolas"/>
+              </a:rPr>
+              <a:t>extends</a:t>
+            </a:r>
+            <a:r>
+              <a:rPr lang="en-US" sz="2000" b="1" dirty="0" smtClean="0">
+                <a:latin typeface="Consolas"/>
+                <a:cs typeface="Consolas"/>
+              </a:rPr>
               <a:t> </a:t>
             </a:r>
             <a:r>
-              <a:rPr lang="it-IT" dirty="0" err="1" smtClean="0"/>
-              <a:t>entities</a:t>
-            </a:r>
-            <a:r>
-              <a:rPr lang="it-IT" dirty="0" smtClean="0"/>
-              <a:t> of the </a:t>
-            </a:r>
-            <a:r>
-              <a:rPr lang="it-IT" dirty="0" err="1" smtClean="0"/>
-              <a:t>real</a:t>
-            </a:r>
-            <a:r>
-              <a:rPr lang="it-IT" dirty="0" smtClean="0"/>
-              <a:t> world </a:t>
-            </a:r>
-            <a:r>
-              <a:rPr lang="it-IT" dirty="0" err="1" smtClean="0"/>
-              <a:t>we</a:t>
-            </a:r>
-            <a:r>
-              <a:rPr lang="it-IT" dirty="0" smtClean="0"/>
+              <a:rPr lang="en-US" sz="2000" b="1" dirty="0" err="1" smtClean="0">
+                <a:latin typeface="Consolas"/>
+                <a:cs typeface="Consolas"/>
+              </a:rPr>
+              <a:t>LivingSpecies</a:t>
+            </a:r>
+            <a:r>
+              <a:rPr lang="en-US" sz="2000" b="1" dirty="0" smtClean="0">
+                <a:latin typeface="Consolas"/>
+                <a:cs typeface="Consolas"/>
+              </a:rPr>
+              <a:t> { </a:t>
+            </a:r>
+            <a:endParaRPr lang="en-US" sz="2000" dirty="0">
+              <a:latin typeface="Consolas"/>
+              <a:cs typeface="Consolas"/>
+            </a:endParaRPr>
+          </a:p>
+          <a:p>
+            <a:pPr marL="0" indent="0">
+              <a:buNone/>
+            </a:pPr>
+            <a:r>
+              <a:rPr lang="en-US" sz="2000" b="1" dirty="0">
+                <a:latin typeface="Consolas"/>
+                <a:cs typeface="Consolas"/>
+              </a:rPr>
+              <a:t>. . .</a:t>
+            </a:r>
+          </a:p>
+          <a:p>
+            <a:pPr marL="0" indent="0">
+              <a:buNone/>
+            </a:pPr>
+            <a:r>
+              <a:rPr lang="en-US" sz="2000" b="1" dirty="0">
+                <a:latin typeface="Consolas"/>
+                <a:cs typeface="Consolas"/>
+              </a:rPr>
+              <a:t>} </a:t>
+            </a:r>
+            <a:endParaRPr lang="en-US" sz="2000" dirty="0">
+              <a:latin typeface="Consolas"/>
+              <a:cs typeface="Consolas"/>
+            </a:endParaRPr>
+          </a:p>
+          <a:p>
+            <a:pPr marL="0" indent="0">
+              <a:buNone/>
+            </a:pPr>
+            <a:endParaRPr lang="en-US" sz="2000" b="1" dirty="0" smtClean="0">
+              <a:latin typeface="Consolas"/>
+              <a:cs typeface="Consolas"/>
+            </a:endParaRPr>
+          </a:p>
+          <a:p>
+            <a:pPr marL="0" indent="0">
+              <a:buNone/>
+            </a:pPr>
+            <a:r>
+              <a:rPr lang="en-US" sz="2000" b="1" dirty="0">
+                <a:latin typeface="Consolas"/>
+                <a:cs typeface="Consolas"/>
+              </a:rPr>
+              <a:t>p</a:t>
+            </a:r>
+            <a:r>
+              <a:rPr lang="en-US" sz="2000" b="1" dirty="0" smtClean="0">
+                <a:latin typeface="Consolas"/>
+                <a:cs typeface="Consolas"/>
+              </a:rPr>
+              <a:t>ublic class </a:t>
+            </a:r>
+            <a:r>
+              <a:rPr lang="en-US" sz="2000" b="1" dirty="0" err="1" smtClean="0">
+                <a:latin typeface="Consolas"/>
+                <a:cs typeface="Consolas"/>
+              </a:rPr>
+              <a:t>HumanBeing</a:t>
+            </a:r>
+            <a:r>
+              <a:rPr lang="en-US" sz="2000" b="1" dirty="0" smtClean="0">
+                <a:latin typeface="Consolas"/>
+                <a:cs typeface="Consolas"/>
+              </a:rPr>
               <a:t> </a:t>
             </a:r>
             <a:r>
-              <a:rPr lang="it-IT" dirty="0" err="1" smtClean="0"/>
-              <a:t>should</a:t>
-            </a:r>
-            <a:r>
-              <a:rPr lang="it-IT" dirty="0" smtClean="0"/>
-              <a:t> model </a:t>
-            </a:r>
-            <a:r>
-              <a:rPr lang="it-IT" dirty="0" err="1" smtClean="0"/>
-              <a:t>as</a:t>
-            </a:r>
-            <a:r>
-              <a:rPr lang="it-IT" dirty="0" smtClean="0"/>
-              <a:t> </a:t>
-            </a:r>
-            <a:r>
-              <a:rPr lang="it-IT" dirty="0" err="1" smtClean="0"/>
-              <a:t>classes</a:t>
-            </a:r>
-            <a:r>
-              <a:rPr lang="it-IT" dirty="0" smtClean="0"/>
-              <a:t>:</a:t>
-            </a:r>
-          </a:p>
-          <a:p>
-            <a:pPr lvl="1"/>
-            <a:r>
-              <a:rPr lang="it-IT" dirty="0" err="1" smtClean="0"/>
-              <a:t>Degree</a:t>
-            </a:r>
-            <a:r>
-              <a:rPr lang="it-IT" dirty="0" smtClean="0"/>
-              <a:t> </a:t>
-            </a:r>
-            <a:r>
-              <a:rPr lang="it-IT" dirty="0" err="1" smtClean="0"/>
-              <a:t>courses</a:t>
-            </a:r>
-            <a:r>
-              <a:rPr lang="it-IT" dirty="0" smtClean="0"/>
-              <a:t>(</a:t>
-            </a:r>
-            <a:r>
-              <a:rPr lang="it-IT" dirty="0" err="1" smtClean="0"/>
-              <a:t>CdL</a:t>
-            </a:r>
-            <a:r>
-              <a:rPr lang="it-IT" dirty="0" smtClean="0"/>
-              <a:t>)</a:t>
-            </a:r>
-          </a:p>
-          <a:p>
-            <a:pPr lvl="1"/>
-            <a:r>
-              <a:rPr lang="it-IT" dirty="0" smtClean="0"/>
-              <a:t>Students</a:t>
-            </a:r>
-          </a:p>
-          <a:p>
-            <a:pPr lvl="1"/>
-            <a:r>
-              <a:rPr lang="it-IT" dirty="0" err="1" smtClean="0"/>
-              <a:t>Exams</a:t>
-            </a:r>
-            <a:endParaRPr lang="it-IT" dirty="0" smtClean="0"/>
-          </a:p>
-          <a:p>
-            <a:r>
-              <a:rPr lang="it-IT" dirty="0" err="1" smtClean="0"/>
-              <a:t>But</a:t>
-            </a:r>
-            <a:r>
-              <a:rPr lang="it-IT" dirty="0" smtClean="0"/>
-              <a:t> </a:t>
-            </a:r>
-            <a:r>
-              <a:rPr lang="it-IT" dirty="0" err="1" smtClean="0"/>
-              <a:t>also</a:t>
-            </a:r>
-            <a:endParaRPr lang="it-IT" dirty="0" smtClean="0"/>
-          </a:p>
-          <a:p>
-            <a:pPr lvl="1"/>
-            <a:r>
-              <a:rPr lang="it-IT" dirty="0" err="1" smtClean="0"/>
-              <a:t>Counters</a:t>
-            </a:r>
-            <a:endParaRPr lang="it-IT" dirty="0" smtClean="0"/>
-          </a:p>
-          <a:p>
-            <a:pPr lvl="1"/>
-            <a:r>
-              <a:rPr lang="it-IT" dirty="0" smtClean="0"/>
-              <a:t>Date</a:t>
-            </a:r>
-          </a:p>
-          <a:p>
-            <a:pPr lvl="1"/>
-            <a:r>
-              <a:rPr lang="it-IT" dirty="0" smtClean="0"/>
-              <a:t>…</a:t>
-            </a:r>
-          </a:p>
-          <a:p>
-            <a:endParaRPr lang="it-IT" dirty="0"/>
-          </a:p>
-        </p:txBody>
-      </p:sp>
-      <p:sp>
-        <p:nvSpPr>
-          <p:cNvPr id="3" name="Segnaposto numero diapositiva 2"/>
+              <a:rPr lang="en-US" sz="2000" b="1" dirty="0" smtClean="0">
+                <a:solidFill>
+                  <a:schemeClr val="accent6">
+                    <a:lumMod val="75000"/>
+                  </a:schemeClr>
+                </a:solidFill>
+                <a:latin typeface="Consolas"/>
+                <a:cs typeface="Consolas"/>
+              </a:rPr>
+              <a:t>extends</a:t>
+            </a:r>
+            <a:r>
+              <a:rPr lang="en-US" sz="2000" b="1" dirty="0" smtClean="0">
+                <a:latin typeface="Consolas"/>
+                <a:cs typeface="Consolas"/>
+              </a:rPr>
+              <a:t> Animal { </a:t>
+            </a:r>
+            <a:endParaRPr lang="en-US" sz="2000" dirty="0">
+              <a:latin typeface="Consolas"/>
+              <a:cs typeface="Consolas"/>
+            </a:endParaRPr>
+          </a:p>
+          <a:p>
+            <a:pPr marL="0" indent="0">
+              <a:buNone/>
+            </a:pPr>
+            <a:r>
+              <a:rPr lang="en-US" sz="2000" b="1" dirty="0" smtClean="0">
+                <a:latin typeface="Consolas"/>
+                <a:cs typeface="Consolas"/>
+              </a:rPr>
+              <a:t>. . .</a:t>
+            </a:r>
+          </a:p>
+          <a:p>
+            <a:pPr marL="0" indent="0">
+              <a:buNone/>
+            </a:pPr>
+            <a:r>
+              <a:rPr lang="en-US" sz="2000" b="1" dirty="0" smtClean="0">
+                <a:latin typeface="Consolas"/>
+                <a:cs typeface="Consolas"/>
+              </a:rPr>
+              <a:t>} </a:t>
+            </a:r>
+            <a:endParaRPr lang="en-US" sz="2000" dirty="0">
+              <a:latin typeface="Consolas"/>
+              <a:cs typeface="Consolas"/>
+            </a:endParaRPr>
+          </a:p>
+          <a:p>
+            <a:pPr marL="0" indent="0">
+              <a:buNone/>
+            </a:pPr>
+            <a:endParaRPr lang="en-US" sz="2000" dirty="0">
+              <a:latin typeface="Consolas"/>
+              <a:cs typeface="Consolas"/>
+            </a:endParaRPr>
+          </a:p>
+        </p:txBody>
+      </p:sp>
+      <p:sp>
+        <p:nvSpPr>
+          <p:cNvPr id="4" name="Slide Number Placeholder 3"/>
           <p:cNvSpPr>
             <a:spLocks noGrp="1"/>
           </p:cNvSpPr>
@@ -9965,27 +10620,20 @@
               <a:pPr/>
               <a:t>34</a:t>
             </a:fld>
-            <a:endParaRPr lang="it-IT"/>
+            <a:endParaRPr lang="it-IT" dirty="0"/>
           </a:p>
         </p:txBody>
       </p:sp>
     </p:spTree>
     <p:extLst>
       <p:ext uri="{BB962C8B-B14F-4D97-AF65-F5344CB8AC3E}">
-        <p14:creationId xmlns:p14="http://schemas.microsoft.com/office/powerpoint/2010/main" val="1159359011"/>
+        <p14:creationId xmlns:p14="http://schemas.microsoft.com/office/powerpoint/2010/main" val="1876767147"/>
       </p:ext>
     </p:extLst>
   </p:cSld>
   <p:clrMapOvr>
     <a:masterClrMapping/>
   </p:clrMapOvr>
-  <p:timing>
-    <p:tnLst>
-      <p:par>
-        <p:cTn id="1" dur="indefinite" restart="never" nodeType="tmRoot"/>
-      </p:par>
-    </p:tnLst>
-  </p:timing>
 </p:sld>
 </file>
 
@@ -10008,48 +10656,42 @@
       </p:grpSpPr>
       <p:sp>
         <p:nvSpPr>
-          <p:cNvPr id="2" name="Titolo 1"/>
+          <p:cNvPr id="57346" name="Rectangle 2"/>
           <p:cNvSpPr>
-            <a:spLocks noGrp="1"/>
+            <a:spLocks noGrp="1" noChangeArrowheads="1"/>
           </p:cNvSpPr>
           <p:nvPr>
             <p:ph type="title"/>
           </p:nvPr>
         </p:nvSpPr>
-        <p:spPr/>
-        <p:txBody>
-          <a:bodyPr/>
+        <p:spPr bwMode="auto"/>
+        <p:txBody>
+          <a:bodyPr>
+            <a:normAutofit/>
+          </a:bodyPr>
           <a:lstStyle/>
           <a:p>
             <a:r>
-              <a:rPr lang="it-IT" dirty="0" err="1" smtClean="0"/>
-              <a:t>Define</a:t>
-            </a:r>
-            <a:r>
-              <a:rPr lang="it-IT" dirty="0" smtClean="0"/>
-              <a:t> </a:t>
-            </a:r>
-            <a:r>
-              <a:rPr lang="it-IT" dirty="0" err="1" smtClean="0"/>
-              <a:t>attribute</a:t>
-            </a:r>
-            <a:r>
-              <a:rPr lang="it-IT" dirty="0" smtClean="0"/>
-              <a:t> and </a:t>
-            </a:r>
-            <a:r>
-              <a:rPr lang="it-IT" dirty="0" err="1" smtClean="0"/>
-              <a:t>methods</a:t>
-            </a:r>
-            <a:endParaRPr lang="it-IT" dirty="0"/>
-          </a:p>
-        </p:txBody>
-      </p:sp>
-      <p:sp>
-        <p:nvSpPr>
-          <p:cNvPr id="4" name="Segnaposto contenuto 3"/>
+              <a:rPr lang="it-IT" sz="5400" dirty="0" err="1">
+                <a:latin typeface="+mn-lt"/>
+                <a:ea typeface="+mn-ea"/>
+                <a:cs typeface="+mn-cs"/>
+              </a:rPr>
+              <a:t>Polymorphism</a:t>
+            </a:r>
+            <a:endParaRPr lang="it-IT" sz="3200" dirty="0">
+              <a:latin typeface="+mn-lt"/>
+              <a:ea typeface="+mn-ea"/>
+              <a:cs typeface="+mn-cs"/>
+            </a:endParaRPr>
+          </a:p>
+        </p:txBody>
+      </p:sp>
+      <p:sp>
+        <p:nvSpPr>
+          <p:cNvPr id="57347" name="Rectangle 3"/>
           <p:cNvSpPr>
-            <a:spLocks noGrp="1"/>
+            <a:spLocks noGrp="1" noChangeArrowheads="1"/>
           </p:cNvSpPr>
           <p:nvPr>
             <p:ph idx="1"/>
@@ -10057,50 +10699,17 @@
         </p:nvSpPr>
         <p:spPr/>
         <p:txBody>
-          <a:bodyPr>
-            <a:normAutofit fontScale="62500" lnSpcReduction="20000"/>
-          </a:bodyPr>
+          <a:bodyPr/>
           <a:lstStyle/>
           <a:p>
-            <a:r>
-              <a:rPr lang="it-IT" b="1" dirty="0" smtClean="0"/>
-              <a:t>Class </a:t>
-            </a:r>
-            <a:r>
-              <a:rPr lang="it-IT" b="1" dirty="0" err="1" smtClean="0"/>
-              <a:t>CdL</a:t>
-            </a:r>
-            <a:endParaRPr lang="it-IT" b="1" dirty="0" smtClean="0"/>
-          </a:p>
-          <a:p>
-            <a:pPr lvl="1"/>
-            <a:r>
-              <a:rPr lang="it-IT" dirty="0" err="1" smtClean="0"/>
-              <a:t>attributes</a:t>
-            </a:r>
-            <a:r>
-              <a:rPr lang="it-IT" dirty="0" smtClean="0"/>
-              <a:t>: </a:t>
-            </a:r>
-            <a:r>
-              <a:rPr lang="it-IT" dirty="0" err="1" smtClean="0"/>
-              <a:t>name</a:t>
-            </a:r>
-            <a:r>
-              <a:rPr lang="it-IT" dirty="0" smtClean="0"/>
-              <a:t>, </a:t>
-            </a:r>
-            <a:r>
-              <a:rPr lang="it-IT" dirty="0" err="1" smtClean="0"/>
-              <a:t>exams</a:t>
-            </a:r>
-            <a:r>
-              <a:rPr lang="it-IT" dirty="0" smtClean="0"/>
-              <a:t>, </a:t>
-            </a:r>
-            <a:r>
-              <a:rPr lang="it-IT" dirty="0" err="1" smtClean="0"/>
-              <a:t>enrolled</a:t>
+            <a:pPr eaLnBrk="1" hangingPunct="1"/>
+            <a:endParaRPr lang="it-IT" dirty="0" smtClean="0"/>
+          </a:p>
+          <a:p>
+            <a:pPr eaLnBrk="1" hangingPunct="1"/>
+            <a:r>
+              <a:rPr lang="it-IT" dirty="0" err="1" smtClean="0"/>
+              <a:t>Same</a:t>
             </a:r>
             <a:r>
               <a:rPr lang="it-IT" dirty="0" smtClean="0"/>
@@ -10108,19 +10717,150 @@
             </a:r>
             <a:r>
               <a:rPr lang="it-IT" dirty="0" err="1" smtClean="0"/>
-              <a:t>students</a:t>
-            </a:r>
-            <a:r>
-              <a:rPr lang="it-IT" dirty="0" smtClean="0"/>
-              <a:t>, global </a:t>
-            </a:r>
-            <a:r>
-              <a:rPr lang="it-IT" dirty="0" err="1" smtClean="0"/>
-              <a:t>counter</a:t>
-            </a:r>
-            <a:r>
-              <a:rPr lang="it-IT" dirty="0" smtClean="0"/>
-              <a:t> for </a:t>
+              <a:t>requests</a:t>
+            </a:r>
+            <a:r>
+              <a:rPr lang="it-IT" dirty="0" smtClean="0"/>
+              <a:t> for a </a:t>
+            </a:r>
+            <a:r>
+              <a:rPr lang="it-IT" dirty="0" err="1" smtClean="0"/>
+              <a:t>method</a:t>
+            </a:r>
+            <a:r>
+              <a:rPr lang="it-IT" dirty="0" smtClean="0"/>
+              <a:t> </a:t>
+            </a:r>
+            <a:r>
+              <a:rPr lang="it-IT" dirty="0" err="1" smtClean="0"/>
+              <a:t>may</a:t>
+            </a:r>
+            <a:r>
+              <a:rPr lang="it-IT" dirty="0" smtClean="0"/>
+              <a:t> </a:t>
+            </a:r>
+            <a:r>
+              <a:rPr lang="it-IT" dirty="0" err="1" smtClean="0"/>
+              <a:t>lead</a:t>
+            </a:r>
+            <a:r>
+              <a:rPr lang="it-IT" dirty="0" smtClean="0"/>
+              <a:t> to </a:t>
+            </a:r>
+            <a:r>
+              <a:rPr lang="it-IT" dirty="0" err="1" smtClean="0"/>
+              <a:t>different</a:t>
+            </a:r>
+            <a:r>
+              <a:rPr lang="it-IT" dirty="0" smtClean="0"/>
+              <a:t> </a:t>
+            </a:r>
+            <a:r>
+              <a:rPr lang="it-IT" dirty="0" err="1" smtClean="0"/>
+              <a:t>behaviors</a:t>
+            </a:r>
+            <a:r>
+              <a:rPr lang="it-IT" dirty="0" smtClean="0"/>
+              <a:t> </a:t>
+            </a:r>
+            <a:r>
+              <a:rPr lang="it-IT" dirty="0" err="1" smtClean="0"/>
+              <a:t>depending</a:t>
+            </a:r>
+            <a:r>
+              <a:rPr lang="it-IT" dirty="0" smtClean="0"/>
+              <a:t> on:</a:t>
+            </a:r>
+          </a:p>
+          <a:p>
+            <a:pPr lvl="1" algn="just" eaLnBrk="1" hangingPunct="1"/>
+            <a:r>
+              <a:rPr lang="it-IT" dirty="0" smtClean="0"/>
+              <a:t>The </a:t>
+            </a:r>
+            <a:r>
+              <a:rPr lang="it-IT" dirty="0" err="1" smtClean="0"/>
+              <a:t>actual</a:t>
+            </a:r>
+            <a:r>
+              <a:rPr lang="it-IT" dirty="0" smtClean="0"/>
+              <a:t> </a:t>
+            </a:r>
+            <a:r>
+              <a:rPr lang="it-IT" dirty="0" err="1" smtClean="0"/>
+              <a:t>object</a:t>
+            </a:r>
+            <a:r>
+              <a:rPr lang="it-IT" dirty="0" smtClean="0"/>
+              <a:t> </a:t>
+            </a:r>
+            <a:r>
+              <a:rPr lang="it-IT" dirty="0" err="1" smtClean="0"/>
+              <a:t>performing</a:t>
+            </a:r>
+            <a:r>
+              <a:rPr lang="it-IT" dirty="0" smtClean="0"/>
+              <a:t> </a:t>
+            </a:r>
+            <a:r>
+              <a:rPr lang="it-IT" dirty="0" smtClean="0"/>
+              <a:t>the </a:t>
+            </a:r>
+            <a:r>
+              <a:rPr lang="it-IT" dirty="0" err="1" smtClean="0"/>
+              <a:t>operation</a:t>
+            </a:r>
+            <a:r>
+              <a:rPr lang="it-IT" dirty="0" smtClean="0"/>
+              <a:t> (e.g., base </a:t>
+            </a:r>
+            <a:r>
+              <a:rPr lang="it-IT" dirty="0" err="1" smtClean="0"/>
+              <a:t>class</a:t>
+            </a:r>
+            <a:r>
+              <a:rPr lang="it-IT" dirty="0" smtClean="0"/>
+              <a:t> vs </a:t>
+            </a:r>
+            <a:r>
+              <a:rPr lang="it-IT" dirty="0" err="1" smtClean="0"/>
+              <a:t>derived</a:t>
+            </a:r>
+            <a:r>
+              <a:rPr lang="it-IT" dirty="0" smtClean="0"/>
+              <a:t> </a:t>
+            </a:r>
+            <a:r>
+              <a:rPr lang="it-IT" dirty="0" err="1" smtClean="0"/>
+              <a:t>class</a:t>
+            </a:r>
+            <a:r>
+              <a:rPr lang="it-IT" dirty="0" smtClean="0"/>
+              <a:t>)</a:t>
+            </a:r>
+            <a:endParaRPr lang="it-IT" dirty="0"/>
+          </a:p>
+          <a:p>
+            <a:pPr lvl="1" algn="just" eaLnBrk="1" hangingPunct="1"/>
+            <a:r>
+              <a:rPr lang="it-IT" dirty="0" err="1" smtClean="0"/>
+              <a:t>Type</a:t>
+            </a:r>
+            <a:r>
+              <a:rPr lang="it-IT" dirty="0" smtClean="0"/>
+              <a:t> </a:t>
+            </a:r>
+            <a:r>
+              <a:rPr lang="it-IT" dirty="0" smtClean="0"/>
+              <a:t>of </a:t>
+            </a:r>
+            <a:r>
+              <a:rPr lang="it-IT" dirty="0" err="1" smtClean="0"/>
+              <a:t>parameters</a:t>
+            </a:r>
+            <a:r>
+              <a:rPr lang="it-IT" dirty="0" smtClean="0"/>
+              <a:t> </a:t>
             </a:r>
             <a:r>
               <a:rPr lang="it-IT" dirty="0" err="1" smtClean="0"/>
@@ -10132,23 +10872,23 @@
             </a:r>
             <a:r>
               <a:rPr lang="it-IT" dirty="0" err="1" smtClean="0"/>
-              <a:t>examinations</a:t>
+              <a:t>as</a:t>
+            </a:r>
+            <a:r>
+              <a:rPr lang="it-IT" dirty="0" smtClean="0"/>
+              <a:t> </a:t>
+            </a:r>
+            <a:r>
+              <a:rPr lang="it-IT" dirty="0" err="1" smtClean="0"/>
+              <a:t>argument</a:t>
             </a:r>
             <a:endParaRPr lang="it-IT" dirty="0" smtClean="0"/>
           </a:p>
           <a:p>
-            <a:pPr lvl="1"/>
-            <a:r>
-              <a:rPr lang="it-IT" dirty="0" err="1" smtClean="0"/>
-              <a:t>methods</a:t>
-            </a:r>
-            <a:r>
-              <a:rPr lang="it-IT" dirty="0" smtClean="0"/>
-              <a:t>: </a:t>
-            </a:r>
-            <a:r>
-              <a:rPr lang="it-IT" dirty="0" err="1" smtClean="0"/>
-              <a:t>add</a:t>
+            <a:pPr lvl="1" algn="just" eaLnBrk="1" hangingPunct="1"/>
+            <a:r>
+              <a:rPr lang="it-IT" dirty="0" err="1" smtClean="0"/>
+              <a:t>Execution</a:t>
             </a:r>
             <a:r>
               <a:rPr lang="it-IT" dirty="0" smtClean="0"/>
@@ -10156,548 +10896,27 @@
             </a:r>
             <a:r>
               <a:rPr lang="it-IT" dirty="0" err="1" smtClean="0"/>
-              <a:t>student</a:t>
-            </a:r>
-            <a:r>
-              <a:rPr lang="it-IT" dirty="0" smtClean="0"/>
-              <a:t>, </a:t>
-            </a:r>
-            <a:r>
-              <a:rPr lang="it-IT" dirty="0" err="1" smtClean="0"/>
-              <a:t>get</a:t>
-            </a:r>
-            <a:r>
-              <a:rPr lang="it-IT" dirty="0" smtClean="0"/>
-              <a:t> </a:t>
-            </a:r>
-            <a:r>
-              <a:rPr lang="it-IT" dirty="0" err="1" smtClean="0"/>
-              <a:t>student</a:t>
-            </a:r>
-            <a:r>
-              <a:rPr lang="it-IT" dirty="0" smtClean="0"/>
-              <a:t>, </a:t>
-            </a:r>
-            <a:r>
-              <a:rPr lang="it-IT" dirty="0" err="1" smtClean="0"/>
-              <a:t>know</a:t>
-            </a:r>
-            <a:r>
-              <a:rPr lang="it-IT" dirty="0" smtClean="0"/>
-              <a:t> </a:t>
-            </a:r>
-            <a:r>
-              <a:rPr lang="it-IT" dirty="0" err="1" smtClean="0"/>
-              <a:t>how</a:t>
-            </a:r>
-            <a:r>
-              <a:rPr lang="it-IT" dirty="0" smtClean="0"/>
-              <a:t> </a:t>
-            </a:r>
-            <a:r>
-              <a:rPr lang="it-IT" dirty="0" err="1" smtClean="0"/>
-              <a:t>many</a:t>
-            </a:r>
-            <a:r>
-              <a:rPr lang="it-IT" dirty="0" smtClean="0"/>
-              <a:t> </a:t>
-            </a:r>
-            <a:r>
-              <a:rPr lang="it-IT" dirty="0" err="1" smtClean="0"/>
-              <a:t>exams</a:t>
-            </a:r>
-            <a:r>
-              <a:rPr lang="it-IT" dirty="0" smtClean="0"/>
-              <a:t> a </a:t>
-            </a:r>
-            <a:r>
-              <a:rPr lang="it-IT" dirty="0" err="1" smtClean="0"/>
-              <a:t>student</a:t>
-            </a:r>
-            <a:r>
-              <a:rPr lang="it-IT" dirty="0" smtClean="0"/>
-              <a:t> </a:t>
-            </a:r>
-            <a:r>
-              <a:rPr lang="it-IT" dirty="0" err="1" smtClean="0"/>
-              <a:t>succeed</a:t>
+              <a:t>context</a:t>
             </a:r>
             <a:endParaRPr lang="it-IT" dirty="0" smtClean="0"/>
           </a:p>
           <a:p>
-            <a:r>
-              <a:rPr lang="it-IT" b="1" dirty="0" smtClean="0"/>
-              <a:t>Class </a:t>
-            </a:r>
-            <a:r>
-              <a:rPr lang="it-IT" b="1" dirty="0" err="1" smtClean="0"/>
-              <a:t>Student</a:t>
-            </a:r>
-            <a:endParaRPr lang="it-IT" b="1" dirty="0" smtClean="0"/>
-          </a:p>
-          <a:p>
-            <a:pPr lvl="1"/>
-            <a:r>
-              <a:rPr lang="it-IT" dirty="0" err="1" smtClean="0"/>
-              <a:t>attributes</a:t>
-            </a:r>
-            <a:r>
-              <a:rPr lang="it-IT" dirty="0" smtClean="0"/>
-              <a:t>: </a:t>
-            </a:r>
-            <a:r>
-              <a:rPr lang="it-IT" dirty="0" err="1" smtClean="0"/>
-              <a:t>name</a:t>
-            </a:r>
-            <a:r>
-              <a:rPr lang="it-IT" dirty="0" smtClean="0"/>
-              <a:t>, </a:t>
-            </a:r>
-            <a:r>
-              <a:rPr lang="it-IT" dirty="0" err="1" smtClean="0"/>
-              <a:t>surname</a:t>
-            </a:r>
-            <a:r>
-              <a:rPr lang="it-IT" dirty="0" smtClean="0"/>
-              <a:t>, </a:t>
-            </a:r>
-            <a:r>
-              <a:rPr lang="it-IT" dirty="0" err="1" smtClean="0"/>
-              <a:t>registration</a:t>
-            </a:r>
-            <a:r>
-              <a:rPr lang="it-IT" dirty="0" smtClean="0"/>
-              <a:t> </a:t>
-            </a:r>
-            <a:r>
-              <a:rPr lang="it-IT" dirty="0" err="1" smtClean="0"/>
-              <a:t>number</a:t>
-            </a:r>
-            <a:r>
-              <a:rPr lang="it-IT" dirty="0" smtClean="0"/>
-              <a:t>, </a:t>
-            </a:r>
-            <a:r>
-              <a:rPr lang="it-IT" dirty="0" err="1" smtClean="0"/>
-              <a:t>enroll</a:t>
-            </a:r>
-            <a:r>
-              <a:rPr lang="it-IT" dirty="0" smtClean="0"/>
-              <a:t> date, </a:t>
-            </a:r>
-            <a:r>
-              <a:rPr lang="it-IT" dirty="0" err="1" smtClean="0"/>
-              <a:t>enroll</a:t>
-            </a:r>
-            <a:r>
-              <a:rPr lang="it-IT" dirty="0" smtClean="0"/>
-              <a:t> </a:t>
-            </a:r>
-            <a:r>
-              <a:rPr lang="it-IT" dirty="0" err="1" smtClean="0"/>
-              <a:t>year</a:t>
-            </a:r>
-            <a:r>
-              <a:rPr lang="it-IT" dirty="0" smtClean="0"/>
-              <a:t>, list of </a:t>
-            </a:r>
-            <a:r>
-              <a:rPr lang="it-IT" dirty="0" err="1" smtClean="0"/>
-              <a:t>attended</a:t>
-            </a:r>
-            <a:r>
-              <a:rPr lang="it-IT" dirty="0" smtClean="0"/>
-              <a:t> </a:t>
-            </a:r>
-            <a:r>
-              <a:rPr lang="it-IT" dirty="0" err="1" smtClean="0"/>
-              <a:t>courses</a:t>
-            </a:r>
-            <a:r>
-              <a:rPr lang="it-IT" dirty="0" smtClean="0"/>
-              <a:t>, </a:t>
-            </a:r>
-            <a:r>
-              <a:rPr lang="it-IT" dirty="0" err="1" smtClean="0"/>
-              <a:t>number</a:t>
-            </a:r>
-            <a:r>
-              <a:rPr lang="it-IT" dirty="0" smtClean="0"/>
-              <a:t> of </a:t>
-            </a:r>
-            <a:r>
-              <a:rPr lang="it-IT" dirty="0" err="1" smtClean="0"/>
-              <a:t>passed</a:t>
-            </a:r>
-            <a:r>
-              <a:rPr lang="it-IT" dirty="0" smtClean="0"/>
-              <a:t> </a:t>
-            </a:r>
-            <a:r>
-              <a:rPr lang="it-IT" dirty="0" err="1" smtClean="0"/>
-              <a:t>exams</a:t>
-            </a:r>
+            <a:pPr lvl="1" algn="just"/>
             <a:endParaRPr lang="it-IT" dirty="0" smtClean="0"/>
           </a:p>
           <a:p>
-            <a:pPr lvl="1"/>
-            <a:r>
-              <a:rPr lang="it-IT" dirty="0" err="1" smtClean="0"/>
-              <a:t>methods</a:t>
-            </a:r>
-            <a:r>
-              <a:rPr lang="it-IT" dirty="0" smtClean="0"/>
-              <a:t>: update </a:t>
-            </a:r>
-            <a:r>
-              <a:rPr lang="it-IT" dirty="0" err="1" smtClean="0"/>
-              <a:t>passed</a:t>
-            </a:r>
-            <a:r>
-              <a:rPr lang="it-IT" dirty="0" smtClean="0"/>
-              <a:t> </a:t>
-            </a:r>
-            <a:r>
-              <a:rPr lang="it-IT" dirty="0" err="1" smtClean="0"/>
-              <a:t>exams</a:t>
-            </a:r>
-            <a:r>
-              <a:rPr lang="it-IT" dirty="0" smtClean="0"/>
-              <a:t> and </a:t>
-            </a:r>
-            <a:r>
-              <a:rPr lang="it-IT" dirty="0" err="1" smtClean="0"/>
-              <a:t>number</a:t>
-            </a:r>
-            <a:r>
-              <a:rPr lang="it-IT" dirty="0" smtClean="0"/>
-              <a:t> of </a:t>
-            </a:r>
-            <a:r>
-              <a:rPr lang="it-IT" dirty="0" err="1" smtClean="0"/>
-              <a:t>exams</a:t>
-            </a:r>
-            <a:r>
-              <a:rPr lang="it-IT" dirty="0" smtClean="0"/>
-              <a:t>, set </a:t>
-            </a:r>
-            <a:r>
-              <a:rPr lang="it-IT" dirty="0" err="1" smtClean="0"/>
-              <a:t>enroll</a:t>
-            </a:r>
-            <a:r>
-              <a:rPr lang="it-IT" dirty="0" smtClean="0"/>
-              <a:t> </a:t>
-            </a:r>
-            <a:r>
-              <a:rPr lang="it-IT" dirty="0" err="1" smtClean="0"/>
-              <a:t>year</a:t>
-            </a:r>
-            <a:r>
-              <a:rPr lang="it-IT" dirty="0" smtClean="0"/>
-              <a:t>,  </a:t>
-            </a:r>
-            <a:r>
-              <a:rPr lang="it-IT" dirty="0" err="1" smtClean="0"/>
-              <a:t>know</a:t>
-            </a:r>
-            <a:r>
-              <a:rPr lang="it-IT" dirty="0" smtClean="0"/>
-              <a:t> </a:t>
-            </a:r>
-            <a:r>
-              <a:rPr lang="it-IT" dirty="0" err="1" smtClean="0"/>
-              <a:t>if</a:t>
-            </a:r>
-            <a:r>
-              <a:rPr lang="it-IT" dirty="0" smtClean="0"/>
-              <a:t> </a:t>
-            </a:r>
-            <a:r>
-              <a:rPr lang="it-IT" dirty="0" err="1" smtClean="0"/>
-              <a:t>student</a:t>
-            </a:r>
-            <a:r>
-              <a:rPr lang="it-IT" dirty="0" smtClean="0"/>
-              <a:t> </a:t>
-            </a:r>
-            <a:r>
-              <a:rPr lang="it-IT" dirty="0" err="1" smtClean="0"/>
-              <a:t>passed</a:t>
-            </a:r>
-            <a:r>
-              <a:rPr lang="it-IT" dirty="0" smtClean="0"/>
-              <a:t> a </a:t>
-            </a:r>
-            <a:r>
-              <a:rPr lang="it-IT" dirty="0" err="1" smtClean="0"/>
-              <a:t>specific</a:t>
-            </a:r>
-            <a:r>
-              <a:rPr lang="it-IT" dirty="0" smtClean="0"/>
-              <a:t> </a:t>
-            </a:r>
-            <a:r>
-              <a:rPr lang="it-IT" dirty="0" err="1" smtClean="0"/>
-              <a:t>exam</a:t>
-            </a:r>
+            <a:pPr lvl="1" algn="just" eaLnBrk="1" hangingPunct="1"/>
             <a:endParaRPr lang="it-IT" dirty="0" smtClean="0"/>
           </a:p>
           <a:p>
-            <a:pPr lvl="1"/>
-            <a:r>
-              <a:rPr lang="it-IT" dirty="0" smtClean="0"/>
-              <a:t>NOT ALLOWED: </a:t>
-            </a:r>
-            <a:r>
-              <a:rPr lang="it-IT" dirty="0" err="1" smtClean="0"/>
-              <a:t>Change</a:t>
-            </a:r>
-            <a:r>
-              <a:rPr lang="it-IT" dirty="0" smtClean="0"/>
-              <a:t> </a:t>
-            </a:r>
-            <a:r>
-              <a:rPr lang="it-IT" dirty="0" err="1" smtClean="0"/>
-              <a:t>enroll</a:t>
-            </a:r>
-            <a:r>
-              <a:rPr lang="it-IT" dirty="0" smtClean="0"/>
-              <a:t> date or </a:t>
-            </a:r>
-            <a:r>
-              <a:rPr lang="it-IT" dirty="0" err="1" smtClean="0"/>
-              <a:t>number</a:t>
-            </a:r>
-            <a:r>
-              <a:rPr lang="it-IT" dirty="0" smtClean="0"/>
-              <a:t> of </a:t>
-            </a:r>
-            <a:r>
-              <a:rPr lang="it-IT" dirty="0" err="1" smtClean="0"/>
-              <a:t>passed</a:t>
-            </a:r>
-            <a:r>
-              <a:rPr lang="it-IT" dirty="0" smtClean="0"/>
-              <a:t> </a:t>
-            </a:r>
-            <a:r>
-              <a:rPr lang="it-IT" dirty="0" err="1" smtClean="0"/>
-              <a:t>exams</a:t>
-            </a:r>
-            <a:r>
-              <a:rPr lang="it-IT" dirty="0" smtClean="0"/>
-              <a:t>, </a:t>
-            </a:r>
-            <a:r>
-              <a:rPr lang="it-IT" dirty="0" err="1" smtClean="0"/>
-              <a:t>change</a:t>
-            </a:r>
-            <a:r>
-              <a:rPr lang="it-IT" dirty="0" smtClean="0"/>
-              <a:t> </a:t>
-            </a:r>
-            <a:r>
-              <a:rPr lang="it-IT" dirty="0" err="1" smtClean="0"/>
-              <a:t>name</a:t>
-            </a:r>
-            <a:r>
-              <a:rPr lang="it-IT" dirty="0" smtClean="0"/>
-              <a:t>/</a:t>
-            </a:r>
-            <a:r>
-              <a:rPr lang="it-IT" dirty="0" err="1" smtClean="0"/>
-              <a:t>surname</a:t>
-            </a:r>
+            <a:pPr lvl="1" algn="just" eaLnBrk="1" hangingPunct="1"/>
             <a:endParaRPr lang="it-IT" dirty="0" smtClean="0"/>
           </a:p>
-          <a:p>
-            <a:r>
-              <a:rPr lang="it-IT" b="1" dirty="0" smtClean="0"/>
-              <a:t>Class </a:t>
-            </a:r>
-            <a:r>
-              <a:rPr lang="it-IT" b="1" dirty="0" err="1" smtClean="0"/>
-              <a:t>Exam</a:t>
-            </a:r>
-            <a:endParaRPr lang="it-IT" b="1" dirty="0" smtClean="0"/>
-          </a:p>
-          <a:p>
-            <a:pPr lvl="1"/>
-            <a:r>
-              <a:rPr lang="it-IT" dirty="0" err="1" smtClean="0"/>
-              <a:t>attributes</a:t>
-            </a:r>
-            <a:r>
-              <a:rPr lang="it-IT" dirty="0" smtClean="0"/>
-              <a:t>: </a:t>
-            </a:r>
-            <a:r>
-              <a:rPr lang="it-IT" dirty="0" err="1" smtClean="0"/>
-              <a:t>course</a:t>
-            </a:r>
-            <a:r>
-              <a:rPr lang="it-IT" dirty="0" smtClean="0"/>
-              <a:t> </a:t>
-            </a:r>
-            <a:r>
-              <a:rPr lang="it-IT" dirty="0" err="1" smtClean="0"/>
-              <a:t>name</a:t>
-            </a:r>
-            <a:r>
-              <a:rPr lang="it-IT" dirty="0" smtClean="0"/>
-              <a:t>, </a:t>
-            </a:r>
-            <a:r>
-              <a:rPr lang="it-IT" dirty="0" err="1" smtClean="0"/>
-              <a:t>passed</a:t>
-            </a:r>
-            <a:r>
-              <a:rPr lang="it-IT" dirty="0" smtClean="0"/>
-              <a:t>/</a:t>
-            </a:r>
-            <a:r>
-              <a:rPr lang="it-IT" dirty="0" err="1" smtClean="0"/>
-              <a:t>failed</a:t>
-            </a:r>
-            <a:r>
-              <a:rPr lang="it-IT" dirty="0" smtClean="0"/>
-              <a:t>, </a:t>
-            </a:r>
-            <a:r>
-              <a:rPr lang="it-IT" dirty="0" err="1" smtClean="0"/>
-              <a:t>attended</a:t>
-            </a:r>
-            <a:r>
-              <a:rPr lang="it-IT" dirty="0" smtClean="0"/>
-              <a:t> date, grade</a:t>
-            </a:r>
-          </a:p>
-          <a:p>
-            <a:pPr lvl="1"/>
-            <a:r>
-              <a:rPr lang="it-IT" dirty="0" err="1" smtClean="0"/>
-              <a:t>methods</a:t>
-            </a:r>
-            <a:r>
-              <a:rPr lang="it-IT" dirty="0" smtClean="0"/>
-              <a:t>: set grade, </a:t>
-            </a:r>
-            <a:r>
-              <a:rPr lang="it-IT" dirty="0" err="1" smtClean="0"/>
-              <a:t>read</a:t>
-            </a:r>
-            <a:r>
-              <a:rPr lang="it-IT" dirty="0" smtClean="0"/>
-              <a:t> </a:t>
-            </a:r>
-            <a:r>
-              <a:rPr lang="it-IT" dirty="0" err="1" smtClean="0"/>
-              <a:t>course</a:t>
-            </a:r>
-            <a:r>
-              <a:rPr lang="it-IT" dirty="0" smtClean="0"/>
-              <a:t> </a:t>
-            </a:r>
-            <a:r>
-              <a:rPr lang="it-IT" dirty="0" err="1" smtClean="0"/>
-              <a:t>name</a:t>
-            </a:r>
-            <a:r>
-              <a:rPr lang="it-IT" dirty="0" smtClean="0"/>
-              <a:t> and </a:t>
-            </a:r>
-            <a:r>
-              <a:rPr lang="it-IT" dirty="0" err="1" smtClean="0"/>
-              <a:t>obtained</a:t>
-            </a:r>
-            <a:r>
-              <a:rPr lang="it-IT" dirty="0" smtClean="0"/>
-              <a:t> grade</a:t>
-            </a:r>
-          </a:p>
-          <a:p>
-            <a:pPr lvl="1"/>
-            <a:r>
-              <a:rPr lang="it-IT" dirty="0" smtClean="0"/>
-              <a:t>NOT ALLOWED: </a:t>
-            </a:r>
-            <a:r>
-              <a:rPr lang="it-IT" dirty="0" err="1" smtClean="0"/>
-              <a:t>change</a:t>
-            </a:r>
-            <a:r>
-              <a:rPr lang="it-IT" dirty="0" smtClean="0"/>
-              <a:t> grade, </a:t>
-            </a:r>
-            <a:r>
-              <a:rPr lang="it-IT" dirty="0" err="1" smtClean="0"/>
-              <a:t>change</a:t>
-            </a:r>
-            <a:r>
-              <a:rPr lang="it-IT" dirty="0" smtClean="0"/>
-              <a:t> </a:t>
-            </a:r>
-            <a:r>
-              <a:rPr lang="it-IT" dirty="0" err="1" smtClean="0"/>
-              <a:t>passed</a:t>
-            </a:r>
-            <a:r>
-              <a:rPr lang="it-IT" dirty="0" smtClean="0"/>
-              <a:t> or </a:t>
-            </a:r>
-            <a:r>
-              <a:rPr lang="it-IT" dirty="0" err="1" smtClean="0"/>
-              <a:t>fail</a:t>
-            </a:r>
-            <a:r>
-              <a:rPr lang="it-IT" dirty="0" smtClean="0"/>
-              <a:t> state.</a:t>
-            </a:r>
-          </a:p>
-          <a:p>
-            <a:r>
-              <a:rPr lang="it-IT" b="1" dirty="0" smtClean="0"/>
-              <a:t>Class </a:t>
-            </a:r>
-            <a:r>
-              <a:rPr lang="it-IT" b="1" dirty="0" err="1" smtClean="0"/>
-              <a:t>counter</a:t>
-            </a:r>
-            <a:r>
-              <a:rPr lang="it-IT" b="1" dirty="0" smtClean="0"/>
-              <a:t>: </a:t>
-            </a:r>
-            <a:r>
-              <a:rPr lang="it-IT" dirty="0" err="1" smtClean="0"/>
-              <a:t>as</a:t>
-            </a:r>
-            <a:r>
-              <a:rPr lang="it-IT" dirty="0" smtClean="0"/>
-              <a:t> </a:t>
-            </a:r>
-            <a:r>
-              <a:rPr lang="it-IT" dirty="0" err="1" smtClean="0"/>
-              <a:t>mentioned</a:t>
-            </a:r>
-            <a:r>
-              <a:rPr lang="it-IT" dirty="0" smtClean="0"/>
-              <a:t> </a:t>
-            </a:r>
-            <a:r>
-              <a:rPr lang="it-IT" dirty="0" err="1" smtClean="0"/>
-              <a:t>above</a:t>
-            </a:r>
-            <a:endParaRPr lang="it-IT" dirty="0" smtClean="0"/>
-          </a:p>
-          <a:p>
-            <a:endParaRPr lang="it-IT" dirty="0"/>
-          </a:p>
-        </p:txBody>
-      </p:sp>
-      <p:sp>
-        <p:nvSpPr>
-          <p:cNvPr id="3" name="Segnaposto numero diapositiva 2"/>
+        </p:txBody>
+      </p:sp>
+      <p:sp>
+        <p:nvSpPr>
+          <p:cNvPr id="57348" name="Segnaposto numero diapositiva 4"/>
           <p:cNvSpPr>
             <a:spLocks noGrp="1"/>
           </p:cNvSpPr>
@@ -10705,13 +10924,20 @@
             <p:ph type="sldNum" sz="quarter" idx="12"/>
           </p:nvPr>
         </p:nvSpPr>
-        <p:spPr/>
+        <p:spPr bwMode="auto">
+          <a:noFill/>
+          <a:ln>
+            <a:miter lim="800000"/>
+            <a:headEnd/>
+            <a:tailEnd/>
+          </a:ln>
+        </p:spPr>
         <p:txBody>
           <a:bodyPr/>
           <a:lstStyle/>
           <a:p>
-            <a:fld id="{D2040F39-7941-49A4-B48D-F201B18B6351}" type="slidenum">
-              <a:rPr lang="it-IT" smtClean="0"/>
+            <a:fld id="{2E2D55A1-1936-4BC7-8AC7-3206E07C2867}" type="slidenum">
+              <a:rPr lang="it-IT"/>
               <a:pPr/>
               <a:t>35</a:t>
             </a:fld>
@@ -10720,19 +10946,15 @@
         </p:txBody>
       </p:sp>
     </p:spTree>
-    <p:extLst>
-      <p:ext uri="{BB962C8B-B14F-4D97-AF65-F5344CB8AC3E}">
-        <p14:creationId xmlns:p14="http://schemas.microsoft.com/office/powerpoint/2010/main" val="1145542009"/>
-      </p:ext>
-    </p:extLst>
   </p:cSld>
   <p:clrMapOvr>
     <a:masterClrMapping/>
   </p:clrMapOvr>
+  <p:transition xmlns:p14="http://schemas.microsoft.com/office/powerpoint/2010/main"/>
   <p:timing>
     <p:tnLst>
       <p:par>
-        <p:cTn id="1" dur="indefinite" restart="never" nodeType="tmRoot"/>
+        <p:cTn xmlns:p14="http://schemas.microsoft.com/office/powerpoint/2010/main" id="1" dur="indefinite" restart="never" nodeType="tmRoot"/>
       </p:par>
     </p:tnLst>
   </p:timing>
@@ -10772,12 +10994,12 @@
           <a:lstStyle/>
           <a:p>
             <a:r>
-              <a:rPr lang="it-IT" dirty="0" smtClean="0"/>
-              <a:t>Create </a:t>
-            </a:r>
-            <a:r>
-              <a:rPr lang="it-IT" dirty="0" err="1" smtClean="0"/>
-              <a:t>objects</a:t>
+              <a:rPr lang="it-IT" dirty="0" err="1" smtClean="0"/>
+              <a:t>Example</a:t>
+            </a:r>
+            <a:r>
+              <a:rPr lang="it-IT" dirty="0" smtClean="0"/>
+              <a:t>: Courses management</a:t>
             </a:r>
             <a:endParaRPr lang="it-IT" dirty="0"/>
           </a:p>
@@ -10796,57 +11018,88 @@
         <p:spPr/>
         <p:txBody>
           <a:bodyPr>
-            <a:normAutofit/>
+            <a:normAutofit fontScale="92500" lnSpcReduction="20000"/>
           </a:bodyPr>
           <a:lstStyle/>
           <a:p>
             <a:r>
               <a:rPr lang="it-IT" dirty="0" smtClean="0"/>
-              <a:t>At the </a:t>
-            </a:r>
-            <a:r>
-              <a:rPr lang="it-IT" dirty="0" err="1" smtClean="0"/>
-              <a:t>execution</a:t>
-            </a:r>
-            <a:r>
-              <a:rPr lang="it-IT" dirty="0" smtClean="0"/>
-              <a:t> time </a:t>
-            </a:r>
-            <a:r>
-              <a:rPr lang="it-IT" dirty="0" err="1" smtClean="0"/>
-              <a:t>objects</a:t>
+              <a:t>Management software for </a:t>
+            </a:r>
+            <a:r>
+              <a:rPr lang="it-IT" dirty="0" err="1" smtClean="0"/>
+              <a:t>courses</a:t>
             </a:r>
             <a:r>
               <a:rPr lang="it-IT" dirty="0" smtClean="0"/>
               <a:t> </a:t>
             </a:r>
-            <a:r>
-              <a:rPr lang="it-IT" dirty="0" err="1" smtClean="0"/>
-              <a:t>representing</a:t>
+            <a:endParaRPr lang="it-IT" dirty="0" smtClean="0"/>
+          </a:p>
+          <a:p>
+            <a:r>
+              <a:rPr lang="it-IT" dirty="0" err="1" smtClean="0"/>
+              <a:t>As</a:t>
             </a:r>
             <a:r>
               <a:rPr lang="it-IT" dirty="0" smtClean="0"/>
               <a:t> </a:t>
             </a:r>
             <a:r>
+              <a:rPr lang="it-IT" dirty="0" smtClean="0"/>
+              <a:t>a first </a:t>
+            </a:r>
+            <a:r>
+              <a:rPr lang="it-IT" dirty="0" err="1" smtClean="0"/>
+              <a:t>step</a:t>
+            </a:r>
+            <a:r>
+              <a:rPr lang="it-IT" dirty="0" smtClean="0"/>
+              <a:t>, </a:t>
+            </a:r>
+            <a:r>
+              <a:rPr lang="it-IT" dirty="0" err="1" smtClean="0"/>
+              <a:t>we</a:t>
+            </a:r>
+            <a:r>
+              <a:rPr lang="it-IT" dirty="0" smtClean="0"/>
+              <a:t> must </a:t>
+            </a:r>
+            <a:r>
+              <a:rPr lang="it-IT" dirty="0" err="1" smtClean="0"/>
+              <a:t>identify</a:t>
+            </a:r>
+            <a:r>
+              <a:rPr lang="it-IT" dirty="0" smtClean="0"/>
+              <a:t> </a:t>
+            </a:r>
+            <a:r>
+              <a:rPr lang="it-IT" dirty="0" err="1" smtClean="0"/>
+              <a:t>which</a:t>
+            </a:r>
+            <a:r>
+              <a:rPr lang="it-IT" dirty="0" smtClean="0"/>
+              <a:t> </a:t>
+            </a:r>
+            <a:r>
+              <a:rPr lang="it-IT" dirty="0" err="1" smtClean="0"/>
+              <a:t>real</a:t>
+            </a:r>
+            <a:r>
+              <a:rPr lang="it-IT" dirty="0" smtClean="0"/>
+              <a:t> world </a:t>
+            </a:r>
+            <a:r>
               <a:rPr lang="it-IT" dirty="0" err="1" smtClean="0"/>
               <a:t>entities</a:t>
             </a:r>
             <a:r>
               <a:rPr lang="it-IT" dirty="0" smtClean="0"/>
-              <a:t> of the </a:t>
-            </a:r>
-            <a:r>
-              <a:rPr lang="it-IT" dirty="0" err="1" smtClean="0"/>
-              <a:t>real</a:t>
-            </a:r>
-            <a:r>
-              <a:rPr lang="it-IT" dirty="0" smtClean="0"/>
-              <a:t> world </a:t>
-            </a:r>
-            <a:r>
-              <a:rPr lang="it-IT" dirty="0" err="1" smtClean="0"/>
-              <a:t>will</a:t>
+              <a:t> </a:t>
+            </a:r>
+            <a:r>
+              <a:rPr lang="it-IT" dirty="0" err="1" smtClean="0"/>
+              <a:t>should</a:t>
             </a:r>
             <a:r>
               <a:rPr lang="it-IT" dirty="0" smtClean="0"/>
@@ -10854,7 +11107,23 @@
             </a:r>
             <a:r>
               <a:rPr lang="it-IT" dirty="0" err="1" smtClean="0"/>
-              <a:t>created</a:t>
+              <a:t>modeled</a:t>
+            </a:r>
+            <a:r>
+              <a:rPr lang="it-IT" dirty="0" smtClean="0"/>
+              <a:t> </a:t>
+            </a:r>
+            <a:r>
+              <a:rPr lang="it-IT" dirty="0" err="1" smtClean="0"/>
+              <a:t>as</a:t>
+            </a:r>
+            <a:r>
+              <a:rPr lang="it-IT" dirty="0" smtClean="0"/>
+              <a:t> </a:t>
+            </a:r>
+            <a:r>
+              <a:rPr lang="it-IT" dirty="0" err="1" smtClean="0"/>
+              <a:t>classes</a:t>
             </a:r>
             <a:r>
               <a:rPr lang="it-IT" dirty="0" smtClean="0"/>
@@ -10864,8 +11133,34 @@
           <a:p>
             <a:pPr lvl="1"/>
             <a:r>
-              <a:rPr lang="it-IT" dirty="0" err="1" smtClean="0"/>
-              <a:t>One</a:t>
+              <a:rPr lang="it-IT" dirty="0" smtClean="0"/>
+              <a:t>C</a:t>
+            </a:r>
+            <a:r>
+              <a:rPr lang="it-IT" dirty="0" smtClean="0"/>
+              <a:t>ourses</a:t>
+            </a:r>
+            <a:endParaRPr lang="it-IT" dirty="0" smtClean="0"/>
+          </a:p>
+          <a:p>
+            <a:pPr lvl="1"/>
+            <a:r>
+              <a:rPr lang="it-IT" dirty="0" smtClean="0"/>
+              <a:t>Students</a:t>
+            </a:r>
+          </a:p>
+          <a:p>
+            <a:pPr lvl="1"/>
+            <a:r>
+              <a:rPr lang="it-IT" dirty="0" err="1" smtClean="0"/>
+              <a:t>Exams</a:t>
+            </a:r>
+            <a:endParaRPr lang="it-IT" dirty="0" smtClean="0"/>
+          </a:p>
+          <a:p>
+            <a:r>
+              <a:rPr lang="it-IT" dirty="0" err="1" smtClean="0"/>
+              <a:t>But</a:t>
             </a:r>
             <a:r>
               <a:rPr lang="it-IT" dirty="0" smtClean="0"/>
@@ -10873,39 +11168,7 @@
             </a:r>
             <a:r>
               <a:rPr lang="it-IT" dirty="0" err="1" smtClean="0"/>
-              <a:t>object</a:t>
-            </a:r>
-            <a:r>
-              <a:rPr lang="it-IT" dirty="0" smtClean="0"/>
-              <a:t> </a:t>
-            </a:r>
-            <a:r>
-              <a:rPr lang="it-IT" b="1" dirty="0" err="1" smtClean="0"/>
-              <a:t>CdL</a:t>
-            </a:r>
-            <a:r>
-              <a:rPr lang="it-IT" dirty="0" smtClean="0"/>
-              <a:t> for </a:t>
-            </a:r>
-            <a:r>
-              <a:rPr lang="it-IT" dirty="0" err="1" smtClean="0"/>
-              <a:t>each</a:t>
-            </a:r>
-            <a:r>
-              <a:rPr lang="it-IT" dirty="0" smtClean="0"/>
-              <a:t> </a:t>
-            </a:r>
-            <a:r>
-              <a:rPr lang="it-IT" dirty="0" err="1" smtClean="0"/>
-              <a:t>degree</a:t>
-            </a:r>
-            <a:r>
-              <a:rPr lang="it-IT" dirty="0" smtClean="0"/>
-              <a:t> </a:t>
-            </a:r>
-            <a:r>
-              <a:rPr lang="it-IT" dirty="0" err="1" smtClean="0"/>
-              <a:t>course</a:t>
+              <a:t>also</a:t>
             </a:r>
             <a:endParaRPr lang="it-IT" dirty="0" smtClean="0"/>
           </a:p>
@@ -10913,228 +11176,26 @@
             <a:pPr lvl="1"/>
             <a:r>
               <a:rPr lang="it-IT" dirty="0" err="1" smtClean="0"/>
-              <a:t>One</a:t>
-            </a:r>
-            <a:r>
-              <a:rPr lang="it-IT" dirty="0" smtClean="0"/>
-              <a:t> </a:t>
-            </a:r>
-            <a:r>
-              <a:rPr lang="it-IT" dirty="0" err="1" smtClean="0"/>
-              <a:t>object</a:t>
-            </a:r>
-            <a:r>
-              <a:rPr lang="it-IT" dirty="0" smtClean="0"/>
-              <a:t> </a:t>
-            </a:r>
-            <a:r>
-              <a:rPr lang="it-IT" b="1" dirty="0" err="1" smtClean="0"/>
-              <a:t>Student</a:t>
-            </a:r>
-            <a:r>
-              <a:rPr lang="it-IT" dirty="0" smtClean="0"/>
-              <a:t> for </a:t>
-            </a:r>
-            <a:r>
-              <a:rPr lang="it-IT" dirty="0" err="1" smtClean="0"/>
-              <a:t>each</a:t>
-            </a:r>
-            <a:r>
-              <a:rPr lang="it-IT" dirty="0" smtClean="0"/>
-              <a:t> </a:t>
-            </a:r>
-            <a:r>
-              <a:rPr lang="it-IT" dirty="0" err="1" smtClean="0"/>
-              <a:t>enrolled</a:t>
-            </a:r>
-            <a:r>
-              <a:rPr lang="it-IT" dirty="0" smtClean="0"/>
-              <a:t> </a:t>
-            </a:r>
-            <a:r>
-              <a:rPr lang="it-IT" dirty="0" err="1" smtClean="0"/>
-              <a:t>student</a:t>
-            </a:r>
-            <a:r>
-              <a:rPr lang="it-IT" dirty="0" smtClean="0"/>
-              <a:t>. The </a:t>
-            </a:r>
-            <a:r>
-              <a:rPr lang="it-IT" dirty="0" err="1" smtClean="0"/>
-              <a:t>same</a:t>
-            </a:r>
-            <a:r>
-              <a:rPr lang="it-IT" dirty="0" smtClean="0"/>
-              <a:t> </a:t>
-            </a:r>
-            <a:r>
-              <a:rPr lang="it-IT" dirty="0" err="1" smtClean="0"/>
-              <a:t>object</a:t>
-            </a:r>
-            <a:r>
-              <a:rPr lang="it-IT" dirty="0" smtClean="0"/>
-              <a:t> </a:t>
-            </a:r>
-            <a:r>
-              <a:rPr lang="it-IT" dirty="0" err="1" smtClean="0"/>
-              <a:t>will</a:t>
-            </a:r>
-            <a:r>
-              <a:rPr lang="it-IT" dirty="0" smtClean="0"/>
-              <a:t> be </a:t>
-            </a:r>
-            <a:r>
-              <a:rPr lang="it-IT" dirty="0" err="1" smtClean="0"/>
-              <a:t>attribute</a:t>
-            </a:r>
-            <a:r>
-              <a:rPr lang="it-IT" dirty="0" smtClean="0"/>
-              <a:t> of the </a:t>
-            </a:r>
-            <a:r>
-              <a:rPr lang="it-IT" dirty="0" err="1" smtClean="0"/>
-              <a:t>object</a:t>
-            </a:r>
-            <a:r>
-              <a:rPr lang="it-IT" dirty="0" smtClean="0"/>
-              <a:t> </a:t>
-            </a:r>
-            <a:r>
-              <a:rPr lang="it-IT" dirty="0" err="1" smtClean="0"/>
-              <a:t>CdL</a:t>
-            </a:r>
-            <a:r>
-              <a:rPr lang="it-IT" dirty="0" smtClean="0"/>
-              <a:t> </a:t>
-            </a:r>
-            <a:r>
-              <a:rPr lang="it-IT" dirty="0" err="1" smtClean="0"/>
-              <a:t>which</a:t>
-            </a:r>
-            <a:r>
-              <a:rPr lang="it-IT" dirty="0" smtClean="0"/>
-              <a:t> </a:t>
-            </a:r>
-            <a:r>
-              <a:rPr lang="it-IT" dirty="0" err="1" smtClean="0"/>
-              <a:t>belongs</a:t>
+              <a:t>Counters</a:t>
             </a:r>
             <a:endParaRPr lang="it-IT" dirty="0" smtClean="0"/>
           </a:p>
           <a:p>
-            <a:r>
-              <a:rPr lang="it-IT" dirty="0" err="1" smtClean="0"/>
-              <a:t>One</a:t>
-            </a:r>
-            <a:r>
-              <a:rPr lang="it-IT" dirty="0" smtClean="0"/>
-              <a:t> </a:t>
-            </a:r>
-            <a:r>
-              <a:rPr lang="it-IT" dirty="0" err="1" smtClean="0"/>
-              <a:t>object</a:t>
-            </a:r>
-            <a:r>
-              <a:rPr lang="it-IT" dirty="0" smtClean="0"/>
-              <a:t> </a:t>
-            </a:r>
-            <a:r>
-              <a:rPr lang="it-IT" b="1" dirty="0" err="1"/>
-              <a:t>E</a:t>
-            </a:r>
-            <a:r>
-              <a:rPr lang="it-IT" b="1" dirty="0" err="1" smtClean="0"/>
-              <a:t>xam</a:t>
-            </a:r>
-            <a:r>
-              <a:rPr lang="it-IT" dirty="0" smtClean="0"/>
-              <a:t> for </a:t>
-            </a:r>
-            <a:r>
-              <a:rPr lang="it-IT" dirty="0" err="1" smtClean="0"/>
-              <a:t>each</a:t>
-            </a:r>
-            <a:r>
-              <a:rPr lang="it-IT" dirty="0" smtClean="0"/>
-              <a:t> </a:t>
-            </a:r>
-            <a:r>
-              <a:rPr lang="it-IT" dirty="0" err="1" smtClean="0"/>
-              <a:t>passed</a:t>
-            </a:r>
-            <a:r>
-              <a:rPr lang="it-IT" dirty="0" smtClean="0"/>
-              <a:t> </a:t>
-            </a:r>
-            <a:r>
-              <a:rPr lang="it-IT" dirty="0" err="1" smtClean="0"/>
-              <a:t>exam</a:t>
-            </a:r>
-            <a:r>
-              <a:rPr lang="it-IT" dirty="0" smtClean="0"/>
-              <a:t>. The </a:t>
-            </a:r>
-            <a:r>
-              <a:rPr lang="it-IT" dirty="0" err="1" smtClean="0"/>
-              <a:t>object</a:t>
-            </a:r>
-            <a:r>
-              <a:rPr lang="it-IT" dirty="0" smtClean="0"/>
-              <a:t> </a:t>
-            </a:r>
-            <a:r>
-              <a:rPr lang="it-IT" dirty="0" err="1" smtClean="0"/>
-              <a:t>will</a:t>
-            </a:r>
-            <a:r>
-              <a:rPr lang="it-IT" dirty="0" smtClean="0"/>
-              <a:t> be </a:t>
-            </a:r>
-            <a:r>
-              <a:rPr lang="it-IT" dirty="0" err="1" smtClean="0"/>
-              <a:t>attribute</a:t>
-            </a:r>
-            <a:r>
-              <a:rPr lang="it-IT" dirty="0" smtClean="0"/>
-              <a:t> of the </a:t>
-            </a:r>
-            <a:r>
-              <a:rPr lang="it-IT" dirty="0" err="1" smtClean="0"/>
-              <a:t>object</a:t>
-            </a:r>
-            <a:r>
-              <a:rPr lang="it-IT" dirty="0" smtClean="0"/>
-              <a:t> </a:t>
-            </a:r>
-            <a:r>
-              <a:rPr lang="it-IT" dirty="0" err="1" smtClean="0"/>
-              <a:t>student</a:t>
-            </a:r>
-            <a:r>
-              <a:rPr lang="it-IT" dirty="0" smtClean="0"/>
-              <a:t> </a:t>
-            </a:r>
-            <a:r>
-              <a:rPr lang="it-IT" dirty="0" err="1" smtClean="0"/>
-              <a:t>who</a:t>
-            </a:r>
-            <a:r>
-              <a:rPr lang="it-IT" dirty="0" smtClean="0"/>
-              <a:t> </a:t>
-            </a:r>
-            <a:r>
-              <a:rPr lang="it-IT" dirty="0" err="1" smtClean="0"/>
-              <a:t>succeed</a:t>
-            </a:r>
-            <a:r>
-              <a:rPr lang="it-IT" dirty="0" smtClean="0"/>
-              <a:t> </a:t>
-            </a:r>
-            <a:r>
-              <a:rPr lang="it-IT" dirty="0" err="1" smtClean="0"/>
-              <a:t>it</a:t>
-            </a:r>
-            <a:endParaRPr lang="it-IT" dirty="0" smtClean="0"/>
+            <a:pPr lvl="1"/>
+            <a:r>
+              <a:rPr lang="it-IT" dirty="0" smtClean="0"/>
+              <a:t>Date</a:t>
+            </a:r>
+          </a:p>
+          <a:p>
+            <a:pPr lvl="1"/>
+            <a:r>
+              <a:rPr lang="it-IT" dirty="0" smtClean="0"/>
+              <a:t>…</a:t>
+            </a:r>
+          </a:p>
+          <a:p>
+            <a:endParaRPr lang="it-IT" dirty="0"/>
           </a:p>
         </p:txBody>
       </p:sp>
@@ -11165,7 +11226,7 @@
     </p:spTree>
     <p:extLst>
       <p:ext uri="{BB962C8B-B14F-4D97-AF65-F5344CB8AC3E}">
-        <p14:creationId xmlns:p14="http://schemas.microsoft.com/office/powerpoint/2010/main" val="3532333672"/>
+        <p14:creationId xmlns:p14="http://schemas.microsoft.com/office/powerpoint/2010/main" val="1159359011"/>
       </p:ext>
     </p:extLst>
   </p:cSld>
@@ -11175,7 +11236,7 @@
   <p:timing>
     <p:tnLst>
       <p:par>
-        <p:cTn id="1" dur="indefinite" restart="never" nodeType="tmRoot"/>
+        <p:cTn xmlns:p14="http://schemas.microsoft.com/office/powerpoint/2010/main" id="1" dur="indefinite" restart="never" nodeType="tmRoot"/>
       </p:par>
     </p:tnLst>
   </p:timing>
@@ -11215,9 +11276,675 @@
           <a:lstStyle/>
           <a:p>
             <a:r>
-              <a:rPr lang="it-IT" dirty="0" smtClean="0"/>
-              <a:t>Runtime</a:t>
-            </a:r>
+              <a:rPr lang="it-IT" dirty="0" err="1" smtClean="0"/>
+              <a:t>Define</a:t>
+            </a:r>
+            <a:r>
+              <a:rPr lang="it-IT" dirty="0" smtClean="0"/>
+              <a:t> </a:t>
+            </a:r>
+            <a:r>
+              <a:rPr lang="it-IT" dirty="0" err="1" smtClean="0"/>
+              <a:t>attribute</a:t>
+            </a:r>
+            <a:r>
+              <a:rPr lang="it-IT" dirty="0" smtClean="0"/>
+              <a:t> and </a:t>
+            </a:r>
+            <a:r>
+              <a:rPr lang="it-IT" dirty="0" err="1" smtClean="0"/>
+              <a:t>methods</a:t>
+            </a:r>
+            <a:endParaRPr lang="it-IT" dirty="0"/>
+          </a:p>
+        </p:txBody>
+      </p:sp>
+      <p:sp>
+        <p:nvSpPr>
+          <p:cNvPr id="4" name="Segnaposto contenuto 3"/>
+          <p:cNvSpPr>
+            <a:spLocks noGrp="1"/>
+          </p:cNvSpPr>
+          <p:nvPr>
+            <p:ph idx="1"/>
+          </p:nvPr>
+        </p:nvSpPr>
+        <p:spPr/>
+        <p:txBody>
+          <a:bodyPr>
+            <a:normAutofit fontScale="62500" lnSpcReduction="20000"/>
+          </a:bodyPr>
+          <a:lstStyle/>
+          <a:p>
+            <a:r>
+              <a:rPr lang="it-IT" b="1" dirty="0" smtClean="0"/>
+              <a:t>Class </a:t>
+            </a:r>
+            <a:r>
+              <a:rPr lang="it-IT" b="1" dirty="0" smtClean="0"/>
+              <a:t>Course</a:t>
+            </a:r>
+            <a:endParaRPr lang="it-IT" b="1" dirty="0" smtClean="0"/>
+          </a:p>
+          <a:p>
+            <a:pPr lvl="1"/>
+            <a:r>
+              <a:rPr lang="it-IT" dirty="0" err="1" smtClean="0"/>
+              <a:t>attributes</a:t>
+            </a:r>
+            <a:r>
+              <a:rPr lang="it-IT" dirty="0" smtClean="0"/>
+              <a:t>: </a:t>
+            </a:r>
+            <a:r>
+              <a:rPr lang="it-IT" dirty="0" err="1" smtClean="0"/>
+              <a:t>name</a:t>
+            </a:r>
+            <a:r>
+              <a:rPr lang="it-IT" dirty="0" smtClean="0"/>
+              <a:t>, </a:t>
+            </a:r>
+            <a:r>
+              <a:rPr lang="it-IT" dirty="0" err="1" smtClean="0"/>
+              <a:t>exams</a:t>
+            </a:r>
+            <a:r>
+              <a:rPr lang="it-IT" dirty="0" smtClean="0"/>
+              <a:t>, </a:t>
+            </a:r>
+            <a:r>
+              <a:rPr lang="it-IT" dirty="0" err="1" smtClean="0"/>
+              <a:t>enrolled</a:t>
+            </a:r>
+            <a:r>
+              <a:rPr lang="it-IT" dirty="0" smtClean="0"/>
+              <a:t> </a:t>
+            </a:r>
+            <a:r>
+              <a:rPr lang="it-IT" dirty="0" err="1" smtClean="0"/>
+              <a:t>students</a:t>
+            </a:r>
+            <a:r>
+              <a:rPr lang="it-IT" dirty="0" smtClean="0"/>
+              <a:t>, global </a:t>
+            </a:r>
+            <a:r>
+              <a:rPr lang="it-IT" dirty="0" err="1" smtClean="0"/>
+              <a:t>counter</a:t>
+            </a:r>
+            <a:r>
+              <a:rPr lang="it-IT" dirty="0" smtClean="0"/>
+              <a:t> for </a:t>
+            </a:r>
+            <a:r>
+              <a:rPr lang="it-IT" dirty="0" err="1" smtClean="0"/>
+              <a:t>passed</a:t>
+            </a:r>
+            <a:r>
+              <a:rPr lang="it-IT" dirty="0" smtClean="0"/>
+              <a:t> </a:t>
+            </a:r>
+            <a:r>
+              <a:rPr lang="it-IT" dirty="0" err="1" smtClean="0"/>
+              <a:t>examinations</a:t>
+            </a:r>
+            <a:endParaRPr lang="it-IT" dirty="0" smtClean="0"/>
+          </a:p>
+          <a:p>
+            <a:pPr lvl="1"/>
+            <a:r>
+              <a:rPr lang="it-IT" dirty="0" err="1" smtClean="0"/>
+              <a:t>methods</a:t>
+            </a:r>
+            <a:r>
+              <a:rPr lang="it-IT" dirty="0" smtClean="0"/>
+              <a:t>: </a:t>
+            </a:r>
+            <a:r>
+              <a:rPr lang="it-IT" dirty="0" err="1" smtClean="0"/>
+              <a:t>add</a:t>
+            </a:r>
+            <a:r>
+              <a:rPr lang="it-IT" dirty="0" smtClean="0"/>
+              <a:t> </a:t>
+            </a:r>
+            <a:r>
+              <a:rPr lang="it-IT" dirty="0" err="1" smtClean="0"/>
+              <a:t>student</a:t>
+            </a:r>
+            <a:r>
+              <a:rPr lang="it-IT" dirty="0" smtClean="0"/>
+              <a:t>, </a:t>
+            </a:r>
+            <a:r>
+              <a:rPr lang="it-IT" dirty="0" err="1" smtClean="0"/>
+              <a:t>get</a:t>
+            </a:r>
+            <a:r>
+              <a:rPr lang="it-IT" dirty="0" smtClean="0"/>
+              <a:t> </a:t>
+            </a:r>
+            <a:r>
+              <a:rPr lang="it-IT" dirty="0" err="1" smtClean="0"/>
+              <a:t>student</a:t>
+            </a:r>
+            <a:r>
+              <a:rPr lang="it-IT" dirty="0" smtClean="0"/>
+              <a:t>, </a:t>
+            </a:r>
+            <a:r>
+              <a:rPr lang="it-IT" dirty="0" err="1" smtClean="0"/>
+              <a:t>know</a:t>
+            </a:r>
+            <a:r>
+              <a:rPr lang="it-IT" dirty="0" smtClean="0"/>
+              <a:t> </a:t>
+            </a:r>
+            <a:r>
+              <a:rPr lang="it-IT" dirty="0" err="1" smtClean="0"/>
+              <a:t>how</a:t>
+            </a:r>
+            <a:r>
+              <a:rPr lang="it-IT" dirty="0" smtClean="0"/>
+              <a:t> </a:t>
+            </a:r>
+            <a:r>
+              <a:rPr lang="it-IT" dirty="0" err="1" smtClean="0"/>
+              <a:t>many</a:t>
+            </a:r>
+            <a:r>
+              <a:rPr lang="it-IT" dirty="0" smtClean="0"/>
+              <a:t> </a:t>
+            </a:r>
+            <a:r>
+              <a:rPr lang="it-IT" dirty="0" err="1" smtClean="0"/>
+              <a:t>exams</a:t>
+            </a:r>
+            <a:r>
+              <a:rPr lang="it-IT" dirty="0" smtClean="0"/>
+              <a:t> a </a:t>
+            </a:r>
+            <a:r>
+              <a:rPr lang="it-IT" dirty="0" err="1" smtClean="0"/>
+              <a:t>student</a:t>
+            </a:r>
+            <a:r>
+              <a:rPr lang="it-IT" dirty="0" smtClean="0"/>
+              <a:t> </a:t>
+            </a:r>
+            <a:r>
+              <a:rPr lang="it-IT" dirty="0" err="1" smtClean="0"/>
+              <a:t>succeed</a:t>
+            </a:r>
+            <a:endParaRPr lang="it-IT" dirty="0" smtClean="0"/>
+          </a:p>
+          <a:p>
+            <a:r>
+              <a:rPr lang="it-IT" b="1" dirty="0" smtClean="0"/>
+              <a:t>Class </a:t>
+            </a:r>
+            <a:r>
+              <a:rPr lang="it-IT" b="1" dirty="0" err="1" smtClean="0"/>
+              <a:t>Student</a:t>
+            </a:r>
+            <a:endParaRPr lang="it-IT" b="1" dirty="0" smtClean="0"/>
+          </a:p>
+          <a:p>
+            <a:pPr lvl="1"/>
+            <a:r>
+              <a:rPr lang="it-IT" dirty="0" err="1" smtClean="0"/>
+              <a:t>attributes</a:t>
+            </a:r>
+            <a:r>
+              <a:rPr lang="it-IT" dirty="0" smtClean="0"/>
+              <a:t>: </a:t>
+            </a:r>
+            <a:r>
+              <a:rPr lang="it-IT" dirty="0" err="1" smtClean="0"/>
+              <a:t>name</a:t>
+            </a:r>
+            <a:r>
+              <a:rPr lang="it-IT" dirty="0" smtClean="0"/>
+              <a:t>, </a:t>
+            </a:r>
+            <a:r>
+              <a:rPr lang="it-IT" dirty="0" err="1" smtClean="0"/>
+              <a:t>surname</a:t>
+            </a:r>
+            <a:r>
+              <a:rPr lang="it-IT" dirty="0" smtClean="0"/>
+              <a:t>, </a:t>
+            </a:r>
+            <a:r>
+              <a:rPr lang="it-IT" dirty="0" err="1" smtClean="0"/>
+              <a:t>registration</a:t>
+            </a:r>
+            <a:r>
+              <a:rPr lang="it-IT" dirty="0" smtClean="0"/>
+              <a:t> </a:t>
+            </a:r>
+            <a:r>
+              <a:rPr lang="it-IT" dirty="0" err="1" smtClean="0"/>
+              <a:t>number</a:t>
+            </a:r>
+            <a:r>
+              <a:rPr lang="it-IT" dirty="0" smtClean="0"/>
+              <a:t>, </a:t>
+            </a:r>
+            <a:r>
+              <a:rPr lang="it-IT" dirty="0" err="1" smtClean="0"/>
+              <a:t>enroll</a:t>
+            </a:r>
+            <a:r>
+              <a:rPr lang="it-IT" dirty="0" smtClean="0"/>
+              <a:t> date, </a:t>
+            </a:r>
+            <a:r>
+              <a:rPr lang="it-IT" dirty="0" err="1" smtClean="0"/>
+              <a:t>enroll</a:t>
+            </a:r>
+            <a:r>
+              <a:rPr lang="it-IT" dirty="0" smtClean="0"/>
+              <a:t> </a:t>
+            </a:r>
+            <a:r>
+              <a:rPr lang="it-IT" dirty="0" err="1" smtClean="0"/>
+              <a:t>year</a:t>
+            </a:r>
+            <a:r>
+              <a:rPr lang="it-IT" dirty="0" smtClean="0"/>
+              <a:t>, list of </a:t>
+            </a:r>
+            <a:r>
+              <a:rPr lang="it-IT" dirty="0" err="1" smtClean="0"/>
+              <a:t>attended</a:t>
+            </a:r>
+            <a:r>
+              <a:rPr lang="it-IT" dirty="0" smtClean="0"/>
+              <a:t> </a:t>
+            </a:r>
+            <a:r>
+              <a:rPr lang="it-IT" dirty="0" err="1" smtClean="0"/>
+              <a:t>courses</a:t>
+            </a:r>
+            <a:r>
+              <a:rPr lang="it-IT" dirty="0" smtClean="0"/>
+              <a:t>, </a:t>
+            </a:r>
+            <a:r>
+              <a:rPr lang="it-IT" dirty="0" err="1" smtClean="0"/>
+              <a:t>number</a:t>
+            </a:r>
+            <a:r>
+              <a:rPr lang="it-IT" dirty="0" smtClean="0"/>
+              <a:t> of </a:t>
+            </a:r>
+            <a:r>
+              <a:rPr lang="it-IT" dirty="0" err="1" smtClean="0"/>
+              <a:t>passed</a:t>
+            </a:r>
+            <a:r>
+              <a:rPr lang="it-IT" dirty="0" smtClean="0"/>
+              <a:t> </a:t>
+            </a:r>
+            <a:r>
+              <a:rPr lang="it-IT" dirty="0" err="1" smtClean="0"/>
+              <a:t>exams</a:t>
+            </a:r>
+            <a:endParaRPr lang="it-IT" dirty="0" smtClean="0"/>
+          </a:p>
+          <a:p>
+            <a:pPr lvl="1"/>
+            <a:r>
+              <a:rPr lang="it-IT" dirty="0" err="1" smtClean="0"/>
+              <a:t>methods</a:t>
+            </a:r>
+            <a:r>
+              <a:rPr lang="it-IT" dirty="0" smtClean="0"/>
+              <a:t>: update </a:t>
+            </a:r>
+            <a:r>
+              <a:rPr lang="it-IT" dirty="0" err="1" smtClean="0"/>
+              <a:t>passed</a:t>
+            </a:r>
+            <a:r>
+              <a:rPr lang="it-IT" dirty="0" smtClean="0"/>
+              <a:t> </a:t>
+            </a:r>
+            <a:r>
+              <a:rPr lang="it-IT" dirty="0" err="1" smtClean="0"/>
+              <a:t>exams</a:t>
+            </a:r>
+            <a:r>
+              <a:rPr lang="it-IT" dirty="0" smtClean="0"/>
+              <a:t> and </a:t>
+            </a:r>
+            <a:r>
+              <a:rPr lang="it-IT" dirty="0" err="1" smtClean="0"/>
+              <a:t>number</a:t>
+            </a:r>
+            <a:r>
+              <a:rPr lang="it-IT" dirty="0" smtClean="0"/>
+              <a:t> of </a:t>
+            </a:r>
+            <a:r>
+              <a:rPr lang="it-IT" dirty="0" err="1" smtClean="0"/>
+              <a:t>exams</a:t>
+            </a:r>
+            <a:r>
+              <a:rPr lang="it-IT" dirty="0" smtClean="0"/>
+              <a:t>, set </a:t>
+            </a:r>
+            <a:r>
+              <a:rPr lang="it-IT" dirty="0" err="1" smtClean="0"/>
+              <a:t>enroll</a:t>
+            </a:r>
+            <a:r>
+              <a:rPr lang="it-IT" dirty="0" smtClean="0"/>
+              <a:t> </a:t>
+            </a:r>
+            <a:r>
+              <a:rPr lang="it-IT" dirty="0" err="1" smtClean="0"/>
+              <a:t>year</a:t>
+            </a:r>
+            <a:r>
+              <a:rPr lang="it-IT" dirty="0" smtClean="0"/>
+              <a:t>,  </a:t>
+            </a:r>
+            <a:r>
+              <a:rPr lang="it-IT" dirty="0" err="1" smtClean="0"/>
+              <a:t>know</a:t>
+            </a:r>
+            <a:r>
+              <a:rPr lang="it-IT" dirty="0" smtClean="0"/>
+              <a:t> </a:t>
+            </a:r>
+            <a:r>
+              <a:rPr lang="it-IT" dirty="0" err="1" smtClean="0"/>
+              <a:t>if</a:t>
+            </a:r>
+            <a:r>
+              <a:rPr lang="it-IT" dirty="0" smtClean="0"/>
+              <a:t> </a:t>
+            </a:r>
+            <a:r>
+              <a:rPr lang="it-IT" dirty="0" err="1" smtClean="0"/>
+              <a:t>student</a:t>
+            </a:r>
+            <a:r>
+              <a:rPr lang="it-IT" dirty="0" smtClean="0"/>
+              <a:t> </a:t>
+            </a:r>
+            <a:r>
+              <a:rPr lang="it-IT" dirty="0" err="1" smtClean="0"/>
+              <a:t>passed</a:t>
+            </a:r>
+            <a:r>
+              <a:rPr lang="it-IT" dirty="0" smtClean="0"/>
+              <a:t> a </a:t>
+            </a:r>
+            <a:r>
+              <a:rPr lang="it-IT" dirty="0" err="1" smtClean="0"/>
+              <a:t>specific</a:t>
+            </a:r>
+            <a:r>
+              <a:rPr lang="it-IT" dirty="0" smtClean="0"/>
+              <a:t> </a:t>
+            </a:r>
+            <a:r>
+              <a:rPr lang="it-IT" dirty="0" err="1" smtClean="0"/>
+              <a:t>exam</a:t>
+            </a:r>
+            <a:endParaRPr lang="it-IT" dirty="0" smtClean="0"/>
+          </a:p>
+          <a:p>
+            <a:pPr lvl="1"/>
+            <a:r>
+              <a:rPr lang="it-IT" dirty="0" smtClean="0"/>
+              <a:t>NOT ALLOWED: </a:t>
+            </a:r>
+            <a:r>
+              <a:rPr lang="it-IT" dirty="0" err="1" smtClean="0"/>
+              <a:t>Change</a:t>
+            </a:r>
+            <a:r>
+              <a:rPr lang="it-IT" dirty="0" smtClean="0"/>
+              <a:t> </a:t>
+            </a:r>
+            <a:r>
+              <a:rPr lang="it-IT" dirty="0" err="1" smtClean="0"/>
+              <a:t>enroll</a:t>
+            </a:r>
+            <a:r>
+              <a:rPr lang="it-IT" dirty="0" smtClean="0"/>
+              <a:t> date or </a:t>
+            </a:r>
+            <a:r>
+              <a:rPr lang="it-IT" dirty="0" err="1" smtClean="0"/>
+              <a:t>number</a:t>
+            </a:r>
+            <a:r>
+              <a:rPr lang="it-IT" dirty="0" smtClean="0"/>
+              <a:t> of </a:t>
+            </a:r>
+            <a:r>
+              <a:rPr lang="it-IT" dirty="0" err="1" smtClean="0"/>
+              <a:t>passed</a:t>
+            </a:r>
+            <a:r>
+              <a:rPr lang="it-IT" dirty="0" smtClean="0"/>
+              <a:t> </a:t>
+            </a:r>
+            <a:r>
+              <a:rPr lang="it-IT" dirty="0" err="1" smtClean="0"/>
+              <a:t>exams</a:t>
+            </a:r>
+            <a:r>
+              <a:rPr lang="it-IT" dirty="0" smtClean="0"/>
+              <a:t>, </a:t>
+            </a:r>
+            <a:r>
+              <a:rPr lang="it-IT" dirty="0" err="1" smtClean="0"/>
+              <a:t>change</a:t>
+            </a:r>
+            <a:r>
+              <a:rPr lang="it-IT" dirty="0" smtClean="0"/>
+              <a:t> </a:t>
+            </a:r>
+            <a:r>
+              <a:rPr lang="it-IT" dirty="0" err="1" smtClean="0"/>
+              <a:t>name</a:t>
+            </a:r>
+            <a:r>
+              <a:rPr lang="it-IT" dirty="0" smtClean="0"/>
+              <a:t>/</a:t>
+            </a:r>
+            <a:r>
+              <a:rPr lang="it-IT" dirty="0" err="1" smtClean="0"/>
+              <a:t>surname</a:t>
+            </a:r>
+            <a:endParaRPr lang="it-IT" dirty="0" smtClean="0"/>
+          </a:p>
+          <a:p>
+            <a:r>
+              <a:rPr lang="it-IT" b="1" dirty="0" smtClean="0"/>
+              <a:t>Class </a:t>
+            </a:r>
+            <a:r>
+              <a:rPr lang="it-IT" b="1" dirty="0" err="1" smtClean="0"/>
+              <a:t>Exam</a:t>
+            </a:r>
+            <a:endParaRPr lang="it-IT" b="1" dirty="0" smtClean="0"/>
+          </a:p>
+          <a:p>
+            <a:pPr lvl="1"/>
+            <a:r>
+              <a:rPr lang="it-IT" dirty="0" err="1" smtClean="0"/>
+              <a:t>attributes</a:t>
+            </a:r>
+            <a:r>
+              <a:rPr lang="it-IT" dirty="0" smtClean="0"/>
+              <a:t>: </a:t>
+            </a:r>
+            <a:r>
+              <a:rPr lang="it-IT" dirty="0" err="1" smtClean="0"/>
+              <a:t>course</a:t>
+            </a:r>
+            <a:r>
+              <a:rPr lang="it-IT" dirty="0" smtClean="0"/>
+              <a:t> </a:t>
+            </a:r>
+            <a:r>
+              <a:rPr lang="it-IT" dirty="0" err="1" smtClean="0"/>
+              <a:t>name</a:t>
+            </a:r>
+            <a:r>
+              <a:rPr lang="it-IT" dirty="0" smtClean="0"/>
+              <a:t>, </a:t>
+            </a:r>
+            <a:r>
+              <a:rPr lang="it-IT" dirty="0" err="1" smtClean="0"/>
+              <a:t>passed</a:t>
+            </a:r>
+            <a:r>
+              <a:rPr lang="it-IT" dirty="0" smtClean="0"/>
+              <a:t>/</a:t>
+            </a:r>
+            <a:r>
+              <a:rPr lang="it-IT" dirty="0" err="1" smtClean="0"/>
+              <a:t>failed</a:t>
+            </a:r>
+            <a:r>
+              <a:rPr lang="it-IT" dirty="0" smtClean="0"/>
+              <a:t>, </a:t>
+            </a:r>
+            <a:r>
+              <a:rPr lang="it-IT" dirty="0" err="1" smtClean="0"/>
+              <a:t>attended</a:t>
+            </a:r>
+            <a:r>
+              <a:rPr lang="it-IT" dirty="0" smtClean="0"/>
+              <a:t> date, grade</a:t>
+            </a:r>
+          </a:p>
+          <a:p>
+            <a:pPr lvl="1"/>
+            <a:r>
+              <a:rPr lang="it-IT" dirty="0" err="1" smtClean="0"/>
+              <a:t>methods</a:t>
+            </a:r>
+            <a:r>
+              <a:rPr lang="it-IT" dirty="0" smtClean="0"/>
+              <a:t>: set grade, </a:t>
+            </a:r>
+            <a:r>
+              <a:rPr lang="it-IT" dirty="0" err="1" smtClean="0"/>
+              <a:t>read</a:t>
+            </a:r>
+            <a:r>
+              <a:rPr lang="it-IT" dirty="0" smtClean="0"/>
+              <a:t> </a:t>
+            </a:r>
+            <a:r>
+              <a:rPr lang="it-IT" dirty="0" err="1" smtClean="0"/>
+              <a:t>course</a:t>
+            </a:r>
+            <a:r>
+              <a:rPr lang="it-IT" dirty="0" smtClean="0"/>
+              <a:t> </a:t>
+            </a:r>
+            <a:r>
+              <a:rPr lang="it-IT" dirty="0" err="1" smtClean="0"/>
+              <a:t>name</a:t>
+            </a:r>
+            <a:r>
+              <a:rPr lang="it-IT" dirty="0" smtClean="0"/>
+              <a:t> and </a:t>
+            </a:r>
+            <a:r>
+              <a:rPr lang="it-IT" dirty="0" err="1" smtClean="0"/>
+              <a:t>obtained</a:t>
+            </a:r>
+            <a:r>
+              <a:rPr lang="it-IT" dirty="0" smtClean="0"/>
+              <a:t> grade</a:t>
+            </a:r>
+          </a:p>
+          <a:p>
+            <a:pPr lvl="1"/>
+            <a:r>
+              <a:rPr lang="it-IT" dirty="0" smtClean="0"/>
+              <a:t>NOT ALLOWED: </a:t>
+            </a:r>
+            <a:r>
+              <a:rPr lang="it-IT" dirty="0" err="1" smtClean="0"/>
+              <a:t>change</a:t>
+            </a:r>
+            <a:r>
+              <a:rPr lang="it-IT" dirty="0" smtClean="0"/>
+              <a:t> grade, </a:t>
+            </a:r>
+            <a:r>
+              <a:rPr lang="it-IT" dirty="0" err="1" smtClean="0"/>
+              <a:t>change</a:t>
+            </a:r>
+            <a:r>
+              <a:rPr lang="it-IT" dirty="0" smtClean="0"/>
+              <a:t> </a:t>
+            </a:r>
+            <a:r>
+              <a:rPr lang="it-IT" dirty="0" err="1" smtClean="0"/>
+              <a:t>passed</a:t>
+            </a:r>
+            <a:r>
+              <a:rPr lang="it-IT" dirty="0" smtClean="0"/>
+              <a:t> or </a:t>
+            </a:r>
+            <a:r>
+              <a:rPr lang="it-IT" dirty="0" err="1" smtClean="0"/>
+              <a:t>fail</a:t>
+            </a:r>
+            <a:r>
+              <a:rPr lang="it-IT" dirty="0" smtClean="0"/>
+              <a:t> state.</a:t>
+            </a:r>
+          </a:p>
+          <a:p>
+            <a:r>
+              <a:rPr lang="it-IT" b="1" dirty="0" smtClean="0"/>
+              <a:t>Class </a:t>
+            </a:r>
+            <a:r>
+              <a:rPr lang="it-IT" b="1" dirty="0" err="1" smtClean="0"/>
+              <a:t>counter</a:t>
+            </a:r>
+            <a:r>
+              <a:rPr lang="it-IT" b="1" dirty="0" smtClean="0"/>
+              <a:t>: </a:t>
+            </a:r>
+            <a:r>
+              <a:rPr lang="it-IT" dirty="0" err="1" smtClean="0"/>
+              <a:t>as</a:t>
+            </a:r>
+            <a:r>
+              <a:rPr lang="it-IT" dirty="0" smtClean="0"/>
+              <a:t> </a:t>
+            </a:r>
+            <a:r>
+              <a:rPr lang="it-IT" dirty="0" err="1" smtClean="0"/>
+              <a:t>mentioned</a:t>
+            </a:r>
+            <a:r>
+              <a:rPr lang="it-IT" dirty="0" smtClean="0"/>
+              <a:t> </a:t>
+            </a:r>
+            <a:r>
+              <a:rPr lang="it-IT" dirty="0" err="1" smtClean="0"/>
+              <a:t>above</a:t>
+            </a:r>
+            <a:endParaRPr lang="it-IT" dirty="0" smtClean="0"/>
+          </a:p>
+          <a:p>
             <a:endParaRPr lang="it-IT" dirty="0"/>
           </a:p>
         </p:txBody>
@@ -11241,6 +11968,513 @@
               <a:rPr lang="it-IT" smtClean="0"/>
               <a:pPr/>
               <a:t>37</a:t>
+            </a:fld>
+            <a:endParaRPr lang="it-IT"/>
+          </a:p>
+        </p:txBody>
+      </p:sp>
+    </p:spTree>
+    <p:extLst>
+      <p:ext uri="{BB962C8B-B14F-4D97-AF65-F5344CB8AC3E}">
+        <p14:creationId xmlns:p14="http://schemas.microsoft.com/office/powerpoint/2010/main" val="1145542009"/>
+      </p:ext>
+    </p:extLst>
+  </p:cSld>
+  <p:clrMapOvr>
+    <a:masterClrMapping/>
+  </p:clrMapOvr>
+  <p:timing>
+    <p:tnLst>
+      <p:par>
+        <p:cTn xmlns:p14="http://schemas.microsoft.com/office/powerpoint/2010/main" id="1" dur="indefinite" restart="never" nodeType="tmRoot"/>
+      </p:par>
+    </p:tnLst>
+  </p:timing>
+</p:sld>
+</file>
+
+<file path=ppt/slides/slide38.xml><?xml version="1.0" encoding="utf-8"?>
+<p:sld xmlns:a="http://schemas.openxmlformats.org/drawingml/2006/main" xmlns:r="http://schemas.openxmlformats.org/officeDocument/2006/relationships" xmlns:p="http://schemas.openxmlformats.org/presentationml/2006/main">
+  <p:cSld>
+    <p:spTree>
+      <p:nvGrpSpPr>
+        <p:cNvPr id="1" name=""/>
+        <p:cNvGrpSpPr/>
+        <p:nvPr/>
+      </p:nvGrpSpPr>
+      <p:grpSpPr>
+        <a:xfrm>
+          <a:off x="0" y="0"/>
+          <a:ext cx="0" cy="0"/>
+          <a:chOff x="0" y="0"/>
+          <a:chExt cx="0" cy="0"/>
+        </a:xfrm>
+      </p:grpSpPr>
+      <p:sp>
+        <p:nvSpPr>
+          <p:cNvPr id="2" name="Titolo 1"/>
+          <p:cNvSpPr>
+            <a:spLocks noGrp="1"/>
+          </p:cNvSpPr>
+          <p:nvPr>
+            <p:ph type="title"/>
+          </p:nvPr>
+        </p:nvSpPr>
+        <p:spPr/>
+        <p:txBody>
+          <a:bodyPr/>
+          <a:lstStyle/>
+          <a:p>
+            <a:r>
+              <a:rPr lang="it-IT" dirty="0" smtClean="0"/>
+              <a:t>Create </a:t>
+            </a:r>
+            <a:r>
+              <a:rPr lang="it-IT" dirty="0" err="1" smtClean="0"/>
+              <a:t>objects</a:t>
+            </a:r>
+            <a:endParaRPr lang="it-IT" dirty="0"/>
+          </a:p>
+        </p:txBody>
+      </p:sp>
+      <p:sp>
+        <p:nvSpPr>
+          <p:cNvPr id="4" name="Segnaposto contenuto 3"/>
+          <p:cNvSpPr>
+            <a:spLocks noGrp="1"/>
+          </p:cNvSpPr>
+          <p:nvPr>
+            <p:ph idx="1"/>
+          </p:nvPr>
+        </p:nvSpPr>
+        <p:spPr/>
+        <p:txBody>
+          <a:bodyPr>
+            <a:normAutofit/>
+          </a:bodyPr>
+          <a:lstStyle/>
+          <a:p>
+            <a:r>
+              <a:rPr lang="it-IT" dirty="0" smtClean="0"/>
+              <a:t>At the </a:t>
+            </a:r>
+            <a:r>
+              <a:rPr lang="it-IT" dirty="0" err="1" smtClean="0"/>
+              <a:t>execution</a:t>
+            </a:r>
+            <a:r>
+              <a:rPr lang="it-IT" dirty="0" smtClean="0"/>
+              <a:t> time </a:t>
+            </a:r>
+            <a:r>
+              <a:rPr lang="it-IT" dirty="0" err="1" smtClean="0"/>
+              <a:t>objects</a:t>
+            </a:r>
+            <a:r>
+              <a:rPr lang="it-IT" dirty="0" smtClean="0"/>
+              <a:t> </a:t>
+            </a:r>
+            <a:r>
+              <a:rPr lang="it-IT" dirty="0" err="1" smtClean="0"/>
+              <a:t>representing</a:t>
+            </a:r>
+            <a:r>
+              <a:rPr lang="it-IT" dirty="0" smtClean="0"/>
+              <a:t> </a:t>
+            </a:r>
+            <a:r>
+              <a:rPr lang="it-IT" dirty="0" err="1" smtClean="0"/>
+              <a:t>entities</a:t>
+            </a:r>
+            <a:r>
+              <a:rPr lang="it-IT" dirty="0" smtClean="0"/>
+              <a:t> of the </a:t>
+            </a:r>
+            <a:r>
+              <a:rPr lang="it-IT" dirty="0" err="1" smtClean="0"/>
+              <a:t>real</a:t>
+            </a:r>
+            <a:r>
+              <a:rPr lang="it-IT" dirty="0" smtClean="0"/>
+              <a:t> world </a:t>
+            </a:r>
+            <a:r>
+              <a:rPr lang="it-IT" dirty="0" err="1" smtClean="0"/>
+              <a:t>will</a:t>
+            </a:r>
+            <a:r>
+              <a:rPr lang="it-IT" dirty="0" smtClean="0"/>
+              <a:t> be </a:t>
+            </a:r>
+            <a:r>
+              <a:rPr lang="it-IT" dirty="0" err="1" smtClean="0"/>
+              <a:t>created</a:t>
+            </a:r>
+            <a:r>
+              <a:rPr lang="it-IT" dirty="0" smtClean="0"/>
+              <a:t>:</a:t>
+            </a:r>
+          </a:p>
+          <a:p>
+            <a:pPr lvl="1"/>
+            <a:r>
+              <a:rPr lang="it-IT" dirty="0" err="1" smtClean="0"/>
+              <a:t>One</a:t>
+            </a:r>
+            <a:r>
+              <a:rPr lang="it-IT" dirty="0" smtClean="0"/>
+              <a:t> </a:t>
+            </a:r>
+            <a:r>
+              <a:rPr lang="it-IT" dirty="0" err="1" smtClean="0"/>
+              <a:t>object</a:t>
+            </a:r>
+            <a:r>
+              <a:rPr lang="it-IT" dirty="0" smtClean="0"/>
+              <a:t> </a:t>
+            </a:r>
+            <a:r>
+              <a:rPr lang="it-IT" b="1" dirty="0" smtClean="0"/>
+              <a:t>Course </a:t>
+            </a:r>
+            <a:r>
+              <a:rPr lang="it-IT" dirty="0" smtClean="0"/>
+              <a:t>for </a:t>
+            </a:r>
+            <a:r>
+              <a:rPr lang="it-IT" dirty="0" err="1" smtClean="0"/>
+              <a:t>each</a:t>
+            </a:r>
+            <a:r>
+              <a:rPr lang="it-IT" dirty="0" smtClean="0"/>
+              <a:t> </a:t>
+            </a:r>
+            <a:r>
+              <a:rPr lang="it-IT" dirty="0" err="1" smtClean="0"/>
+              <a:t>course</a:t>
+            </a:r>
+            <a:endParaRPr lang="it-IT" dirty="0" smtClean="0"/>
+          </a:p>
+          <a:p>
+            <a:pPr lvl="1"/>
+            <a:r>
+              <a:rPr lang="it-IT" dirty="0" err="1" smtClean="0"/>
+              <a:t>One</a:t>
+            </a:r>
+            <a:r>
+              <a:rPr lang="it-IT" dirty="0" smtClean="0"/>
+              <a:t> </a:t>
+            </a:r>
+            <a:r>
+              <a:rPr lang="it-IT" dirty="0" err="1" smtClean="0"/>
+              <a:t>object</a:t>
+            </a:r>
+            <a:r>
+              <a:rPr lang="it-IT" dirty="0" smtClean="0"/>
+              <a:t> </a:t>
+            </a:r>
+            <a:r>
+              <a:rPr lang="it-IT" b="1" dirty="0" err="1" smtClean="0"/>
+              <a:t>Student</a:t>
+            </a:r>
+            <a:r>
+              <a:rPr lang="it-IT" dirty="0" smtClean="0"/>
+              <a:t> for </a:t>
+            </a:r>
+            <a:r>
+              <a:rPr lang="it-IT" dirty="0" err="1" smtClean="0"/>
+              <a:t>each</a:t>
+            </a:r>
+            <a:r>
+              <a:rPr lang="it-IT" dirty="0" smtClean="0"/>
+              <a:t> </a:t>
+            </a:r>
+            <a:r>
+              <a:rPr lang="it-IT" dirty="0" err="1" smtClean="0"/>
+              <a:t>student</a:t>
+            </a:r>
+            <a:r>
+              <a:rPr lang="it-IT" dirty="0" smtClean="0"/>
+              <a:t>. The </a:t>
+            </a:r>
+            <a:r>
+              <a:rPr lang="it-IT" dirty="0" err="1" smtClean="0"/>
+              <a:t>same</a:t>
+            </a:r>
+            <a:r>
+              <a:rPr lang="it-IT" dirty="0" smtClean="0"/>
+              <a:t> </a:t>
+            </a:r>
+            <a:r>
+              <a:rPr lang="it-IT" dirty="0" err="1" smtClean="0"/>
+              <a:t>object</a:t>
+            </a:r>
+            <a:r>
+              <a:rPr lang="it-IT" dirty="0" smtClean="0"/>
+              <a:t> </a:t>
+            </a:r>
+            <a:r>
+              <a:rPr lang="it-IT" dirty="0" err="1" smtClean="0"/>
+              <a:t>will</a:t>
+            </a:r>
+            <a:r>
+              <a:rPr lang="it-IT" dirty="0" smtClean="0"/>
+              <a:t> be </a:t>
+            </a:r>
+            <a:r>
+              <a:rPr lang="it-IT" dirty="0" err="1" smtClean="0"/>
+              <a:t>attribute</a:t>
+            </a:r>
+            <a:r>
+              <a:rPr lang="it-IT" dirty="0" smtClean="0"/>
+              <a:t> of the </a:t>
+            </a:r>
+            <a:r>
+              <a:rPr lang="it-IT" dirty="0" err="1" smtClean="0"/>
+              <a:t>object</a:t>
+            </a:r>
+            <a:r>
+              <a:rPr lang="it-IT" dirty="0" smtClean="0"/>
+              <a:t> </a:t>
+            </a:r>
+            <a:r>
+              <a:rPr lang="it-IT" dirty="0" smtClean="0"/>
+              <a:t>Course </a:t>
+            </a:r>
+            <a:r>
+              <a:rPr lang="it-IT" dirty="0" err="1" smtClean="0"/>
+              <a:t>which</a:t>
+            </a:r>
+            <a:r>
+              <a:rPr lang="it-IT" dirty="0" smtClean="0"/>
+              <a:t> </a:t>
+            </a:r>
+            <a:r>
+              <a:rPr lang="it-IT" dirty="0" err="1" smtClean="0"/>
+              <a:t>belongs</a:t>
+            </a:r>
+            <a:endParaRPr lang="it-IT" dirty="0" smtClean="0"/>
+          </a:p>
+          <a:p>
+            <a:r>
+              <a:rPr lang="it-IT" dirty="0" err="1" smtClean="0"/>
+              <a:t>One</a:t>
+            </a:r>
+            <a:r>
+              <a:rPr lang="it-IT" dirty="0" smtClean="0"/>
+              <a:t> </a:t>
+            </a:r>
+            <a:r>
+              <a:rPr lang="it-IT" dirty="0" err="1" smtClean="0"/>
+              <a:t>object</a:t>
+            </a:r>
+            <a:r>
+              <a:rPr lang="it-IT" dirty="0" smtClean="0"/>
+              <a:t> </a:t>
+            </a:r>
+            <a:r>
+              <a:rPr lang="it-IT" b="1" dirty="0" err="1"/>
+              <a:t>E</a:t>
+            </a:r>
+            <a:r>
+              <a:rPr lang="it-IT" b="1" dirty="0" err="1" smtClean="0"/>
+              <a:t>xam</a:t>
+            </a:r>
+            <a:r>
+              <a:rPr lang="it-IT" dirty="0" smtClean="0"/>
+              <a:t> for </a:t>
+            </a:r>
+            <a:r>
+              <a:rPr lang="it-IT" dirty="0" err="1" smtClean="0"/>
+              <a:t>each</a:t>
+            </a:r>
+            <a:r>
+              <a:rPr lang="it-IT" dirty="0" smtClean="0"/>
+              <a:t> </a:t>
+            </a:r>
+            <a:r>
+              <a:rPr lang="it-IT" dirty="0" err="1" smtClean="0"/>
+              <a:t>passed</a:t>
+            </a:r>
+            <a:r>
+              <a:rPr lang="it-IT" dirty="0" smtClean="0"/>
+              <a:t> </a:t>
+            </a:r>
+            <a:r>
+              <a:rPr lang="it-IT" dirty="0" err="1" smtClean="0"/>
+              <a:t>exam</a:t>
+            </a:r>
+            <a:r>
+              <a:rPr lang="it-IT" dirty="0" smtClean="0"/>
+              <a:t>. The </a:t>
+            </a:r>
+            <a:r>
+              <a:rPr lang="it-IT" dirty="0" err="1" smtClean="0"/>
+              <a:t>object</a:t>
+            </a:r>
+            <a:r>
+              <a:rPr lang="it-IT" dirty="0" smtClean="0"/>
+              <a:t> </a:t>
+            </a:r>
+            <a:r>
+              <a:rPr lang="it-IT" dirty="0" err="1" smtClean="0"/>
+              <a:t>will</a:t>
+            </a:r>
+            <a:r>
+              <a:rPr lang="it-IT" dirty="0" smtClean="0"/>
+              <a:t> be </a:t>
+            </a:r>
+            <a:r>
+              <a:rPr lang="it-IT" dirty="0" err="1" smtClean="0"/>
+              <a:t>attribute</a:t>
+            </a:r>
+            <a:r>
+              <a:rPr lang="it-IT" dirty="0" smtClean="0"/>
+              <a:t> of the </a:t>
+            </a:r>
+            <a:r>
+              <a:rPr lang="it-IT" dirty="0" err="1" smtClean="0"/>
+              <a:t>object</a:t>
+            </a:r>
+            <a:r>
+              <a:rPr lang="it-IT" dirty="0" smtClean="0"/>
+              <a:t> </a:t>
+            </a:r>
+            <a:r>
+              <a:rPr lang="it-IT" dirty="0" err="1" smtClean="0"/>
+              <a:t>student</a:t>
+            </a:r>
+            <a:r>
+              <a:rPr lang="it-IT" dirty="0" smtClean="0"/>
+              <a:t> </a:t>
+            </a:r>
+            <a:r>
+              <a:rPr lang="it-IT" dirty="0" err="1" smtClean="0"/>
+              <a:t>who</a:t>
+            </a:r>
+            <a:r>
+              <a:rPr lang="it-IT" dirty="0" smtClean="0"/>
+              <a:t> </a:t>
+            </a:r>
+            <a:r>
+              <a:rPr lang="it-IT" dirty="0" err="1" smtClean="0"/>
+              <a:t>succeed</a:t>
+            </a:r>
+            <a:r>
+              <a:rPr lang="it-IT" dirty="0" smtClean="0"/>
+              <a:t> </a:t>
+            </a:r>
+            <a:r>
+              <a:rPr lang="it-IT" dirty="0" err="1" smtClean="0"/>
+              <a:t>it</a:t>
+            </a:r>
+            <a:endParaRPr lang="it-IT" dirty="0" smtClean="0"/>
+          </a:p>
+        </p:txBody>
+      </p:sp>
+      <p:sp>
+        <p:nvSpPr>
+          <p:cNvPr id="3" name="Segnaposto numero diapositiva 2"/>
+          <p:cNvSpPr>
+            <a:spLocks noGrp="1"/>
+          </p:cNvSpPr>
+          <p:nvPr>
+            <p:ph type="sldNum" sz="quarter" idx="12"/>
+          </p:nvPr>
+        </p:nvSpPr>
+        <p:spPr/>
+        <p:txBody>
+          <a:bodyPr/>
+          <a:lstStyle/>
+          <a:p>
+            <a:fld id="{D2040F39-7941-49A4-B48D-F201B18B6351}" type="slidenum">
+              <a:rPr lang="it-IT" smtClean="0"/>
+              <a:pPr/>
+              <a:t>38</a:t>
+            </a:fld>
+            <a:endParaRPr lang="it-IT"/>
+          </a:p>
+        </p:txBody>
+      </p:sp>
+    </p:spTree>
+    <p:extLst>
+      <p:ext uri="{BB962C8B-B14F-4D97-AF65-F5344CB8AC3E}">
+        <p14:creationId xmlns:p14="http://schemas.microsoft.com/office/powerpoint/2010/main" val="3532333672"/>
+      </p:ext>
+    </p:extLst>
+  </p:cSld>
+  <p:clrMapOvr>
+    <a:masterClrMapping/>
+  </p:clrMapOvr>
+  <p:timing>
+    <p:tnLst>
+      <p:par>
+        <p:cTn xmlns:p14="http://schemas.microsoft.com/office/powerpoint/2010/main" id="1" dur="indefinite" restart="never" nodeType="tmRoot"/>
+      </p:par>
+    </p:tnLst>
+  </p:timing>
+</p:sld>
+</file>
+
+<file path=ppt/slides/slide39.xml><?xml version="1.0" encoding="utf-8"?>
+<p:sld xmlns:a="http://schemas.openxmlformats.org/drawingml/2006/main" xmlns:r="http://schemas.openxmlformats.org/officeDocument/2006/relationships" xmlns:p="http://schemas.openxmlformats.org/presentationml/2006/main">
+  <p:cSld>
+    <p:spTree>
+      <p:nvGrpSpPr>
+        <p:cNvPr id="1" name=""/>
+        <p:cNvGrpSpPr/>
+        <p:nvPr/>
+      </p:nvGrpSpPr>
+      <p:grpSpPr>
+        <a:xfrm>
+          <a:off x="0" y="0"/>
+          <a:ext cx="0" cy="0"/>
+          <a:chOff x="0" y="0"/>
+          <a:chExt cx="0" cy="0"/>
+        </a:xfrm>
+      </p:grpSpPr>
+      <p:sp>
+        <p:nvSpPr>
+          <p:cNvPr id="2" name="Titolo 1"/>
+          <p:cNvSpPr>
+            <a:spLocks noGrp="1"/>
+          </p:cNvSpPr>
+          <p:nvPr>
+            <p:ph type="title"/>
+          </p:nvPr>
+        </p:nvSpPr>
+        <p:spPr/>
+        <p:txBody>
+          <a:bodyPr/>
+          <a:lstStyle/>
+          <a:p>
+            <a:r>
+              <a:rPr lang="it-IT" dirty="0" smtClean="0"/>
+              <a:t>Runtime</a:t>
+            </a:r>
+            <a:endParaRPr lang="it-IT" dirty="0"/>
+          </a:p>
+        </p:txBody>
+      </p:sp>
+      <p:sp>
+        <p:nvSpPr>
+          <p:cNvPr id="3" name="Segnaposto numero diapositiva 2"/>
+          <p:cNvSpPr>
+            <a:spLocks noGrp="1"/>
+          </p:cNvSpPr>
+          <p:nvPr>
+            <p:ph type="sldNum" sz="quarter" idx="12"/>
+          </p:nvPr>
+        </p:nvSpPr>
+        <p:spPr/>
+        <p:txBody>
+          <a:bodyPr/>
+          <a:lstStyle/>
+          <a:p>
+            <a:fld id="{D2040F39-7941-49A4-B48D-F201B18B6351}" type="slidenum">
+              <a:rPr lang="it-IT" smtClean="0"/>
+              <a:pPr/>
+              <a:t>39</a:t>
             </a:fld>
             <a:endParaRPr lang="it-IT"/>
           </a:p>
@@ -12528,7 +13762,7 @@
   <p:timing>
     <p:tnLst>
       <p:par>
-        <p:cTn id="1" dur="indefinite" restart="never" nodeType="tmRoot">
+        <p:cTn xmlns:p14="http://schemas.microsoft.com/office/powerpoint/2010/main" id="1" dur="indefinite" restart="never" nodeType="tmRoot">
           <p:childTnLst>
             <p:seq concurrent="1" nextAc="seek">
               <p:cTn id="2" dur="indefinite" nodeType="mainSeq">
@@ -14042,679 +15276,6 @@
 </p:sld>
 </file>
 
-<file path=ppt/slides/slide38.xml><?xml version="1.0" encoding="utf-8"?>
-<p:sld xmlns:a="http://schemas.openxmlformats.org/drawingml/2006/main" xmlns:r="http://schemas.openxmlformats.org/officeDocument/2006/relationships" xmlns:p="http://schemas.openxmlformats.org/presentationml/2006/main">
-  <p:cSld>
-    <p:spTree>
-      <p:nvGrpSpPr>
-        <p:cNvPr id="1" name=""/>
-        <p:cNvGrpSpPr/>
-        <p:nvPr/>
-      </p:nvGrpSpPr>
-      <p:grpSpPr>
-        <a:xfrm>
-          <a:off x="0" y="0"/>
-          <a:ext cx="0" cy="0"/>
-          <a:chOff x="0" y="0"/>
-          <a:chExt cx="0" cy="0"/>
-        </a:xfrm>
-      </p:grpSpPr>
-      <p:sp>
-        <p:nvSpPr>
-          <p:cNvPr id="2" name="Titolo 1"/>
-          <p:cNvSpPr>
-            <a:spLocks noGrp="1"/>
-          </p:cNvSpPr>
-          <p:nvPr>
-            <p:ph type="title"/>
-          </p:nvPr>
-        </p:nvSpPr>
-        <p:spPr/>
-        <p:txBody>
-          <a:bodyPr/>
-          <a:lstStyle/>
-          <a:p>
-            <a:r>
-              <a:rPr lang="it-IT" dirty="0" err="1" smtClean="0"/>
-              <a:t>Advantages</a:t>
-            </a:r>
-            <a:r>
-              <a:rPr lang="it-IT" dirty="0" smtClean="0"/>
-              <a:t> of OOP</a:t>
-            </a:r>
-            <a:endParaRPr lang="it-IT" dirty="0"/>
-          </a:p>
-        </p:txBody>
-      </p:sp>
-      <p:sp>
-        <p:nvSpPr>
-          <p:cNvPr id="4" name="Segnaposto contenuto 3"/>
-          <p:cNvSpPr>
-            <a:spLocks noGrp="1"/>
-          </p:cNvSpPr>
-          <p:nvPr>
-            <p:ph idx="1"/>
-          </p:nvPr>
-        </p:nvSpPr>
-        <p:spPr/>
-        <p:txBody>
-          <a:bodyPr>
-            <a:normAutofit/>
-          </a:bodyPr>
-          <a:lstStyle/>
-          <a:p>
-            <a:r>
-              <a:rPr lang="it-IT" dirty="0" err="1" smtClean="0">
-                <a:solidFill>
-                  <a:srgbClr val="E46C0A"/>
-                </a:solidFill>
-              </a:rPr>
-              <a:t>Simplify</a:t>
-            </a:r>
-            <a:r>
-              <a:rPr lang="it-IT" dirty="0" smtClean="0">
-                <a:solidFill>
-                  <a:srgbClr val="E46C0A"/>
-                </a:solidFill>
-              </a:rPr>
-              <a:t> the </a:t>
-            </a:r>
-            <a:r>
-              <a:rPr lang="it-IT" dirty="0" err="1" smtClean="0">
-                <a:solidFill>
-                  <a:srgbClr val="E46C0A"/>
-                </a:solidFill>
-              </a:rPr>
-              <a:t>process</a:t>
-            </a:r>
-            <a:r>
-              <a:rPr lang="it-IT" dirty="0" smtClean="0">
-                <a:solidFill>
-                  <a:srgbClr val="E46C0A"/>
-                </a:solidFill>
-              </a:rPr>
-              <a:t> of building software in a cooperative </a:t>
-            </a:r>
-            <a:r>
-              <a:rPr lang="it-IT" dirty="0" err="1" smtClean="0">
-                <a:solidFill>
-                  <a:srgbClr val="E46C0A"/>
-                </a:solidFill>
-              </a:rPr>
-              <a:t>manner</a:t>
-            </a:r>
-            <a:r>
-              <a:rPr lang="it-IT" dirty="0" smtClean="0"/>
-              <a:t>: </a:t>
-            </a:r>
-          </a:p>
-          <a:p>
-            <a:pPr lvl="1"/>
-            <a:r>
-              <a:rPr lang="it-IT" dirty="0" err="1" smtClean="0"/>
-              <a:t>Different</a:t>
-            </a:r>
-            <a:r>
-              <a:rPr lang="it-IT" dirty="0" smtClean="0"/>
-              <a:t> </a:t>
-            </a:r>
-            <a:r>
-              <a:rPr lang="it-IT" dirty="0" err="1" smtClean="0"/>
-              <a:t>peoples</a:t>
-            </a:r>
-            <a:r>
-              <a:rPr lang="it-IT" dirty="0" smtClean="0"/>
-              <a:t> </a:t>
-            </a:r>
-            <a:r>
-              <a:rPr lang="it-IT" dirty="0" err="1" smtClean="0"/>
-              <a:t>develope</a:t>
-            </a:r>
-            <a:r>
-              <a:rPr lang="it-IT" dirty="0" smtClean="0"/>
-              <a:t> the </a:t>
-            </a:r>
-            <a:r>
-              <a:rPr lang="it-IT" dirty="0" err="1" smtClean="0"/>
-              <a:t>same</a:t>
-            </a:r>
-            <a:r>
-              <a:rPr lang="it-IT" dirty="0" smtClean="0"/>
-              <a:t> </a:t>
-            </a:r>
-            <a:r>
-              <a:rPr lang="it-IT" dirty="0" err="1" smtClean="0"/>
-              <a:t>classes</a:t>
-            </a:r>
-            <a:r>
-              <a:rPr lang="it-IT" dirty="0" smtClean="0"/>
-              <a:t> </a:t>
-            </a:r>
-          </a:p>
-          <a:p>
-            <a:pPr lvl="1"/>
-            <a:r>
-              <a:rPr lang="it-IT" dirty="0" err="1" smtClean="0"/>
-              <a:t>Each</a:t>
-            </a:r>
-            <a:r>
-              <a:rPr lang="it-IT" dirty="0" smtClean="0"/>
-              <a:t> </a:t>
-            </a:r>
-            <a:r>
-              <a:rPr lang="it-IT" dirty="0" err="1" smtClean="0"/>
-              <a:t>developer</a:t>
-            </a:r>
-            <a:r>
-              <a:rPr lang="it-IT" dirty="0" smtClean="0"/>
-              <a:t> can </a:t>
-            </a:r>
-            <a:r>
-              <a:rPr lang="it-IT" dirty="0" err="1" smtClean="0"/>
-              <a:t>easily</a:t>
-            </a:r>
-            <a:r>
-              <a:rPr lang="it-IT" dirty="0" smtClean="0"/>
-              <a:t> test the </a:t>
-            </a:r>
-            <a:r>
-              <a:rPr lang="it-IT" dirty="0" err="1" smtClean="0"/>
-              <a:t>class</a:t>
-            </a:r>
-            <a:r>
-              <a:rPr lang="it-IT" dirty="0" smtClean="0"/>
-              <a:t> </a:t>
-            </a:r>
-            <a:r>
-              <a:rPr lang="it-IT" dirty="0" err="1" smtClean="0"/>
-              <a:t>behaviour</a:t>
-            </a:r>
-            <a:r>
-              <a:rPr lang="it-IT" dirty="0" smtClean="0"/>
-              <a:t> by </a:t>
-            </a:r>
-            <a:r>
-              <a:rPr lang="it-IT" dirty="0" err="1" smtClean="0"/>
-              <a:t>initializating</a:t>
-            </a:r>
-            <a:r>
-              <a:rPr lang="it-IT" dirty="0" smtClean="0"/>
-              <a:t> the </a:t>
-            </a:r>
-            <a:r>
-              <a:rPr lang="it-IT" dirty="0" err="1" smtClean="0"/>
-              <a:t>corresponding</a:t>
-            </a:r>
-            <a:r>
-              <a:rPr lang="it-IT" dirty="0" smtClean="0"/>
-              <a:t> </a:t>
-            </a:r>
-            <a:r>
-              <a:rPr lang="it-IT" dirty="0" err="1" smtClean="0"/>
-              <a:t>object</a:t>
-            </a:r>
-            <a:r>
-              <a:rPr lang="it-IT" dirty="0" smtClean="0"/>
-              <a:t> and </a:t>
-            </a:r>
-            <a:r>
-              <a:rPr lang="it-IT" dirty="0" err="1" smtClean="0"/>
-              <a:t>calling</a:t>
-            </a:r>
-            <a:r>
-              <a:rPr lang="it-IT" dirty="0" smtClean="0"/>
-              <a:t> the </a:t>
-            </a:r>
-            <a:r>
-              <a:rPr lang="it-IT" dirty="0" err="1" smtClean="0"/>
-              <a:t>related</a:t>
-            </a:r>
-            <a:r>
-              <a:rPr lang="it-IT" dirty="0" smtClean="0"/>
-              <a:t> </a:t>
-            </a:r>
-            <a:r>
-              <a:rPr lang="it-IT" dirty="0" err="1" smtClean="0"/>
-              <a:t>methods</a:t>
-            </a:r>
-            <a:r>
-              <a:rPr lang="it-IT" dirty="0" smtClean="0"/>
-              <a:t> </a:t>
-            </a:r>
-          </a:p>
-          <a:p>
-            <a:pPr lvl="1"/>
-            <a:r>
-              <a:rPr lang="it-IT" dirty="0" err="1" smtClean="0"/>
-              <a:t>Respect</a:t>
-            </a:r>
-            <a:r>
-              <a:rPr lang="it-IT" dirty="0" smtClean="0"/>
-              <a:t> the </a:t>
-            </a:r>
-            <a:r>
-              <a:rPr lang="it-IT" dirty="0" err="1" smtClean="0"/>
-              <a:t>contract</a:t>
-            </a:r>
-            <a:r>
-              <a:rPr lang="it-IT" dirty="0" smtClean="0"/>
-              <a:t>: </a:t>
-            </a:r>
-            <a:r>
-              <a:rPr lang="it-IT" dirty="0" err="1" smtClean="0"/>
-              <a:t>Define</a:t>
-            </a:r>
-            <a:r>
-              <a:rPr lang="it-IT" dirty="0" smtClean="0"/>
-              <a:t> an </a:t>
-            </a:r>
-            <a:r>
-              <a:rPr lang="it-IT" dirty="0" err="1" smtClean="0"/>
-              <a:t>interface</a:t>
-            </a:r>
-            <a:r>
-              <a:rPr lang="it-IT" dirty="0" smtClean="0"/>
-              <a:t> (</a:t>
-            </a:r>
-            <a:r>
-              <a:rPr lang="it-IT" dirty="0" err="1"/>
-              <a:t>methods</a:t>
-            </a:r>
-            <a:r>
-              <a:rPr lang="it-IT" dirty="0"/>
-              <a:t> and </a:t>
-            </a:r>
-            <a:r>
-              <a:rPr lang="it-IT" dirty="0" err="1"/>
-              <a:t>properties</a:t>
-            </a:r>
-            <a:r>
-              <a:rPr lang="it-IT" dirty="0" smtClean="0"/>
-              <a:t>) for </a:t>
-            </a:r>
-            <a:r>
-              <a:rPr lang="it-IT" dirty="0" err="1" smtClean="0"/>
-              <a:t>each</a:t>
-            </a:r>
-            <a:r>
-              <a:rPr lang="it-IT" dirty="0" smtClean="0"/>
-              <a:t> </a:t>
-            </a:r>
-            <a:r>
-              <a:rPr lang="it-IT" dirty="0" err="1" smtClean="0"/>
-              <a:t>class</a:t>
-            </a:r>
-            <a:endParaRPr lang="it-IT" dirty="0" smtClean="0"/>
-          </a:p>
-        </p:txBody>
-      </p:sp>
-      <p:sp>
-        <p:nvSpPr>
-          <p:cNvPr id="3" name="Segnaposto numero diapositiva 2"/>
-          <p:cNvSpPr>
-            <a:spLocks noGrp="1"/>
-          </p:cNvSpPr>
-          <p:nvPr>
-            <p:ph type="sldNum" sz="quarter" idx="12"/>
-          </p:nvPr>
-        </p:nvSpPr>
-        <p:spPr/>
-        <p:txBody>
-          <a:bodyPr/>
-          <a:lstStyle/>
-          <a:p>
-            <a:fld id="{D2040F39-7941-49A4-B48D-F201B18B6351}" type="slidenum">
-              <a:rPr lang="it-IT" smtClean="0"/>
-              <a:pPr/>
-              <a:t>38</a:t>
-            </a:fld>
-            <a:endParaRPr lang="it-IT"/>
-          </a:p>
-        </p:txBody>
-      </p:sp>
-    </p:spTree>
-    <p:extLst>
-      <p:ext uri="{BB962C8B-B14F-4D97-AF65-F5344CB8AC3E}">
-        <p14:creationId xmlns:p14="http://schemas.microsoft.com/office/powerpoint/2010/main" val="1567186671"/>
-      </p:ext>
-    </p:extLst>
-  </p:cSld>
-  <p:clrMapOvr>
-    <a:masterClrMapping/>
-  </p:clrMapOvr>
-  <p:timing>
-    <p:tnLst>
-      <p:par>
-        <p:cTn id="1" dur="indefinite" restart="never" nodeType="tmRoot"/>
-      </p:par>
-    </p:tnLst>
-  </p:timing>
-</p:sld>
-</file>
-
-<file path=ppt/slides/slide39.xml><?xml version="1.0" encoding="utf-8"?>
-<p:sld xmlns:a="http://schemas.openxmlformats.org/drawingml/2006/main" xmlns:r="http://schemas.openxmlformats.org/officeDocument/2006/relationships" xmlns:p="http://schemas.openxmlformats.org/presentationml/2006/main">
-  <p:cSld>
-    <p:spTree>
-      <p:nvGrpSpPr>
-        <p:cNvPr id="1" name=""/>
-        <p:cNvGrpSpPr/>
-        <p:nvPr/>
-      </p:nvGrpSpPr>
-      <p:grpSpPr>
-        <a:xfrm>
-          <a:off x="0" y="0"/>
-          <a:ext cx="0" cy="0"/>
-          <a:chOff x="0" y="0"/>
-          <a:chExt cx="0" cy="0"/>
-        </a:xfrm>
-      </p:grpSpPr>
-      <p:sp>
-        <p:nvSpPr>
-          <p:cNvPr id="2" name="Titolo 1"/>
-          <p:cNvSpPr>
-            <a:spLocks noGrp="1"/>
-          </p:cNvSpPr>
-          <p:nvPr>
-            <p:ph type="title"/>
-          </p:nvPr>
-        </p:nvSpPr>
-        <p:spPr/>
-        <p:txBody>
-          <a:bodyPr/>
-          <a:lstStyle/>
-          <a:p>
-            <a:r>
-              <a:rPr lang="it-IT" dirty="0" err="1" smtClean="0"/>
-              <a:t>Advantages</a:t>
-            </a:r>
-            <a:r>
-              <a:rPr lang="it-IT" dirty="0" smtClean="0"/>
-              <a:t> of OOP (2)</a:t>
-            </a:r>
-            <a:endParaRPr lang="it-IT" dirty="0"/>
-          </a:p>
-        </p:txBody>
-      </p:sp>
-      <p:sp>
-        <p:nvSpPr>
-          <p:cNvPr id="4" name="Segnaposto contenuto 3"/>
-          <p:cNvSpPr>
-            <a:spLocks noGrp="1"/>
-          </p:cNvSpPr>
-          <p:nvPr>
-            <p:ph idx="1"/>
-          </p:nvPr>
-        </p:nvSpPr>
-        <p:spPr/>
-        <p:txBody>
-          <a:bodyPr>
-            <a:normAutofit/>
-          </a:bodyPr>
-          <a:lstStyle/>
-          <a:p>
-            <a:r>
-              <a:rPr lang="it-IT" dirty="0" err="1" smtClean="0">
-                <a:solidFill>
-                  <a:srgbClr val="E46C0A"/>
-                </a:solidFill>
-              </a:rPr>
-              <a:t>Simplify</a:t>
-            </a:r>
-            <a:r>
-              <a:rPr lang="it-IT" dirty="0" smtClean="0">
-                <a:solidFill>
-                  <a:srgbClr val="E46C0A"/>
-                </a:solidFill>
-              </a:rPr>
-              <a:t> code management</a:t>
-            </a:r>
-          </a:p>
-          <a:p>
-            <a:pPr lvl="1"/>
-            <a:r>
-              <a:rPr lang="it-IT" dirty="0" smtClean="0"/>
-              <a:t>Bugs on </a:t>
-            </a:r>
-            <a:r>
-              <a:rPr lang="it-IT" dirty="0" err="1" smtClean="0"/>
-              <a:t>object</a:t>
-            </a:r>
-            <a:r>
-              <a:rPr lang="it-IT" dirty="0" smtClean="0"/>
-              <a:t> data are easy to spot</a:t>
-            </a:r>
-            <a:r>
-              <a:rPr lang="it-IT" dirty="0" smtClean="0"/>
-              <a:t>. </a:t>
-            </a:r>
-            <a:r>
-              <a:rPr lang="it-IT" dirty="0" err="1" smtClean="0"/>
-              <a:t>Since</a:t>
-            </a:r>
-            <a:r>
-              <a:rPr lang="it-IT" dirty="0" smtClean="0"/>
-              <a:t> data </a:t>
-            </a:r>
-            <a:r>
-              <a:rPr lang="it-IT" dirty="0" smtClean="0"/>
-              <a:t>are </a:t>
-            </a:r>
-            <a:r>
-              <a:rPr lang="it-IT" dirty="0" err="1" smtClean="0"/>
-              <a:t>not</a:t>
-            </a:r>
-            <a:r>
-              <a:rPr lang="it-IT" dirty="0" smtClean="0"/>
-              <a:t> </a:t>
-            </a:r>
-            <a:r>
-              <a:rPr lang="it-IT" dirty="0" err="1" smtClean="0"/>
-              <a:t>visible</a:t>
-            </a:r>
-            <a:r>
-              <a:rPr lang="it-IT" dirty="0" smtClean="0"/>
-              <a:t> from the </a:t>
-            </a:r>
-            <a:r>
-              <a:rPr lang="it-IT" dirty="0" err="1" smtClean="0"/>
-              <a:t>outside</a:t>
-            </a:r>
-            <a:r>
-              <a:rPr lang="it-IT" dirty="0" smtClean="0"/>
-              <a:t>, </a:t>
-            </a:r>
-            <a:r>
-              <a:rPr lang="it-IT" dirty="0" err="1" smtClean="0"/>
-              <a:t>errors</a:t>
-            </a:r>
-            <a:r>
-              <a:rPr lang="it-IT" dirty="0" smtClean="0"/>
-              <a:t> </a:t>
-            </a:r>
-            <a:r>
-              <a:rPr lang="it-IT" dirty="0" err="1" smtClean="0"/>
-              <a:t>occurs</a:t>
-            </a:r>
-            <a:r>
-              <a:rPr lang="it-IT" dirty="0" smtClean="0"/>
-              <a:t> in the </a:t>
-            </a:r>
-            <a:r>
-              <a:rPr lang="it-IT" dirty="0" err="1" smtClean="0"/>
-              <a:t>object</a:t>
-            </a:r>
-            <a:r>
-              <a:rPr lang="it-IT" dirty="0" smtClean="0"/>
-              <a:t> </a:t>
-            </a:r>
-            <a:r>
-              <a:rPr lang="it-IT" dirty="0" err="1" smtClean="0"/>
-              <a:t>that</a:t>
-            </a:r>
-            <a:r>
-              <a:rPr lang="it-IT" dirty="0" smtClean="0"/>
-              <a:t> </a:t>
-            </a:r>
-            <a:r>
-              <a:rPr lang="it-IT" dirty="0" err="1" smtClean="0"/>
-              <a:t>handles</a:t>
-            </a:r>
-            <a:r>
-              <a:rPr lang="it-IT" dirty="0" smtClean="0"/>
-              <a:t> data</a:t>
-            </a:r>
-            <a:r>
-              <a:rPr lang="it-IT" dirty="0" smtClean="0"/>
-              <a:t> </a:t>
-            </a:r>
-            <a:endParaRPr lang="it-IT" dirty="0" smtClean="0"/>
-          </a:p>
-          <a:p>
-            <a:pPr lvl="1"/>
-            <a:endParaRPr lang="it-IT" dirty="0" smtClean="0"/>
-          </a:p>
-          <a:p>
-            <a:pPr lvl="1"/>
-            <a:r>
-              <a:rPr lang="it-IT" dirty="0" err="1" smtClean="0"/>
-              <a:t>Changes</a:t>
-            </a:r>
-            <a:r>
-              <a:rPr lang="it-IT" dirty="0" smtClean="0"/>
-              <a:t> </a:t>
-            </a:r>
-            <a:r>
-              <a:rPr lang="it-IT" dirty="0" smtClean="0"/>
-              <a:t>on a </a:t>
-            </a:r>
-            <a:r>
-              <a:rPr lang="it-IT" dirty="0" err="1" smtClean="0"/>
-              <a:t>specific</a:t>
-            </a:r>
-            <a:r>
-              <a:rPr lang="it-IT" dirty="0" smtClean="0"/>
-              <a:t> </a:t>
-            </a:r>
-            <a:r>
-              <a:rPr lang="it-IT" dirty="0" err="1" smtClean="0"/>
-              <a:t>class</a:t>
-            </a:r>
-            <a:r>
-              <a:rPr lang="it-IT" dirty="0" smtClean="0"/>
-              <a:t> </a:t>
-            </a:r>
-            <a:r>
-              <a:rPr lang="it-IT" dirty="0" err="1" smtClean="0"/>
-              <a:t>doesn’t</a:t>
-            </a:r>
-            <a:r>
-              <a:rPr lang="it-IT" dirty="0" smtClean="0"/>
-              <a:t> impact </a:t>
-            </a:r>
-            <a:r>
-              <a:rPr lang="it-IT" dirty="0" err="1" smtClean="0"/>
-              <a:t>other</a:t>
-            </a:r>
-            <a:r>
-              <a:rPr lang="it-IT" dirty="0" smtClean="0"/>
-              <a:t> </a:t>
-            </a:r>
-            <a:r>
-              <a:rPr lang="it-IT" dirty="0" err="1" smtClean="0"/>
-              <a:t>classes</a:t>
-            </a:r>
-            <a:r>
-              <a:rPr lang="it-IT" dirty="0" smtClean="0"/>
-              <a:t> (</a:t>
-            </a:r>
-            <a:r>
-              <a:rPr lang="it-IT" dirty="0" err="1" smtClean="0"/>
-              <a:t>unless</a:t>
-            </a:r>
-            <a:r>
-              <a:rPr lang="it-IT" dirty="0" smtClean="0"/>
-              <a:t> the </a:t>
-            </a:r>
-            <a:r>
-              <a:rPr lang="it-IT" dirty="0" err="1" smtClean="0"/>
-              <a:t>interface</a:t>
-            </a:r>
-            <a:r>
-              <a:rPr lang="it-IT" dirty="0" smtClean="0"/>
-              <a:t> </a:t>
-            </a:r>
-            <a:r>
-              <a:rPr lang="it-IT" dirty="0" err="1" smtClean="0"/>
-              <a:t>is</a:t>
-            </a:r>
-            <a:r>
-              <a:rPr lang="it-IT" dirty="0" smtClean="0"/>
-              <a:t> </a:t>
-            </a:r>
-            <a:r>
-              <a:rPr lang="it-IT" dirty="0" err="1" smtClean="0"/>
-              <a:t>not</a:t>
-            </a:r>
-            <a:r>
-              <a:rPr lang="it-IT" dirty="0" smtClean="0"/>
-              <a:t> </a:t>
-            </a:r>
-            <a:r>
-              <a:rPr lang="it-IT" dirty="0" err="1" smtClean="0"/>
-              <a:t>modified</a:t>
-            </a:r>
-            <a:r>
-              <a:rPr lang="it-IT" dirty="0" smtClean="0"/>
-              <a:t>)</a:t>
-            </a:r>
-          </a:p>
-        </p:txBody>
-      </p:sp>
-      <p:sp>
-        <p:nvSpPr>
-          <p:cNvPr id="3" name="Segnaposto numero diapositiva 2"/>
-          <p:cNvSpPr>
-            <a:spLocks noGrp="1"/>
-          </p:cNvSpPr>
-          <p:nvPr>
-            <p:ph type="sldNum" sz="quarter" idx="12"/>
-          </p:nvPr>
-        </p:nvSpPr>
-        <p:spPr/>
-        <p:txBody>
-          <a:bodyPr/>
-          <a:lstStyle/>
-          <a:p>
-            <a:fld id="{D2040F39-7941-49A4-B48D-F201B18B6351}" type="slidenum">
-              <a:rPr lang="it-IT" smtClean="0"/>
-              <a:pPr/>
-              <a:t>39</a:t>
-            </a:fld>
-            <a:endParaRPr lang="it-IT"/>
-          </a:p>
-        </p:txBody>
-      </p:sp>
-    </p:spTree>
-    <p:extLst>
-      <p:ext uri="{BB962C8B-B14F-4D97-AF65-F5344CB8AC3E}">
-        <p14:creationId xmlns:p14="http://schemas.microsoft.com/office/powerpoint/2010/main" val="926789988"/>
-      </p:ext>
-    </p:extLst>
-  </p:cSld>
-  <p:clrMapOvr>
-    <a:masterClrMapping/>
-  </p:clrMapOvr>
-  <p:timing>
-    <p:tnLst>
-      <p:par>
-        <p:cTn id="1" dur="indefinite" restart="never" nodeType="tmRoot"/>
-      </p:par>
-    </p:tnLst>
-  </p:timing>
-</p:sld>
-</file>
-
 <file path=ppt/slides/slide4.xml><?xml version="1.0" encoding="utf-8"?>
 <p:sld xmlns:a="http://schemas.openxmlformats.org/drawingml/2006/main" xmlns:r="http://schemas.openxmlformats.org/officeDocument/2006/relationships" xmlns:p="http://schemas.openxmlformats.org/presentationml/2006/main">
   <p:cSld>
@@ -14923,16 +15484,12 @@
           <a:lstStyle/>
           <a:p>
             <a:r>
-              <a:rPr lang="it-IT" dirty="0" err="1"/>
+              <a:rPr lang="it-IT" dirty="0" err="1" smtClean="0"/>
               <a:t>Advantages</a:t>
             </a:r>
             <a:r>
-              <a:rPr lang="it-IT" dirty="0"/>
-              <a:t> of OOP(3</a:t>
-            </a:r>
-            <a:r>
-              <a:rPr lang="it-IT" dirty="0" smtClean="0"/>
-              <a:t>)</a:t>
+              <a:rPr lang="it-IT" dirty="0" smtClean="0"/>
+              <a:t> of OOP</a:t>
             </a:r>
             <a:endParaRPr lang="it-IT" dirty="0"/>
           </a:p>
@@ -14958,188 +15515,129 @@
             <a:r>
               <a:rPr lang="it-IT" dirty="0" err="1" smtClean="0">
                 <a:solidFill>
-                  <a:srgbClr val="E46C0A"/>
+                  <a:schemeClr val="accent6">
+                    <a:lumMod val="75000"/>
+                  </a:schemeClr>
                 </a:solidFill>
               </a:rPr>
-              <a:t>Support</a:t>
+              <a:t>Simplify</a:t>
             </a:r>
             <a:r>
               <a:rPr lang="it-IT" dirty="0" smtClean="0">
                 <a:solidFill>
-                  <a:srgbClr val="E46C0A"/>
+                  <a:schemeClr val="accent6">
+                    <a:lumMod val="75000"/>
+                  </a:schemeClr>
                 </a:solidFill>
               </a:rPr>
-              <a:t> </a:t>
+              <a:t> the </a:t>
             </a:r>
             <a:r>
               <a:rPr lang="it-IT" dirty="0" err="1" smtClean="0">
                 <a:solidFill>
-                  <a:srgbClr val="E46C0A"/>
+                  <a:schemeClr val="accent6">
+                    <a:lumMod val="75000"/>
+                  </a:schemeClr>
                 </a:solidFill>
               </a:rPr>
-              <a:t>incremental</a:t>
+              <a:t>process</a:t>
             </a:r>
             <a:r>
               <a:rPr lang="it-IT" dirty="0" smtClean="0">
                 <a:solidFill>
-                  <a:srgbClr val="E46C0A"/>
+                  <a:schemeClr val="accent6">
+                    <a:lumMod val="75000"/>
+                  </a:schemeClr>
                 </a:solidFill>
               </a:rPr>
-              <a:t> design and </a:t>
+              <a:t> of building software in a cooperative </a:t>
             </a:r>
             <a:r>
               <a:rPr lang="it-IT" dirty="0" err="1" smtClean="0">
                 <a:solidFill>
-                  <a:srgbClr val="E46C0A"/>
+                  <a:schemeClr val="accent6">
+                    <a:lumMod val="75000"/>
+                  </a:schemeClr>
                 </a:solidFill>
               </a:rPr>
-              <a:t>development</a:t>
-            </a:r>
-            <a:endParaRPr lang="it-IT" dirty="0" smtClean="0">
-              <a:solidFill>
-                <a:srgbClr val="E46C0A"/>
-              </a:solidFill>
-            </a:endParaRPr>
-          </a:p>
-          <a:p>
-            <a:pPr lvl="1"/>
-            <a:r>
-              <a:rPr lang="it-IT" dirty="0" err="1" smtClean="0"/>
-              <a:t>Define</a:t>
-            </a:r>
-            <a:r>
-              <a:rPr lang="it-IT" dirty="0" smtClean="0"/>
-              <a:t> new </a:t>
-            </a:r>
-            <a:r>
-              <a:rPr lang="it-IT" dirty="0" err="1" smtClean="0"/>
-              <a:t>classes</a:t>
-            </a:r>
-            <a:r>
-              <a:rPr lang="it-IT" dirty="0" smtClean="0"/>
-              <a:t> by </a:t>
-            </a:r>
-            <a:r>
-              <a:rPr lang="it-IT" dirty="0" err="1" smtClean="0"/>
-              <a:t>extending</a:t>
-            </a:r>
-            <a:r>
-              <a:rPr lang="it-IT" dirty="0" smtClean="0"/>
-              <a:t> the </a:t>
-            </a:r>
-            <a:r>
-              <a:rPr lang="it-IT" dirty="0" err="1" smtClean="0"/>
-              <a:t>exsisting</a:t>
-            </a:r>
-            <a:r>
-              <a:rPr lang="it-IT" dirty="0" smtClean="0"/>
-              <a:t> </a:t>
-            </a:r>
-            <a:r>
-              <a:rPr lang="it-IT" dirty="0" err="1" smtClean="0"/>
-              <a:t>ones</a:t>
-            </a:r>
-            <a:r>
-              <a:rPr lang="it-IT" dirty="0"/>
-              <a:t> </a:t>
-            </a:r>
-            <a:r>
-              <a:rPr lang="it-IT" dirty="0" smtClean="0"/>
-              <a:t>(e.g. new </a:t>
-            </a:r>
-            <a:r>
-              <a:rPr lang="it-IT" dirty="0" err="1" smtClean="0"/>
-              <a:t>class</a:t>
-            </a:r>
-            <a:r>
-              <a:rPr lang="it-IT" dirty="0" smtClean="0"/>
-              <a:t> </a:t>
-            </a:r>
-            <a:r>
-              <a:rPr lang="it-IT" dirty="0" err="1" smtClean="0"/>
-              <a:t>student</a:t>
-            </a:r>
-            <a:r>
-              <a:rPr lang="it-IT" dirty="0" smtClean="0"/>
-              <a:t> </a:t>
-            </a:r>
-            <a:r>
-              <a:rPr lang="it-IT" dirty="0" err="1" smtClean="0"/>
-              <a:t>starting</a:t>
-            </a:r>
-            <a:r>
-              <a:rPr lang="it-IT" dirty="0" smtClean="0"/>
-              <a:t> from an </a:t>
-            </a:r>
-            <a:r>
-              <a:rPr lang="it-IT" dirty="0" err="1" smtClean="0"/>
-              <a:t>exsisting</a:t>
-            </a:r>
-            <a:r>
-              <a:rPr lang="it-IT" dirty="0" smtClean="0"/>
-              <a:t> </a:t>
-            </a:r>
-            <a:r>
-              <a:rPr lang="it-IT" dirty="0" err="1" smtClean="0"/>
-              <a:t>class</a:t>
-            </a:r>
-            <a:r>
-              <a:rPr lang="it-IT" dirty="0" smtClean="0"/>
-              <a:t> </a:t>
-            </a:r>
-            <a:r>
-              <a:rPr lang="it-IT" dirty="0" err="1" smtClean="0"/>
-              <a:t>people</a:t>
-            </a:r>
-            <a:r>
-              <a:rPr lang="it-IT" dirty="0" smtClean="0"/>
-              <a:t> )</a:t>
-            </a:r>
-          </a:p>
-          <a:p>
+              <a:t>manner</a:t>
+            </a:r>
             <a:r>
               <a:rPr lang="it-IT" dirty="0" smtClean="0">
                 <a:solidFill>
-                  <a:srgbClr val="E46C0A"/>
+                  <a:schemeClr val="accent6">
+                    <a:lumMod val="75000"/>
+                  </a:schemeClr>
                 </a:solidFill>
               </a:rPr>
-              <a:t>Chance of </a:t>
-            </a:r>
-            <a:r>
-              <a:rPr lang="it-IT" dirty="0" err="1" smtClean="0">
-                <a:solidFill>
-                  <a:srgbClr val="E46C0A"/>
-                </a:solidFill>
-              </a:rPr>
-              <a:t>rapid</a:t>
-            </a:r>
-            <a:r>
-              <a:rPr lang="it-IT" dirty="0">
-                <a:solidFill>
-                  <a:srgbClr val="E46C0A"/>
-                </a:solidFill>
-              </a:rPr>
+              <a:t>: </a:t>
+            </a:r>
+          </a:p>
+          <a:p>
+            <a:pPr lvl="1"/>
+            <a:r>
+              <a:rPr lang="it-IT" dirty="0" err="1" smtClean="0"/>
+              <a:t>Different</a:t>
+            </a:r>
+            <a:r>
+              <a:rPr lang="it-IT" dirty="0" smtClean="0"/>
               <a:t> </a:t>
             </a:r>
             <a:r>
-              <a:rPr lang="it-IT" dirty="0" err="1">
-                <a:solidFill>
-                  <a:srgbClr val="E46C0A"/>
-                </a:solidFill>
-              </a:rPr>
-              <a:t>prototyping</a:t>
-            </a:r>
-            <a:endParaRPr lang="it-IT" dirty="0" smtClean="0">
-              <a:solidFill>
-                <a:srgbClr val="E46C0A"/>
-              </a:solidFill>
-            </a:endParaRPr>
+              <a:rPr lang="it-IT" dirty="0" err="1" smtClean="0"/>
+              <a:t>people</a:t>
+            </a:r>
+            <a:r>
+              <a:rPr lang="it-IT" dirty="0" smtClean="0"/>
+              <a:t> </a:t>
+            </a:r>
+            <a:r>
+              <a:rPr lang="it-IT" dirty="0" err="1" smtClean="0"/>
+              <a:t>developing</a:t>
+            </a:r>
+            <a:r>
+              <a:rPr lang="it-IT" dirty="0" smtClean="0"/>
+              <a:t> </a:t>
+            </a:r>
+            <a:r>
+              <a:rPr lang="it-IT" dirty="0" err="1" smtClean="0"/>
+              <a:t>different</a:t>
+            </a:r>
+            <a:r>
+              <a:rPr lang="it-IT" dirty="0" smtClean="0"/>
+              <a:t> </a:t>
+            </a:r>
+            <a:r>
+              <a:rPr lang="it-IT" dirty="0" err="1" smtClean="0"/>
+              <a:t>classes</a:t>
+            </a:r>
+            <a:r>
+              <a:rPr lang="it-IT" dirty="0" smtClean="0"/>
+              <a:t> (on the </a:t>
+            </a:r>
+            <a:r>
+              <a:rPr lang="it-IT" dirty="0" err="1" smtClean="0"/>
+              <a:t>same</a:t>
+            </a:r>
+            <a:r>
+              <a:rPr lang="it-IT" dirty="0" smtClean="0"/>
+              <a:t> </a:t>
+            </a:r>
+            <a:r>
+              <a:rPr lang="it-IT" dirty="0" err="1" smtClean="0"/>
+              <a:t>project</a:t>
+            </a:r>
+            <a:r>
+              <a:rPr lang="it-IT" dirty="0" smtClean="0"/>
+              <a:t>!)</a:t>
+            </a:r>
+            <a:endParaRPr lang="it-IT" dirty="0" smtClean="0"/>
           </a:p>
           <a:p>
             <a:pPr lvl="1"/>
             <a:r>
               <a:rPr lang="it-IT" dirty="0" err="1" smtClean="0"/>
-              <a:t>Testing</a:t>
+              <a:t>Each</a:t>
             </a:r>
             <a:r>
               <a:rPr lang="it-IT" dirty="0" smtClean="0"/>
@@ -15147,64 +15645,148 @@
             </a:r>
             <a:r>
               <a:rPr lang="it-IT" dirty="0" err="1" smtClean="0"/>
+              <a:t>developer</a:t>
+            </a:r>
+            <a:r>
+              <a:rPr lang="it-IT" dirty="0" smtClean="0"/>
+              <a:t> can </a:t>
+            </a:r>
+            <a:r>
+              <a:rPr lang="it-IT" dirty="0" err="1" smtClean="0"/>
+              <a:t>easily</a:t>
+            </a:r>
+            <a:r>
+              <a:rPr lang="it-IT" dirty="0" smtClean="0"/>
+              <a:t> test the </a:t>
+            </a:r>
+            <a:r>
+              <a:rPr lang="it-IT" dirty="0" err="1" smtClean="0"/>
+              <a:t>class</a:t>
+            </a:r>
+            <a:r>
+              <a:rPr lang="it-IT" dirty="0" smtClean="0"/>
+              <a:t> </a:t>
+            </a:r>
+            <a:r>
+              <a:rPr lang="it-IT" dirty="0" err="1" smtClean="0"/>
+              <a:t>behaviour</a:t>
+            </a:r>
+            <a:r>
+              <a:rPr lang="it-IT" dirty="0" smtClean="0"/>
+              <a:t> by </a:t>
+            </a:r>
+            <a:r>
+              <a:rPr lang="it-IT" dirty="0" err="1" smtClean="0"/>
+              <a:t>initializating</a:t>
+            </a:r>
+            <a:r>
+              <a:rPr lang="it-IT" dirty="0" smtClean="0"/>
+              <a:t> the </a:t>
+            </a:r>
+            <a:r>
+              <a:rPr lang="it-IT" dirty="0" err="1" smtClean="0"/>
+              <a:t>corresponding</a:t>
+            </a:r>
+            <a:r>
+              <a:rPr lang="it-IT" dirty="0" smtClean="0"/>
+              <a:t> </a:t>
+            </a:r>
+            <a:r>
+              <a:rPr lang="it-IT" dirty="0" err="1" smtClean="0"/>
               <a:t>object</a:t>
             </a:r>
             <a:r>
               <a:rPr lang="it-IT" dirty="0" smtClean="0"/>
+              <a:t> and </a:t>
+            </a:r>
+            <a:r>
+              <a:rPr lang="it-IT" dirty="0" err="1" smtClean="0"/>
+              <a:t>calling</a:t>
+            </a:r>
+            <a:r>
+              <a:rPr lang="it-IT" dirty="0" smtClean="0"/>
+              <a:t> the </a:t>
+            </a:r>
+            <a:r>
+              <a:rPr lang="it-IT" dirty="0" err="1" smtClean="0"/>
+              <a:t>related</a:t>
+            </a:r>
+            <a:r>
+              <a:rPr lang="it-IT" dirty="0" smtClean="0"/>
               <a:t> </a:t>
             </a:r>
             <a:r>
               <a:rPr lang="it-IT" dirty="0" err="1" smtClean="0"/>
-              <a:t>without</a:t>
+              <a:t>methods</a:t>
             </a:r>
             <a:r>
               <a:rPr lang="it-IT" dirty="0" smtClean="0"/>
               <a:t> </a:t>
             </a:r>
-            <a:r>
-              <a:rPr lang="it-IT" dirty="0" err="1" smtClean="0"/>
-              <a:t>caring</a:t>
-            </a:r>
-            <a:r>
-              <a:rPr lang="it-IT" dirty="0" smtClean="0"/>
-              <a:t> of </a:t>
+          </a:p>
+          <a:p>
+            <a:pPr lvl="1"/>
+            <a:r>
+              <a:rPr lang="it-IT" dirty="0" err="1" smtClean="0"/>
+              <a:t>Respect</a:t>
+            </a:r>
+            <a:r>
+              <a:rPr lang="it-IT" dirty="0" smtClean="0"/>
+              <a:t> the </a:t>
+            </a:r>
+            <a:r>
+              <a:rPr lang="it-IT" dirty="0" err="1" smtClean="0"/>
+              <a:t>contract</a:t>
+            </a:r>
+            <a:r>
+              <a:rPr lang="it-IT" dirty="0" smtClean="0"/>
+              <a:t>: </a:t>
+            </a:r>
+            <a:r>
+              <a:rPr lang="it-IT" dirty="0" err="1" smtClean="0"/>
+              <a:t>Define</a:t>
+            </a:r>
+            <a:r>
+              <a:rPr lang="it-IT" dirty="0" smtClean="0"/>
+              <a:t> an </a:t>
+            </a:r>
+            <a:r>
+              <a:rPr lang="it-IT" dirty="0" err="1" smtClean="0"/>
+              <a:t>interface</a:t>
+            </a:r>
+            <a:r>
+              <a:rPr lang="it-IT" dirty="0" smtClean="0"/>
+              <a:t> (</a:t>
             </a:r>
             <a:r>
               <a:rPr lang="it-IT" dirty="0" err="1"/>
-              <a:t>entirely</a:t>
+              <a:t>methods</a:t>
             </a:r>
             <a:r>
               <a:rPr lang="it-IT" dirty="0"/>
+              <a:t> and </a:t>
+            </a:r>
+            <a:r>
+              <a:rPr lang="it-IT" dirty="0" err="1"/>
+              <a:t>properties</a:t>
+            </a:r>
+            <a:r>
+              <a:rPr lang="it-IT" dirty="0" smtClean="0"/>
+              <a:t>) for </a:t>
+            </a:r>
+            <a:r>
+              <a:rPr lang="it-IT" dirty="0" err="1" smtClean="0"/>
+              <a:t>each</a:t>
+            </a:r>
+            <a:r>
+              <a:rPr lang="it-IT" dirty="0" smtClean="0"/>
               <a:t> </a:t>
             </a:r>
             <a:r>
-              <a:rPr lang="it-IT" dirty="0" err="1"/>
-              <a:t>define</a:t>
-            </a:r>
-            <a:r>
-              <a:rPr lang="it-IT" dirty="0"/>
-              <a:t> </a:t>
-            </a:r>
-            <a:r>
-              <a:rPr lang="it-IT" dirty="0" smtClean="0"/>
-              <a:t>the </a:t>
-            </a:r>
-            <a:r>
               <a:rPr lang="it-IT" dirty="0" err="1" smtClean="0"/>
               <a:t>class</a:t>
             </a:r>
-            <a:r>
-              <a:rPr lang="it-IT" dirty="0" smtClean="0"/>
-              <a:t> </a:t>
-            </a:r>
-            <a:r>
-              <a:rPr lang="it-IT" dirty="0" err="1" smtClean="0"/>
-              <a:t>behaviour</a:t>
-            </a:r>
-            <a:r>
-              <a:rPr lang="it-IT" dirty="0" smtClean="0"/>
-              <a:t> </a:t>
-            </a:r>
+            <a:endParaRPr lang="it-IT" dirty="0" smtClean="0"/>
           </a:p>
         </p:txBody>
       </p:sp>
@@ -15235,7 +15817,7 @@
     </p:spTree>
     <p:extLst>
       <p:ext uri="{BB962C8B-B14F-4D97-AF65-F5344CB8AC3E}">
-        <p14:creationId xmlns:p14="http://schemas.microsoft.com/office/powerpoint/2010/main" val="989184507"/>
+        <p14:creationId xmlns:p14="http://schemas.microsoft.com/office/powerpoint/2010/main" val="1567186671"/>
       </p:ext>
     </p:extLst>
   </p:cSld>
@@ -15245,7 +15827,7 @@
   <p:timing>
     <p:tnLst>
       <p:par>
-        <p:cTn id="1" dur="indefinite" restart="never" nodeType="tmRoot"/>
+        <p:cTn xmlns:p14="http://schemas.microsoft.com/office/powerpoint/2010/main" id="1" dur="indefinite" restart="never" nodeType="tmRoot"/>
       </p:par>
     </p:tnLst>
   </p:timing>
@@ -15271,6 +15853,738 @@
       </p:grpSpPr>
       <p:sp>
         <p:nvSpPr>
+          <p:cNvPr id="2" name="Titolo 1"/>
+          <p:cNvSpPr>
+            <a:spLocks noGrp="1"/>
+          </p:cNvSpPr>
+          <p:nvPr>
+            <p:ph type="title"/>
+          </p:nvPr>
+        </p:nvSpPr>
+        <p:spPr/>
+        <p:txBody>
+          <a:bodyPr/>
+          <a:lstStyle/>
+          <a:p>
+            <a:r>
+              <a:rPr lang="it-IT" dirty="0" err="1" smtClean="0"/>
+              <a:t>Advantages</a:t>
+            </a:r>
+            <a:r>
+              <a:rPr lang="it-IT" dirty="0" smtClean="0"/>
+              <a:t> of OOP (2)</a:t>
+            </a:r>
+            <a:endParaRPr lang="it-IT" dirty="0"/>
+          </a:p>
+        </p:txBody>
+      </p:sp>
+      <p:sp>
+        <p:nvSpPr>
+          <p:cNvPr id="4" name="Segnaposto contenuto 3"/>
+          <p:cNvSpPr>
+            <a:spLocks noGrp="1"/>
+          </p:cNvSpPr>
+          <p:nvPr>
+            <p:ph idx="1"/>
+          </p:nvPr>
+        </p:nvSpPr>
+        <p:spPr/>
+        <p:txBody>
+          <a:bodyPr>
+            <a:normAutofit/>
+          </a:bodyPr>
+          <a:lstStyle/>
+          <a:p>
+            <a:r>
+              <a:rPr lang="it-IT" dirty="0" err="1" smtClean="0">
+                <a:solidFill>
+                  <a:srgbClr val="E46C0A"/>
+                </a:solidFill>
+              </a:rPr>
+              <a:t>Simplify</a:t>
+            </a:r>
+            <a:r>
+              <a:rPr lang="it-IT" dirty="0" smtClean="0">
+                <a:solidFill>
+                  <a:srgbClr val="E46C0A"/>
+                </a:solidFill>
+              </a:rPr>
+              <a:t> code management</a:t>
+            </a:r>
+          </a:p>
+          <a:p>
+            <a:pPr lvl="1"/>
+            <a:r>
+              <a:rPr lang="it-IT" dirty="0" smtClean="0"/>
+              <a:t>Bugs on </a:t>
+            </a:r>
+            <a:r>
+              <a:rPr lang="it-IT" dirty="0" err="1" smtClean="0"/>
+              <a:t>object</a:t>
+            </a:r>
+            <a:r>
+              <a:rPr lang="it-IT" dirty="0" smtClean="0"/>
+              <a:t> data are easy to spot. </a:t>
+            </a:r>
+            <a:r>
+              <a:rPr lang="it-IT" dirty="0" err="1" smtClean="0"/>
+              <a:t>Since</a:t>
+            </a:r>
+            <a:r>
+              <a:rPr lang="it-IT" dirty="0" smtClean="0"/>
+              <a:t> data are </a:t>
+            </a:r>
+            <a:r>
+              <a:rPr lang="it-IT" dirty="0" err="1" smtClean="0"/>
+              <a:t>not</a:t>
+            </a:r>
+            <a:r>
+              <a:rPr lang="it-IT" dirty="0" smtClean="0"/>
+              <a:t> </a:t>
+            </a:r>
+            <a:r>
+              <a:rPr lang="it-IT" dirty="0" err="1" smtClean="0"/>
+              <a:t>visible</a:t>
+            </a:r>
+            <a:r>
+              <a:rPr lang="it-IT" dirty="0" smtClean="0"/>
+              <a:t> from the </a:t>
+            </a:r>
+            <a:r>
+              <a:rPr lang="it-IT" dirty="0" err="1" smtClean="0"/>
+              <a:t>outside</a:t>
+            </a:r>
+            <a:r>
+              <a:rPr lang="it-IT" dirty="0" smtClean="0"/>
+              <a:t>, </a:t>
+            </a:r>
+            <a:r>
+              <a:rPr lang="it-IT" dirty="0" err="1" smtClean="0">
+                <a:solidFill>
+                  <a:srgbClr val="E46C0A"/>
+                </a:solidFill>
+              </a:rPr>
+              <a:t>errors</a:t>
+            </a:r>
+            <a:r>
+              <a:rPr lang="it-IT" dirty="0" smtClean="0">
+                <a:solidFill>
+                  <a:srgbClr val="E46C0A"/>
+                </a:solidFill>
+              </a:rPr>
+              <a:t> </a:t>
+            </a:r>
+            <a:r>
+              <a:rPr lang="it-IT" dirty="0" err="1" smtClean="0">
+                <a:solidFill>
+                  <a:srgbClr val="E46C0A"/>
+                </a:solidFill>
+              </a:rPr>
+              <a:t>mostly</a:t>
+            </a:r>
+            <a:r>
+              <a:rPr lang="it-IT" dirty="0" smtClean="0">
+                <a:solidFill>
+                  <a:srgbClr val="E46C0A"/>
+                </a:solidFill>
+              </a:rPr>
+              <a:t> </a:t>
+            </a:r>
+            <a:r>
+              <a:rPr lang="it-IT" dirty="0" err="1" smtClean="0">
+                <a:solidFill>
+                  <a:srgbClr val="E46C0A"/>
+                </a:solidFill>
+              </a:rPr>
+              <a:t>occurs</a:t>
+            </a:r>
+            <a:r>
+              <a:rPr lang="it-IT" dirty="0" smtClean="0">
+                <a:solidFill>
+                  <a:srgbClr val="E46C0A"/>
+                </a:solidFill>
+              </a:rPr>
+              <a:t> </a:t>
+            </a:r>
+            <a:r>
+              <a:rPr lang="it-IT" dirty="0" smtClean="0">
+                <a:solidFill>
+                  <a:srgbClr val="E46C0A"/>
+                </a:solidFill>
+              </a:rPr>
+              <a:t>in the </a:t>
+            </a:r>
+            <a:r>
+              <a:rPr lang="it-IT" dirty="0" err="1" smtClean="0">
+                <a:solidFill>
+                  <a:srgbClr val="E46C0A"/>
+                </a:solidFill>
+              </a:rPr>
+              <a:t>object</a:t>
+            </a:r>
+            <a:r>
+              <a:rPr lang="it-IT" dirty="0" smtClean="0">
+                <a:solidFill>
+                  <a:srgbClr val="E46C0A"/>
+                </a:solidFill>
+              </a:rPr>
+              <a:t> </a:t>
+            </a:r>
+            <a:r>
+              <a:rPr lang="it-IT" dirty="0" err="1" smtClean="0">
+                <a:solidFill>
+                  <a:srgbClr val="E46C0A"/>
+                </a:solidFill>
+              </a:rPr>
+              <a:t>handling</a:t>
+            </a:r>
+            <a:r>
+              <a:rPr lang="it-IT" dirty="0" smtClean="0">
+                <a:solidFill>
+                  <a:srgbClr val="E46C0A"/>
+                </a:solidFill>
+              </a:rPr>
+              <a:t> the </a:t>
+            </a:r>
+            <a:r>
+              <a:rPr lang="it-IT" dirty="0" smtClean="0">
+                <a:solidFill>
+                  <a:srgbClr val="E46C0A"/>
+                </a:solidFill>
+              </a:rPr>
+              <a:t>data </a:t>
+            </a:r>
+          </a:p>
+          <a:p>
+            <a:pPr lvl="1"/>
+            <a:endParaRPr lang="it-IT" dirty="0" smtClean="0"/>
+          </a:p>
+          <a:p>
+            <a:pPr lvl="1"/>
+            <a:r>
+              <a:rPr lang="it-IT" dirty="0" err="1" smtClean="0"/>
+              <a:t>Changes</a:t>
+            </a:r>
+            <a:r>
+              <a:rPr lang="it-IT" dirty="0" smtClean="0"/>
+              <a:t> on a </a:t>
+            </a:r>
+            <a:r>
+              <a:rPr lang="it-IT" dirty="0" err="1" smtClean="0"/>
+              <a:t>specific</a:t>
+            </a:r>
+            <a:r>
+              <a:rPr lang="it-IT" dirty="0" smtClean="0"/>
+              <a:t> </a:t>
+            </a:r>
+            <a:r>
+              <a:rPr lang="it-IT" dirty="0" err="1" smtClean="0"/>
+              <a:t>class</a:t>
+            </a:r>
+            <a:r>
+              <a:rPr lang="it-IT" dirty="0" smtClean="0"/>
+              <a:t> </a:t>
+            </a:r>
+            <a:r>
+              <a:rPr lang="it-IT" dirty="0" smtClean="0"/>
+              <a:t>do </a:t>
+            </a:r>
+            <a:r>
+              <a:rPr lang="it-IT" dirty="0" err="1" smtClean="0"/>
+              <a:t>not</a:t>
+            </a:r>
+            <a:r>
+              <a:rPr lang="it-IT" dirty="0" smtClean="0"/>
+              <a:t> </a:t>
+            </a:r>
+            <a:r>
+              <a:rPr lang="it-IT" dirty="0" smtClean="0"/>
+              <a:t>impact </a:t>
+            </a:r>
+            <a:r>
+              <a:rPr lang="it-IT" dirty="0" err="1" smtClean="0"/>
+              <a:t>other</a:t>
+            </a:r>
+            <a:r>
+              <a:rPr lang="it-IT" dirty="0" smtClean="0"/>
+              <a:t> </a:t>
+            </a:r>
+            <a:r>
+              <a:rPr lang="it-IT" dirty="0" err="1" smtClean="0"/>
+              <a:t>classes</a:t>
+            </a:r>
+            <a:r>
+              <a:rPr lang="it-IT" dirty="0" smtClean="0"/>
+              <a:t> (</a:t>
+            </a:r>
+            <a:r>
+              <a:rPr lang="it-IT" dirty="0" err="1" smtClean="0"/>
+              <a:t>unless</a:t>
+            </a:r>
+            <a:r>
+              <a:rPr lang="it-IT" dirty="0" smtClean="0"/>
+              <a:t> the </a:t>
+            </a:r>
+            <a:r>
+              <a:rPr lang="it-IT" dirty="0" err="1" smtClean="0"/>
+              <a:t>interface</a:t>
+            </a:r>
+            <a:r>
+              <a:rPr lang="it-IT" dirty="0" smtClean="0"/>
+              <a:t> </a:t>
+            </a:r>
+            <a:r>
+              <a:rPr lang="it-IT" dirty="0" err="1" smtClean="0"/>
+              <a:t>is</a:t>
+            </a:r>
+            <a:r>
+              <a:rPr lang="it-IT" dirty="0" smtClean="0"/>
+              <a:t> </a:t>
+            </a:r>
+            <a:r>
+              <a:rPr lang="it-IT" dirty="0" err="1" smtClean="0"/>
+              <a:t>not</a:t>
+            </a:r>
+            <a:r>
+              <a:rPr lang="it-IT" dirty="0" smtClean="0"/>
+              <a:t> </a:t>
+            </a:r>
+            <a:r>
+              <a:rPr lang="it-IT" dirty="0" err="1" smtClean="0"/>
+              <a:t>modified</a:t>
+            </a:r>
+            <a:r>
+              <a:rPr lang="it-IT" dirty="0" smtClean="0"/>
+              <a:t>)</a:t>
+            </a:r>
+          </a:p>
+        </p:txBody>
+      </p:sp>
+      <p:sp>
+        <p:nvSpPr>
+          <p:cNvPr id="3" name="Segnaposto numero diapositiva 2"/>
+          <p:cNvSpPr>
+            <a:spLocks noGrp="1"/>
+          </p:cNvSpPr>
+          <p:nvPr>
+            <p:ph type="sldNum" sz="quarter" idx="12"/>
+          </p:nvPr>
+        </p:nvSpPr>
+        <p:spPr/>
+        <p:txBody>
+          <a:bodyPr/>
+          <a:lstStyle/>
+          <a:p>
+            <a:fld id="{D2040F39-7941-49A4-B48D-F201B18B6351}" type="slidenum">
+              <a:rPr lang="it-IT" smtClean="0"/>
+              <a:pPr/>
+              <a:t>41</a:t>
+            </a:fld>
+            <a:endParaRPr lang="it-IT"/>
+          </a:p>
+        </p:txBody>
+      </p:sp>
+    </p:spTree>
+    <p:extLst>
+      <p:ext uri="{BB962C8B-B14F-4D97-AF65-F5344CB8AC3E}">
+        <p14:creationId xmlns:p14="http://schemas.microsoft.com/office/powerpoint/2010/main" val="926789988"/>
+      </p:ext>
+    </p:extLst>
+  </p:cSld>
+  <p:clrMapOvr>
+    <a:masterClrMapping/>
+  </p:clrMapOvr>
+  <p:timing>
+    <p:tnLst>
+      <p:par>
+        <p:cTn xmlns:p14="http://schemas.microsoft.com/office/powerpoint/2010/main" id="1" dur="indefinite" restart="never" nodeType="tmRoot"/>
+      </p:par>
+    </p:tnLst>
+  </p:timing>
+</p:sld>
+</file>
+
+<file path=ppt/slides/slide42.xml><?xml version="1.0" encoding="utf-8"?>
+<p:sld xmlns:a="http://schemas.openxmlformats.org/drawingml/2006/main" xmlns:r="http://schemas.openxmlformats.org/officeDocument/2006/relationships" xmlns:p="http://schemas.openxmlformats.org/presentationml/2006/main">
+  <p:cSld>
+    <p:spTree>
+      <p:nvGrpSpPr>
+        <p:cNvPr id="1" name=""/>
+        <p:cNvGrpSpPr/>
+        <p:nvPr/>
+      </p:nvGrpSpPr>
+      <p:grpSpPr>
+        <a:xfrm>
+          <a:off x="0" y="0"/>
+          <a:ext cx="0" cy="0"/>
+          <a:chOff x="0" y="0"/>
+          <a:chExt cx="0" cy="0"/>
+        </a:xfrm>
+      </p:grpSpPr>
+      <p:sp>
+        <p:nvSpPr>
+          <p:cNvPr id="2" name="Titolo 1"/>
+          <p:cNvSpPr>
+            <a:spLocks noGrp="1"/>
+          </p:cNvSpPr>
+          <p:nvPr>
+            <p:ph type="title"/>
+          </p:nvPr>
+        </p:nvSpPr>
+        <p:spPr/>
+        <p:txBody>
+          <a:bodyPr/>
+          <a:lstStyle/>
+          <a:p>
+            <a:r>
+              <a:rPr lang="it-IT" dirty="0" err="1"/>
+              <a:t>Advantages</a:t>
+            </a:r>
+            <a:r>
+              <a:rPr lang="it-IT" dirty="0"/>
+              <a:t> of OOP(3</a:t>
+            </a:r>
+            <a:r>
+              <a:rPr lang="it-IT" dirty="0" smtClean="0"/>
+              <a:t>)</a:t>
+            </a:r>
+            <a:endParaRPr lang="it-IT" dirty="0"/>
+          </a:p>
+        </p:txBody>
+      </p:sp>
+      <p:sp>
+        <p:nvSpPr>
+          <p:cNvPr id="4" name="Segnaposto contenuto 3"/>
+          <p:cNvSpPr>
+            <a:spLocks noGrp="1"/>
+          </p:cNvSpPr>
+          <p:nvPr>
+            <p:ph idx="1"/>
+          </p:nvPr>
+        </p:nvSpPr>
+        <p:spPr/>
+        <p:txBody>
+          <a:bodyPr>
+            <a:normAutofit/>
+          </a:bodyPr>
+          <a:lstStyle/>
+          <a:p>
+            <a:r>
+              <a:rPr lang="it-IT" dirty="0" err="1" smtClean="0">
+                <a:solidFill>
+                  <a:srgbClr val="E46C0A"/>
+                </a:solidFill>
+              </a:rPr>
+              <a:t>Support</a:t>
+            </a:r>
+            <a:r>
+              <a:rPr lang="it-IT" dirty="0" smtClean="0">
+                <a:solidFill>
+                  <a:srgbClr val="E46C0A"/>
+                </a:solidFill>
+              </a:rPr>
+              <a:t> </a:t>
+            </a:r>
+            <a:r>
+              <a:rPr lang="it-IT" dirty="0" err="1" smtClean="0">
+                <a:solidFill>
+                  <a:srgbClr val="E46C0A"/>
+                </a:solidFill>
+              </a:rPr>
+              <a:t>incremental</a:t>
+            </a:r>
+            <a:r>
+              <a:rPr lang="it-IT" dirty="0" smtClean="0">
+                <a:solidFill>
+                  <a:srgbClr val="E46C0A"/>
+                </a:solidFill>
+              </a:rPr>
+              <a:t> design and </a:t>
+            </a:r>
+            <a:r>
+              <a:rPr lang="it-IT" dirty="0" err="1" smtClean="0">
+                <a:solidFill>
+                  <a:srgbClr val="E46C0A"/>
+                </a:solidFill>
+              </a:rPr>
+              <a:t>development</a:t>
+            </a:r>
+            <a:endParaRPr lang="it-IT" dirty="0" smtClean="0">
+              <a:solidFill>
+                <a:srgbClr val="E46C0A"/>
+              </a:solidFill>
+            </a:endParaRPr>
+          </a:p>
+          <a:p>
+            <a:pPr lvl="1"/>
+            <a:r>
+              <a:rPr lang="it-IT" dirty="0" err="1" smtClean="0"/>
+              <a:t>Define</a:t>
+            </a:r>
+            <a:r>
+              <a:rPr lang="it-IT" dirty="0" smtClean="0"/>
+              <a:t> new </a:t>
+            </a:r>
+            <a:r>
+              <a:rPr lang="it-IT" dirty="0" err="1" smtClean="0"/>
+              <a:t>classes</a:t>
+            </a:r>
+            <a:r>
+              <a:rPr lang="it-IT" dirty="0" smtClean="0"/>
+              <a:t> by </a:t>
+            </a:r>
+            <a:r>
+              <a:rPr lang="it-IT" dirty="0" err="1" smtClean="0"/>
+              <a:t>extending</a:t>
+            </a:r>
+            <a:r>
+              <a:rPr lang="it-IT" dirty="0" smtClean="0"/>
+              <a:t> the </a:t>
+            </a:r>
+            <a:r>
+              <a:rPr lang="it-IT" dirty="0" err="1" smtClean="0"/>
+              <a:t>exsisting</a:t>
+            </a:r>
+            <a:r>
+              <a:rPr lang="it-IT" dirty="0" smtClean="0"/>
+              <a:t> </a:t>
+            </a:r>
+            <a:r>
+              <a:rPr lang="it-IT" dirty="0" err="1" smtClean="0"/>
+              <a:t>ones</a:t>
+            </a:r>
+            <a:r>
+              <a:rPr lang="it-IT" dirty="0"/>
+              <a:t> </a:t>
+            </a:r>
+            <a:r>
+              <a:rPr lang="it-IT" dirty="0" smtClean="0"/>
+              <a:t>(e.g. new </a:t>
+            </a:r>
+            <a:r>
+              <a:rPr lang="it-IT" dirty="0" err="1" smtClean="0"/>
+              <a:t>class</a:t>
+            </a:r>
+            <a:r>
+              <a:rPr lang="it-IT" dirty="0" smtClean="0"/>
+              <a:t> </a:t>
+            </a:r>
+            <a:r>
+              <a:rPr lang="it-IT" dirty="0" err="1" smtClean="0"/>
+              <a:t>student</a:t>
+            </a:r>
+            <a:r>
+              <a:rPr lang="it-IT" dirty="0" smtClean="0"/>
+              <a:t> </a:t>
+            </a:r>
+            <a:r>
+              <a:rPr lang="it-IT" dirty="0" err="1" smtClean="0"/>
+              <a:t>starting</a:t>
+            </a:r>
+            <a:r>
+              <a:rPr lang="it-IT" dirty="0" smtClean="0"/>
+              <a:t> from an </a:t>
+            </a:r>
+            <a:r>
+              <a:rPr lang="it-IT" dirty="0" err="1" smtClean="0"/>
+              <a:t>exsisting</a:t>
+            </a:r>
+            <a:r>
+              <a:rPr lang="it-IT" dirty="0" smtClean="0"/>
+              <a:t> </a:t>
+            </a:r>
+            <a:r>
+              <a:rPr lang="it-IT" dirty="0" err="1" smtClean="0"/>
+              <a:t>class</a:t>
+            </a:r>
+            <a:r>
+              <a:rPr lang="it-IT" dirty="0" smtClean="0"/>
+              <a:t> </a:t>
+            </a:r>
+            <a:r>
+              <a:rPr lang="it-IT" dirty="0" err="1" smtClean="0"/>
+              <a:t>people</a:t>
+            </a:r>
+            <a:r>
+              <a:rPr lang="it-IT" dirty="0" smtClean="0"/>
+              <a:t> )</a:t>
+            </a:r>
+          </a:p>
+          <a:p>
+            <a:r>
+              <a:rPr lang="it-IT" dirty="0" smtClean="0">
+                <a:solidFill>
+                  <a:srgbClr val="E46C0A"/>
+                </a:solidFill>
+              </a:rPr>
+              <a:t>Chance of </a:t>
+            </a:r>
+            <a:r>
+              <a:rPr lang="it-IT" dirty="0" err="1" smtClean="0">
+                <a:solidFill>
+                  <a:srgbClr val="E46C0A"/>
+                </a:solidFill>
+              </a:rPr>
+              <a:t>rapid</a:t>
+            </a:r>
+            <a:r>
+              <a:rPr lang="it-IT" dirty="0">
+                <a:solidFill>
+                  <a:srgbClr val="E46C0A"/>
+                </a:solidFill>
+              </a:rPr>
+              <a:t> </a:t>
+            </a:r>
+            <a:r>
+              <a:rPr lang="it-IT" dirty="0" err="1">
+                <a:solidFill>
+                  <a:srgbClr val="E46C0A"/>
+                </a:solidFill>
+              </a:rPr>
+              <a:t>prototyping</a:t>
+            </a:r>
+            <a:endParaRPr lang="it-IT" dirty="0" smtClean="0">
+              <a:solidFill>
+                <a:srgbClr val="E46C0A"/>
+              </a:solidFill>
+            </a:endParaRPr>
+          </a:p>
+          <a:p>
+            <a:pPr lvl="1"/>
+            <a:r>
+              <a:rPr lang="it-IT" dirty="0" err="1" smtClean="0"/>
+              <a:t>Testing</a:t>
+            </a:r>
+            <a:r>
+              <a:rPr lang="it-IT" dirty="0" smtClean="0"/>
+              <a:t> </a:t>
+            </a:r>
+            <a:r>
+              <a:rPr lang="it-IT" dirty="0" err="1" smtClean="0"/>
+              <a:t>object</a:t>
+            </a:r>
+            <a:r>
+              <a:rPr lang="it-IT" dirty="0" smtClean="0"/>
+              <a:t> </a:t>
+            </a:r>
+            <a:r>
+              <a:rPr lang="it-IT" dirty="0" err="1" smtClean="0"/>
+              <a:t>without</a:t>
+            </a:r>
+            <a:r>
+              <a:rPr lang="it-IT" dirty="0" smtClean="0"/>
+              <a:t> </a:t>
+            </a:r>
+            <a:r>
+              <a:rPr lang="it-IT" dirty="0" err="1" smtClean="0"/>
+              <a:t>caring</a:t>
+            </a:r>
+            <a:r>
+              <a:rPr lang="it-IT" dirty="0" smtClean="0"/>
+              <a:t> of </a:t>
+            </a:r>
+            <a:r>
+              <a:rPr lang="it-IT" dirty="0" err="1"/>
+              <a:t>entirely</a:t>
+            </a:r>
+            <a:r>
+              <a:rPr lang="it-IT" dirty="0"/>
+              <a:t> </a:t>
+            </a:r>
+            <a:r>
+              <a:rPr lang="it-IT" dirty="0" err="1"/>
+              <a:t>define</a:t>
+            </a:r>
+            <a:r>
+              <a:rPr lang="it-IT" dirty="0"/>
+              <a:t> </a:t>
+            </a:r>
+            <a:r>
+              <a:rPr lang="it-IT" dirty="0" smtClean="0"/>
+              <a:t>the </a:t>
+            </a:r>
+            <a:r>
+              <a:rPr lang="it-IT" dirty="0" err="1" smtClean="0"/>
+              <a:t>class</a:t>
+            </a:r>
+            <a:r>
+              <a:rPr lang="it-IT" dirty="0" smtClean="0"/>
+              <a:t> </a:t>
+            </a:r>
+            <a:r>
+              <a:rPr lang="it-IT" dirty="0" err="1" smtClean="0"/>
+              <a:t>behaviour</a:t>
+            </a:r>
+            <a:r>
+              <a:rPr lang="it-IT" dirty="0" smtClean="0"/>
+              <a:t> </a:t>
+            </a:r>
+          </a:p>
+        </p:txBody>
+      </p:sp>
+      <p:sp>
+        <p:nvSpPr>
+          <p:cNvPr id="3" name="Segnaposto numero diapositiva 2"/>
+          <p:cNvSpPr>
+            <a:spLocks noGrp="1"/>
+          </p:cNvSpPr>
+          <p:nvPr>
+            <p:ph type="sldNum" sz="quarter" idx="12"/>
+          </p:nvPr>
+        </p:nvSpPr>
+        <p:spPr/>
+        <p:txBody>
+          <a:bodyPr/>
+          <a:lstStyle/>
+          <a:p>
+            <a:fld id="{D2040F39-7941-49A4-B48D-F201B18B6351}" type="slidenum">
+              <a:rPr lang="it-IT" smtClean="0"/>
+              <a:pPr/>
+              <a:t>42</a:t>
+            </a:fld>
+            <a:endParaRPr lang="it-IT"/>
+          </a:p>
+        </p:txBody>
+      </p:sp>
+    </p:spTree>
+    <p:extLst>
+      <p:ext uri="{BB962C8B-B14F-4D97-AF65-F5344CB8AC3E}">
+        <p14:creationId xmlns:p14="http://schemas.microsoft.com/office/powerpoint/2010/main" val="989184507"/>
+      </p:ext>
+    </p:extLst>
+  </p:cSld>
+  <p:clrMapOvr>
+    <a:masterClrMapping/>
+  </p:clrMapOvr>
+  <p:timing>
+    <p:tnLst>
+      <p:par>
+        <p:cTn xmlns:p14="http://schemas.microsoft.com/office/powerpoint/2010/main" id="1" dur="indefinite" restart="never" nodeType="tmRoot"/>
+      </p:par>
+    </p:tnLst>
+  </p:timing>
+</p:sld>
+</file>
+
+<file path=ppt/slides/slide43.xml><?xml version="1.0" encoding="utf-8"?>
+<p:sld xmlns:a="http://schemas.openxmlformats.org/drawingml/2006/main" xmlns:r="http://schemas.openxmlformats.org/officeDocument/2006/relationships" xmlns:p="http://schemas.openxmlformats.org/presentationml/2006/main">
+  <p:cSld>
+    <p:spTree>
+      <p:nvGrpSpPr>
+        <p:cNvPr id="1" name=""/>
+        <p:cNvGrpSpPr/>
+        <p:nvPr/>
+      </p:nvGrpSpPr>
+      <p:grpSpPr>
+        <a:xfrm>
+          <a:off x="0" y="0"/>
+          <a:ext cx="0" cy="0"/>
+          <a:chOff x="0" y="0"/>
+          <a:chExt cx="0" cy="0"/>
+        </a:xfrm>
+      </p:grpSpPr>
+      <p:sp>
+        <p:nvSpPr>
           <p:cNvPr id="72706" name="Rectangle 2"/>
           <p:cNvSpPr>
             <a:spLocks noGrp="1" noChangeArrowheads="1"/>
@@ -15370,11 +16684,7 @@
             </a:r>
             <a:r>
               <a:rPr lang="it-IT" dirty="0" smtClean="0"/>
-              <a:t>, </a:t>
-            </a:r>
-            <a:r>
-              <a:rPr lang="it-IT" dirty="0" smtClean="0"/>
-              <a:t>How </a:t>
+              <a:t>, How </a:t>
             </a:r>
             <a:r>
               <a:rPr lang="it-IT" dirty="0" err="1" smtClean="0"/>
@@ -15443,7 +16753,7 @@
             <a:fld id="{11DA8C90-8F23-42AC-87C7-16989F4327FF}" type="slidenum">
               <a:rPr lang="it-IT"/>
               <a:pPr/>
-              <a:t>41</a:t>
+              <a:t>43</a:t>
             </a:fld>
             <a:endParaRPr lang="it-IT"/>
           </a:p>
@@ -15459,11 +16769,11 @@
   <p:clrMapOvr>
     <a:masterClrMapping/>
   </p:clrMapOvr>
-  <p:transition/>
+  <p:transition xmlns:p14="http://schemas.microsoft.com/office/powerpoint/2010/main"/>
   <p:timing>
     <p:tnLst>
       <p:par>
-        <p:cTn id="1" dur="indefinite" restart="never" nodeType="tmRoot"/>
+        <p:cTn xmlns:p14="http://schemas.microsoft.com/office/powerpoint/2010/main" id="1" dur="indefinite" restart="never" nodeType="tmRoot"/>
       </p:par>
     </p:tnLst>
   </p:timing>
@@ -15523,7 +16833,7 @@
         <p:spPr/>
         <p:txBody>
           <a:bodyPr>
-            <a:normAutofit fontScale="85000" lnSpcReduction="10000"/>
+            <a:normAutofit fontScale="85000" lnSpcReduction="20000"/>
           </a:bodyPr>
           <a:lstStyle/>
           <a:p>
@@ -15629,7 +16939,7 @@
   <p:timing>
     <p:tnLst>
       <p:par>
-        <p:cTn id="1" dur="indefinite" restart="never" nodeType="tmRoot"/>
+        <p:cTn xmlns:p14="http://schemas.microsoft.com/office/powerpoint/2010/main" id="1" dur="indefinite" restart="never" nodeType="tmRoot"/>
       </p:par>
     </p:tnLst>
   </p:timing>
@@ -15764,25 +17074,18 @@
               <a:t>in-house testing, and 0.5 defect per </a:t>
             </a:r>
             <a:r>
-              <a:rPr lang="en-US" b="1" dirty="0"/>
-              <a:t>KLOC</a:t>
+              <a:rPr lang="en-US" dirty="0" smtClean="0"/>
+              <a:t>1000 </a:t>
             </a:r>
             <a:r>
               <a:rPr lang="en-US" dirty="0"/>
-              <a:t> (</a:t>
-            </a:r>
-            <a:r>
-              <a:rPr lang="en-US" b="1" dirty="0"/>
-              <a:t>KLOC</a:t>
-            </a:r>
-            <a:r>
-              <a:rPr lang="en-US" dirty="0"/>
-              <a:t> IS CALLED AS 1000 lines of code</a:t>
+              <a:t>lines of </a:t>
             </a:r>
             <a:r>
               <a:rPr lang="en-US" dirty="0" smtClean="0"/>
-              <a:t>)</a:t>
-            </a:r>
+              <a:t>delivered code</a:t>
+            </a:r>
+            <a:endParaRPr lang="en-US" dirty="0" smtClean="0"/>
           </a:p>
           <a:p>
             <a:pPr marL="457200" lvl="1" indent="0">
@@ -15854,7 +17157,11 @@
             </a:r>
             <a:r>
               <a:rPr lang="en-US" dirty="0"/>
-              <a:t>testing and 0.1 defect per 1000 lines of code in released product</a:t>
+              <a:t>testing and 0.1 defect per 1000 lines of </a:t>
+            </a:r>
+            <a:r>
+              <a:rPr lang="en-US" dirty="0" smtClean="0"/>
+              <a:t>delivered code</a:t>
             </a:r>
             <a:endParaRPr lang="it-IT" dirty="0" smtClean="0"/>
           </a:p>
@@ -15897,7 +17204,7 @@
   <p:timing>
     <p:tnLst>
       <p:par>
-        <p:cTn id="1" dur="indefinite" restart="never" nodeType="tmRoot"/>
+        <p:cTn xmlns:p14="http://schemas.microsoft.com/office/powerpoint/2010/main" id="1" dur="indefinite" restart="never" nodeType="tmRoot"/>
       </p:par>
     </p:tnLst>
   </p:timing>
@@ -15958,14 +17265,14 @@
             <p:ph idx="1"/>
             <p:extLst>
               <p:ext uri="{D42A27DB-BD31-4B8C-83A1-F6EECF244321}">
-                <p14:modId xmlns:p14="http://schemas.microsoft.com/office/powerpoint/2010/main" val="2769150245"/>
+                <p14:modId xmlns:p14="http://schemas.microsoft.com/office/powerpoint/2010/main" val="3433000053"/>
               </p:ext>
             </p:extLst>
           </p:nvPr>
         </p:nvGraphicFramePr>
         <p:xfrm>
-          <a:off x="467544" y="1916832"/>
-          <a:ext cx="8229600" cy="2966720"/>
+          <a:off x="611560" y="1916832"/>
+          <a:ext cx="7272808" cy="2966720"/>
         </p:xfrm>
         <a:graphic>
           <a:graphicData uri="http://schemas.openxmlformats.org/drawingml/2006/table">
@@ -15974,9 +17281,8 @@
                 <a:tableStyleId>{5C22544A-7EE6-4342-B048-85BDC9FD1C3A}</a:tableStyleId>
               </a:tblPr>
               <a:tblGrid>
-                <a:gridCol w="2743200"/>
-                <a:gridCol w="2743200"/>
-                <a:gridCol w="2743200"/>
+                <a:gridCol w="4968552"/>
+                <a:gridCol w="2304256"/>
               </a:tblGrid>
               <a:tr h="370840">
                 <a:tc>
@@ -16005,20 +17311,6 @@
                       <a:r>
                         <a:rPr lang="it-IT" dirty="0" err="1" smtClean="0"/>
                         <a:t>codes</a:t>
-                      </a:r>
-                      <a:endParaRPr lang="it-IT" dirty="0"/>
-                    </a:p>
-                  </a:txBody>
-                  <a:tcPr/>
-                </a:tc>
-                <a:tc>
-                  <a:txBody>
-                    <a:bodyPr/>
-                    <a:lstStyle/>
-                    <a:p>
-                      <a:r>
-                        <a:rPr lang="it-IT" dirty="0" smtClean="0"/>
-                        <a:t>Bugs</a:t>
                       </a:r>
                       <a:endParaRPr lang="it-IT" dirty="0"/>
                     </a:p>
@@ -16056,21 +17348,6 @@
                   </a:txBody>
                   <a:tcPr/>
                 </a:tc>
-                <a:tc>
-                  <a:txBody>
-                    <a:bodyPr/>
-                    <a:lstStyle/>
-                    <a:p>
-                      <a:pPr algn="r"/>
-                      <a:r>
-                        <a:rPr lang="it-IT" dirty="0" smtClean="0"/>
-                        <a:t>22K</a:t>
-                      </a:r>
-                      <a:endParaRPr lang="it-IT" dirty="0"/>
-                    </a:p>
-                  </a:txBody>
-                  <a:tcPr/>
-                </a:tc>
               </a:tr>
               <a:tr h="370840">
                 <a:tc>
@@ -16080,7 +17357,11 @@
                     <a:p>
                       <a:r>
                         <a:rPr lang="it-IT" dirty="0" smtClean="0"/>
-                        <a:t>Windows Vista</a:t>
+                        <a:t>Windows </a:t>
+                      </a:r>
+                      <a:r>
+                        <a:rPr lang="it-IT" dirty="0" smtClean="0"/>
+                        <a:t>10</a:t>
                       </a:r>
                       <a:endParaRPr lang="it-IT" dirty="0"/>
                     </a:p>
@@ -16095,22 +17376,7 @@
                       <a:pPr algn="r"/>
                       <a:r>
                         <a:rPr lang="it-IT" dirty="0" smtClean="0"/>
-                        <a:t>50M</a:t>
-                      </a:r>
-                      <a:endParaRPr lang="it-IT" dirty="0"/>
-                    </a:p>
-                  </a:txBody>
-                  <a:tcPr/>
-                </a:tc>
-                <a:tc>
-                  <a:txBody>
-                    <a:bodyPr/>
-                    <a:lstStyle/>
-                    <a:p>
-                      <a:pPr algn="r"/>
-                      <a:r>
-                        <a:rPr lang="it-IT" dirty="0" smtClean="0"/>
-                        <a:t>25K</a:t>
+                        <a:t>55M</a:t>
                       </a:r>
                       <a:endParaRPr lang="it-IT" dirty="0"/>
                     </a:p>
@@ -16130,7 +17396,11 @@
                       </a:r>
                       <a:r>
                         <a:rPr lang="it-IT" dirty="0" smtClean="0"/>
-                        <a:t> 5.0</a:t>
+                        <a:t> </a:t>
+                      </a:r>
+                      <a:r>
+                        <a:rPr lang="it-IT" dirty="0" smtClean="0"/>
+                        <a:t>7.0</a:t>
                       </a:r>
                       <a:endParaRPr lang="it-IT" dirty="0"/>
                     </a:p>
@@ -16145,22 +17415,7 @@
                       <a:pPr algn="r"/>
                       <a:r>
                         <a:rPr lang="it-IT" dirty="0" smtClean="0"/>
-                        <a:t>324M</a:t>
-                      </a:r>
-                      <a:endParaRPr lang="it-IT" dirty="0"/>
-                    </a:p>
-                  </a:txBody>
-                  <a:tcPr/>
-                </a:tc>
-                <a:tc>
-                  <a:txBody>
-                    <a:bodyPr/>
-                    <a:lstStyle/>
-                    <a:p>
-                      <a:pPr algn="r"/>
-                      <a:r>
-                        <a:rPr lang="it-IT" dirty="0" smtClean="0"/>
-                        <a:t>4860K</a:t>
+                        <a:t>419M</a:t>
                       </a:r>
                       <a:endParaRPr lang="it-IT" dirty="0"/>
                     </a:p>
@@ -16201,7 +17456,11 @@
                       </a:r>
                       <a:r>
                         <a:rPr lang="it-IT" dirty="0" smtClean="0"/>
-                        <a:t> 2.6.35</a:t>
+                        <a:t> </a:t>
+                      </a:r>
+                      <a:r>
+                        <a:rPr lang="it-IT" dirty="0" smtClean="0"/>
+                        <a:t>3.6</a:t>
                       </a:r>
                       <a:endParaRPr lang="it-IT" dirty="0"/>
                     </a:p>
@@ -16216,22 +17475,7 @@
                       <a:pPr algn="r"/>
                       <a:r>
                         <a:rPr lang="it-IT" dirty="0" smtClean="0"/>
-                        <a:t>13M</a:t>
-                      </a:r>
-                      <a:endParaRPr lang="it-IT" dirty="0"/>
-                    </a:p>
-                  </a:txBody>
-                  <a:tcPr/>
-                </a:tc>
-                <a:tc>
-                  <a:txBody>
-                    <a:bodyPr/>
-                    <a:lstStyle/>
-                    <a:p>
-                      <a:pPr algn="r"/>
-                      <a:r>
-                        <a:rPr lang="it-IT" dirty="0" smtClean="0"/>
-                        <a:t>195K</a:t>
+                        <a:t>16M</a:t>
                       </a:r>
                       <a:endParaRPr lang="it-IT" dirty="0"/>
                     </a:p>
@@ -16290,21 +17534,6 @@
                   </a:txBody>
                   <a:tcPr/>
                 </a:tc>
-                <a:tc>
-                  <a:txBody>
-                    <a:bodyPr/>
-                    <a:lstStyle/>
-                    <a:p>
-                      <a:pPr algn="r"/>
-                      <a:r>
-                        <a:rPr lang="it-IT" dirty="0" smtClean="0"/>
-                        <a:t>1290K</a:t>
-                      </a:r>
-                      <a:endParaRPr lang="it-IT" dirty="0"/>
-                    </a:p>
-                  </a:txBody>
-                  <a:tcPr/>
-                </a:tc>
               </a:tr>
               <a:tr h="370840">
                 <a:tc>
@@ -16330,21 +17559,6 @@
                       <a:r>
                         <a:rPr lang="it-IT" dirty="0" smtClean="0"/>
                         <a:t>1M</a:t>
-                      </a:r>
-                      <a:endParaRPr lang="it-IT" dirty="0"/>
-                    </a:p>
-                  </a:txBody>
-                  <a:tcPr/>
-                </a:tc>
-                <a:tc>
-                  <a:txBody>
-                    <a:bodyPr/>
-                    <a:lstStyle/>
-                    <a:p>
-                      <a:pPr algn="r"/>
-                      <a:r>
-                        <a:rPr lang="it-IT" dirty="0" smtClean="0"/>
-                        <a:t>15K</a:t>
                       </a:r>
                       <a:endParaRPr lang="it-IT" dirty="0"/>
                     </a:p>
@@ -16382,21 +17596,6 @@
                   </a:txBody>
                   <a:tcPr/>
                 </a:tc>
-                <a:tc>
-                  <a:txBody>
-                    <a:bodyPr/>
-                    <a:lstStyle/>
-                    <a:p>
-                      <a:pPr algn="r"/>
-                      <a:r>
-                        <a:rPr lang="it-IT" dirty="0" smtClean="0"/>
-                        <a:t>9K</a:t>
-                      </a:r>
-                      <a:endParaRPr lang="it-IT" dirty="0"/>
-                    </a:p>
-                  </a:txBody>
-                  <a:tcPr/>
-                </a:tc>
               </a:tr>
             </a:tbl>
           </a:graphicData>
@@ -16499,7 +17698,7 @@
   <p:timing>
     <p:tnLst>
       <p:par>
-        <p:cTn id="1" dur="indefinite" restart="never" nodeType="tmRoot"/>
+        <p:cTn xmlns:p14="http://schemas.microsoft.com/office/powerpoint/2010/main" id="1" dur="indefinite" restart="never" nodeType="tmRoot"/>
       </p:par>
     </p:tnLst>
   </p:timing>
@@ -16565,8 +17764,13 @@
           <a:p>
             <a:r>
               <a:rPr lang="en-US" dirty="0" smtClean="0"/>
-              <a:t>Build well-managed software which can be:</a:t>
-            </a:r>
+              <a:t>Build </a:t>
+            </a:r>
+            <a:r>
+              <a:rPr lang="en-US" dirty="0" smtClean="0"/>
+              <a:t>software being:</a:t>
+            </a:r>
+            <a:endParaRPr lang="en-US" dirty="0" smtClean="0"/>
           </a:p>
           <a:p>
             <a:pPr lvl="1"/>
@@ -16592,8 +17796,21 @@
             </a:r>
             <a:r>
               <a:rPr lang="en-US" dirty="0" smtClean="0"/>
-              <a:t>, the OOP focus on  programming techniques to build software</a:t>
-            </a:r>
+              <a:t>, </a:t>
+            </a:r>
+            <a:r>
+              <a:rPr lang="en-US" b="1" dirty="0" smtClean="0"/>
+              <a:t>OOP </a:t>
+            </a:r>
+            <a:r>
+              <a:rPr lang="en-US" b="1" dirty="0" smtClean="0"/>
+              <a:t>focus on  programming </a:t>
+            </a:r>
+            <a:r>
+              <a:rPr lang="en-US" b="1" dirty="0" smtClean="0"/>
+              <a:t>techniques</a:t>
+            </a:r>
+            <a:endParaRPr lang="en-US" dirty="0" smtClean="0"/>
           </a:p>
         </p:txBody>
       </p:sp>
@@ -16749,46 +17966,35 @@
             </a:r>
             <a:r>
               <a:rPr lang="it-IT" dirty="0" smtClean="0"/>
-              <a:t> a new </a:t>
-            </a:r>
-            <a:r>
-              <a:rPr lang="it-IT" dirty="0" err="1" smtClean="0"/>
-              <a:t>approach</a:t>
-            </a:r>
-            <a:r>
-              <a:rPr lang="it-IT" dirty="0" smtClean="0"/>
-              <a:t> so </a:t>
-            </a:r>
-            <a:r>
-              <a:rPr lang="it-IT" dirty="0" err="1" smtClean="0"/>
-              <a:t>that</a:t>
+              <a:t> </a:t>
+            </a:r>
+            <a:r>
+              <a:rPr lang="it-IT" dirty="0" err="1" smtClean="0"/>
+              <a:t>approaches</a:t>
+            </a:r>
+            <a:r>
+              <a:rPr lang="it-IT" dirty="0" smtClean="0"/>
+              <a:t> </a:t>
+            </a:r>
+            <a:r>
+              <a:rPr lang="it-IT" dirty="0" err="1" smtClean="0"/>
+              <a:t>allowing</a:t>
             </a:r>
             <a:r>
               <a:rPr lang="it-IT" dirty="0" smtClean="0"/>
               <a:t>:</a:t>
             </a:r>
+            <a:endParaRPr lang="it-IT" dirty="0" smtClean="0"/>
           </a:p>
           <a:p>
             <a:pPr lvl="1"/>
             <a:r>
-              <a:rPr lang="it-IT" dirty="0" smtClean="0"/>
-              <a:t>At the </a:t>
-            </a:r>
-            <a:r>
-              <a:rPr lang="it-IT" dirty="0" err="1" smtClean="0"/>
-              <a:t>project</a:t>
-            </a:r>
-            <a:r>
-              <a:rPr lang="it-IT" dirty="0" smtClean="0"/>
-              <a:t> stage, </a:t>
-            </a:r>
-            <a:r>
-              <a:rPr lang="it-IT" dirty="0" err="1" smtClean="0"/>
-              <a:t>allows</a:t>
-            </a:r>
-            <a:r>
-              <a:rPr lang="it-IT" dirty="0" smtClean="0"/>
-              <a:t> to </a:t>
+              <a:rPr lang="it-IT" dirty="0" err="1" smtClean="0"/>
+              <a:t>During</a:t>
+            </a:r>
+            <a:r>
+              <a:rPr lang="it-IT" dirty="0" smtClean="0"/>
+              <a:t> design, to </a:t>
             </a:r>
             <a:r>
               <a:rPr lang="it-IT" dirty="0" err="1" smtClean="0"/>
@@ -16823,145 +18029,76 @@
               <a:t> </a:t>
             </a:r>
             <a:r>
-              <a:rPr lang="it-IT" dirty="0" smtClean="0"/>
-              <a:t>(</a:t>
-            </a:r>
-            <a:r>
-              <a:rPr lang="it-IT" dirty="0" err="1" smtClean="0"/>
-              <a:t>if</a:t>
-            </a:r>
-            <a:r>
-              <a:rPr lang="it-IT" dirty="0" smtClean="0"/>
+              <a:rPr lang="it-IT" b="1" i="1" dirty="0" err="1" smtClean="0"/>
+              <a:t>containing</a:t>
+            </a:r>
+            <a:r>
+              <a:rPr lang="it-IT" b="1" i="1" dirty="0" smtClean="0"/>
               <a:t> </a:t>
             </a:r>
             <a:r>
-              <a:rPr lang="it-IT" dirty="0" err="1" smtClean="0"/>
-              <a:t>required</a:t>
-            </a:r>
-            <a:r>
-              <a:rPr lang="it-IT" dirty="0" smtClean="0"/>
+              <a:rPr lang="it-IT" i="1" dirty="0" err="1" smtClean="0"/>
+              <a:t>both</a:t>
+            </a:r>
+            <a:r>
+              <a:rPr lang="it-IT" b="1" i="1" dirty="0" smtClean="0"/>
+              <a:t> data and </a:t>
+            </a:r>
+            <a:r>
+              <a:rPr lang="it-IT" b="1" i="1" dirty="0" err="1" smtClean="0"/>
+              <a:t>functions</a:t>
+            </a:r>
+            <a:r>
+              <a:rPr lang="it-IT" b="1" i="1" dirty="0" smtClean="0"/>
               <a:t> </a:t>
             </a:r>
             <a:r>
-              <a:rPr lang="it-IT" dirty="0" err="1" smtClean="0"/>
-              <a:t>also</a:t>
-            </a:r>
-            <a:r>
-              <a:rPr lang="it-IT" dirty="0" smtClean="0"/>
+              <a:rPr lang="it-IT" i="1" dirty="0" smtClean="0"/>
+              <a:t>and</a:t>
+            </a:r>
+            <a:r>
+              <a:rPr lang="it-IT" b="1" i="1" dirty="0" smtClean="0"/>
               <a:t> </a:t>
             </a:r>
             <a:r>
-              <a:rPr lang="it-IT" dirty="0" err="1" smtClean="0"/>
-              <a:t>complex</a:t>
-            </a:r>
-            <a:r>
-              <a:rPr lang="it-IT" dirty="0" smtClean="0"/>
-              <a:t>)</a:t>
-            </a:r>
-          </a:p>
-          <a:p>
-            <a:pPr marL="457200" lvl="1" indent="0">
-              <a:buNone/>
-            </a:pPr>
-            <a:endParaRPr lang="it-IT" dirty="0" smtClean="0"/>
-          </a:p>
-          <a:p>
-            <a:pPr lvl="1"/>
-            <a:r>
-              <a:rPr lang="it-IT" dirty="0" smtClean="0"/>
-              <a:t>At the </a:t>
-            </a:r>
-            <a:r>
-              <a:rPr lang="it-IT" dirty="0" err="1" smtClean="0"/>
-              <a:t>implementation</a:t>
-            </a:r>
-            <a:r>
-              <a:rPr lang="it-IT" dirty="0" smtClean="0"/>
-              <a:t> stage, </a:t>
-            </a:r>
-            <a:r>
-              <a:rPr lang="it-IT" dirty="0" err="1" smtClean="0"/>
-              <a:t>allows</a:t>
-            </a:r>
-            <a:r>
-              <a:rPr lang="it-IT" dirty="0" smtClean="0"/>
+              <a:rPr lang="it-IT" b="1" i="1" dirty="0" err="1" smtClean="0"/>
+              <a:t>preventing</a:t>
+            </a:r>
+            <a:r>
+              <a:rPr lang="it-IT" b="1" i="1" dirty="0" smtClean="0"/>
+              <a:t> </a:t>
+            </a:r>
+            <a:r>
+              <a:rPr lang="it-IT" b="1" i="1" dirty="0" err="1" smtClean="0"/>
+              <a:t>other</a:t>
+            </a:r>
+            <a:r>
+              <a:rPr lang="it-IT" b="1" i="1" dirty="0" smtClean="0"/>
+              <a:t> </a:t>
+            </a:r>
+            <a:r>
+              <a:rPr lang="it-IT" b="1" i="1" dirty="0" err="1" smtClean="0"/>
+              <a:t>entities</a:t>
+            </a:r>
+            <a:r>
+              <a:rPr lang="it-IT" b="1" i="1" dirty="0" smtClean="0"/>
               <a:t> to </a:t>
             </a:r>
             <a:r>
-              <a:rPr lang="it-IT" b="1" dirty="0" err="1" smtClean="0"/>
-              <a:t>identify</a:t>
-            </a:r>
-            <a:r>
-              <a:rPr lang="it-IT" dirty="0" smtClean="0"/>
-              <a:t> </a:t>
-            </a:r>
-            <a:r>
-              <a:rPr lang="it-IT" dirty="0" err="1" smtClean="0"/>
-              <a:t>functions</a:t>
-            </a:r>
-            <a:r>
-              <a:rPr lang="it-IT" dirty="0" smtClean="0"/>
-              <a:t> </a:t>
-            </a:r>
-            <a:r>
-              <a:rPr lang="it-IT" dirty="0" err="1" smtClean="0"/>
-              <a:t>that</a:t>
-            </a:r>
-            <a:r>
-              <a:rPr lang="it-IT" dirty="0" smtClean="0"/>
-              <a:t> </a:t>
-            </a:r>
-            <a:r>
-              <a:rPr lang="it-IT" dirty="0" err="1" smtClean="0"/>
-              <a:t>uses</a:t>
-            </a:r>
-            <a:r>
-              <a:rPr lang="it-IT" dirty="0" smtClean="0"/>
-              <a:t> some data and </a:t>
-            </a:r>
-            <a:r>
-              <a:rPr lang="it-IT" dirty="0" err="1" smtClean="0"/>
-              <a:t>prevent</a:t>
-            </a:r>
-            <a:r>
-              <a:rPr lang="it-IT" dirty="0" smtClean="0"/>
-              <a:t> </a:t>
-            </a:r>
-            <a:r>
-              <a:rPr lang="it-IT" dirty="0" err="1" smtClean="0"/>
-              <a:t>them</a:t>
-            </a:r>
-            <a:r>
-              <a:rPr lang="it-IT" dirty="0" smtClean="0"/>
-              <a:t> </a:t>
-            </a:r>
-            <a:r>
-              <a:rPr lang="it-IT" dirty="0" err="1" smtClean="0"/>
-              <a:t>being</a:t>
-            </a:r>
-            <a:r>
-              <a:rPr lang="it-IT" dirty="0" smtClean="0"/>
-              <a:t> </a:t>
-            </a:r>
-            <a:r>
-              <a:rPr lang="it-IT" dirty="0" err="1" smtClean="0"/>
-              <a:t>accessed</a:t>
-            </a:r>
-            <a:r>
-              <a:rPr lang="it-IT" dirty="0" smtClean="0"/>
-              <a:t> from </a:t>
-            </a:r>
-            <a:r>
-              <a:rPr lang="it-IT" dirty="0" err="1" smtClean="0"/>
-              <a:t>other</a:t>
-            </a:r>
-            <a:r>
-              <a:rPr lang="it-IT" dirty="0" smtClean="0"/>
-              <a:t> </a:t>
-            </a:r>
-            <a:r>
-              <a:rPr lang="it-IT" dirty="0" err="1" smtClean="0"/>
-              <a:t>functions</a:t>
+              <a:rPr lang="it-IT" b="1" i="1" dirty="0" err="1" smtClean="0"/>
+              <a:t>access</a:t>
+            </a:r>
+            <a:r>
+              <a:rPr lang="it-IT" b="1" i="1" dirty="0" smtClean="0"/>
+              <a:t> the </a:t>
+            </a:r>
+            <a:r>
+              <a:rPr lang="it-IT" b="1" i="1" dirty="0" err="1" smtClean="0"/>
+              <a:t>same</a:t>
+            </a:r>
+            <a:r>
+              <a:rPr lang="it-IT" b="1" i="1" dirty="0" smtClean="0"/>
+              <a:t> data</a:t>
             </a:r>
             <a:endParaRPr lang="it-IT" dirty="0" smtClean="0"/>
           </a:p>
